--- a/宣道詩/(宣道詩101)我只是個罪人.pptx
+++ b/宣道詩/(宣道詩101)我只是個罪人.pptx
@@ -14,7 +14,7 @@
     <p:sldId id="262" r:id="rId8"/>
     <p:sldId id="263" r:id="rId9"/>
   </p:sldIdLst>
-  <p:sldSz cx="9144000" cy="6858000" type="screen4x3"/>
+  <p:sldSz cx="9144000" cy="5143500" type="screen16x9"/>
   <p:notesSz cx="6858000" cy="9144000"/>
   <p:defaultTextStyle>
     <a:defPPr>
@@ -143,8 +143,8 @@
         </p:nvSpPr>
         <p:spPr>
           <a:xfrm>
-            <a:off x="685800" y="2130425"/>
-            <a:ext cx="7772400" cy="1470025"/>
+            <a:off x="685800" y="1597819"/>
+            <a:ext cx="7772400" cy="1102519"/>
           </a:xfrm>
         </p:spPr>
         <p:txBody>
@@ -171,8 +171,8 @@
         </p:nvSpPr>
         <p:spPr>
           <a:xfrm>
-            <a:off x="1371600" y="3886200"/>
-            <a:ext cx="6400800" cy="1752600"/>
+            <a:off x="1371600" y="2914650"/>
+            <a:ext cx="6400800" cy="1314450"/>
           </a:xfrm>
         </p:spPr>
         <p:txBody>
@@ -295,7 +295,8 @@
           <a:p>
             <a:fld id="{0A4FAFAC-D9F1-449D-99A4-7782F4FE09F5}" type="datetimeFigureOut">
               <a:rPr lang="zh-TW" altLang="en-US" smtClean="0"/>
-              <a:t>2019/5/5</a:t>
+              <a:pPr/>
+              <a:t>2020/7/5</a:t>
             </a:fld>
             <a:endParaRPr lang="zh-TW" altLang="en-US"/>
           </a:p>
@@ -337,6 +338,7 @@
           <a:p>
             <a:fld id="{26B2EB9E-FC2F-45BD-894C-9C09980F2BCE}" type="slidenum">
               <a:rPr lang="zh-TW" altLang="en-US" smtClean="0"/>
+              <a:pPr/>
               <a:t>‹#›</a:t>
             </a:fld>
             <a:endParaRPr lang="zh-TW" altLang="en-US"/>
@@ -460,7 +462,8 @@
           <a:p>
             <a:fld id="{0A4FAFAC-D9F1-449D-99A4-7782F4FE09F5}" type="datetimeFigureOut">
               <a:rPr lang="zh-TW" altLang="en-US" smtClean="0"/>
-              <a:t>2019/5/5</a:t>
+              <a:pPr/>
+              <a:t>2020/7/5</a:t>
             </a:fld>
             <a:endParaRPr lang="zh-TW" altLang="en-US"/>
           </a:p>
@@ -502,6 +505,7 @@
           <a:p>
             <a:fld id="{26B2EB9E-FC2F-45BD-894C-9C09980F2BCE}" type="slidenum">
               <a:rPr lang="zh-TW" altLang="en-US" smtClean="0"/>
+              <a:pPr/>
               <a:t>‹#›</a:t>
             </a:fld>
             <a:endParaRPr lang="zh-TW" altLang="en-US"/>
@@ -545,8 +549,8 @@
         </p:nvSpPr>
         <p:spPr>
           <a:xfrm>
-            <a:off x="6629400" y="274638"/>
-            <a:ext cx="2057400" cy="5851525"/>
+            <a:off x="6629400" y="205979"/>
+            <a:ext cx="2057400" cy="4388644"/>
           </a:xfrm>
         </p:spPr>
         <p:txBody>
@@ -573,8 +577,8 @@
         </p:nvSpPr>
         <p:spPr>
           <a:xfrm>
-            <a:off x="457200" y="274638"/>
-            <a:ext cx="6019800" cy="5851525"/>
+            <a:off x="457200" y="205979"/>
+            <a:ext cx="6019800" cy="4388644"/>
           </a:xfrm>
         </p:spPr>
         <p:txBody>
@@ -635,7 +639,8 @@
           <a:p>
             <a:fld id="{0A4FAFAC-D9F1-449D-99A4-7782F4FE09F5}" type="datetimeFigureOut">
               <a:rPr lang="zh-TW" altLang="en-US" smtClean="0"/>
-              <a:t>2019/5/5</a:t>
+              <a:pPr/>
+              <a:t>2020/7/5</a:t>
             </a:fld>
             <a:endParaRPr lang="zh-TW" altLang="en-US"/>
           </a:p>
@@ -677,6 +682,7 @@
           <a:p>
             <a:fld id="{26B2EB9E-FC2F-45BD-894C-9C09980F2BCE}" type="slidenum">
               <a:rPr lang="zh-TW" altLang="en-US" smtClean="0"/>
+              <a:pPr/>
               <a:t>‹#›</a:t>
             </a:fld>
             <a:endParaRPr lang="zh-TW" altLang="en-US"/>
@@ -800,7 +806,8 @@
           <a:p>
             <a:fld id="{0A4FAFAC-D9F1-449D-99A4-7782F4FE09F5}" type="datetimeFigureOut">
               <a:rPr lang="zh-TW" altLang="en-US" smtClean="0"/>
-              <a:t>2019/5/5</a:t>
+              <a:pPr/>
+              <a:t>2020/7/5</a:t>
             </a:fld>
             <a:endParaRPr lang="zh-TW" altLang="en-US"/>
           </a:p>
@@ -842,6 +849,7 @@
           <a:p>
             <a:fld id="{26B2EB9E-FC2F-45BD-894C-9C09980F2BCE}" type="slidenum">
               <a:rPr lang="zh-TW" altLang="en-US" smtClean="0"/>
+              <a:pPr/>
               <a:t>‹#›</a:t>
             </a:fld>
             <a:endParaRPr lang="zh-TW" altLang="en-US"/>
@@ -885,8 +893,8 @@
         </p:nvSpPr>
         <p:spPr>
           <a:xfrm>
-            <a:off x="722313" y="4406900"/>
-            <a:ext cx="7772400" cy="1362075"/>
+            <a:off x="722313" y="3305176"/>
+            <a:ext cx="7772400" cy="1021556"/>
           </a:xfrm>
         </p:spPr>
         <p:txBody>
@@ -917,8 +925,8 @@
         </p:nvSpPr>
         <p:spPr>
           <a:xfrm>
-            <a:off x="722313" y="2906713"/>
-            <a:ext cx="7772400" cy="1500187"/>
+            <a:off x="722313" y="2180035"/>
+            <a:ext cx="7772400" cy="1125140"/>
           </a:xfrm>
         </p:spPr>
         <p:txBody>
@@ -1041,7 +1049,8 @@
           <a:p>
             <a:fld id="{0A4FAFAC-D9F1-449D-99A4-7782F4FE09F5}" type="datetimeFigureOut">
               <a:rPr lang="zh-TW" altLang="en-US" smtClean="0"/>
-              <a:t>2019/5/5</a:t>
+              <a:pPr/>
+              <a:t>2020/7/5</a:t>
             </a:fld>
             <a:endParaRPr lang="zh-TW" altLang="en-US"/>
           </a:p>
@@ -1083,6 +1092,7 @@
           <a:p>
             <a:fld id="{26B2EB9E-FC2F-45BD-894C-9C09980F2BCE}" type="slidenum">
               <a:rPr lang="zh-TW" altLang="en-US" smtClean="0"/>
+              <a:pPr/>
               <a:t>‹#›</a:t>
             </a:fld>
             <a:endParaRPr lang="zh-TW" altLang="en-US"/>
@@ -1149,8 +1159,8 @@
         </p:nvSpPr>
         <p:spPr>
           <a:xfrm>
-            <a:off x="457200" y="1600200"/>
-            <a:ext cx="4038600" cy="4525963"/>
+            <a:off x="457200" y="1200151"/>
+            <a:ext cx="4038600" cy="3394472"/>
           </a:xfrm>
         </p:spPr>
         <p:txBody>
@@ -1234,8 +1244,8 @@
         </p:nvSpPr>
         <p:spPr>
           <a:xfrm>
-            <a:off x="4648200" y="1600200"/>
-            <a:ext cx="4038600" cy="4525963"/>
+            <a:off x="4648200" y="1200151"/>
+            <a:ext cx="4038600" cy="3394472"/>
           </a:xfrm>
         </p:spPr>
         <p:txBody>
@@ -1324,7 +1334,8 @@
           <a:p>
             <a:fld id="{0A4FAFAC-D9F1-449D-99A4-7782F4FE09F5}" type="datetimeFigureOut">
               <a:rPr lang="zh-TW" altLang="en-US" smtClean="0"/>
-              <a:t>2019/5/5</a:t>
+              <a:pPr/>
+              <a:t>2020/7/5</a:t>
             </a:fld>
             <a:endParaRPr lang="zh-TW" altLang="en-US"/>
           </a:p>
@@ -1366,6 +1377,7 @@
           <a:p>
             <a:fld id="{26B2EB9E-FC2F-45BD-894C-9C09980F2BCE}" type="slidenum">
               <a:rPr lang="zh-TW" altLang="en-US" smtClean="0"/>
+              <a:pPr/>
               <a:t>‹#›</a:t>
             </a:fld>
             <a:endParaRPr lang="zh-TW" altLang="en-US"/>
@@ -1436,8 +1448,8 @@
         </p:nvSpPr>
         <p:spPr>
           <a:xfrm>
-            <a:off x="457200" y="1535113"/>
-            <a:ext cx="4040188" cy="639762"/>
+            <a:off x="457200" y="1151335"/>
+            <a:ext cx="4040188" cy="479822"/>
           </a:xfrm>
         </p:spPr>
         <p:txBody>
@@ -1501,8 +1513,8 @@
         </p:nvSpPr>
         <p:spPr>
           <a:xfrm>
-            <a:off x="457200" y="2174875"/>
-            <a:ext cx="4040188" cy="3951288"/>
+            <a:off x="457200" y="1631156"/>
+            <a:ext cx="4040188" cy="2963466"/>
           </a:xfrm>
         </p:spPr>
         <p:txBody>
@@ -1586,8 +1598,8 @@
         </p:nvSpPr>
         <p:spPr>
           <a:xfrm>
-            <a:off x="4645025" y="1535113"/>
-            <a:ext cx="4041775" cy="639762"/>
+            <a:off x="4645026" y="1151335"/>
+            <a:ext cx="4041775" cy="479822"/>
           </a:xfrm>
         </p:spPr>
         <p:txBody>
@@ -1651,8 +1663,8 @@
         </p:nvSpPr>
         <p:spPr>
           <a:xfrm>
-            <a:off x="4645025" y="2174875"/>
-            <a:ext cx="4041775" cy="3951288"/>
+            <a:off x="4645026" y="1631156"/>
+            <a:ext cx="4041775" cy="2963466"/>
           </a:xfrm>
         </p:spPr>
         <p:txBody>
@@ -1741,7 +1753,8 @@
           <a:p>
             <a:fld id="{0A4FAFAC-D9F1-449D-99A4-7782F4FE09F5}" type="datetimeFigureOut">
               <a:rPr lang="zh-TW" altLang="en-US" smtClean="0"/>
-              <a:t>2019/5/5</a:t>
+              <a:pPr/>
+              <a:t>2020/7/5</a:t>
             </a:fld>
             <a:endParaRPr lang="zh-TW" altLang="en-US"/>
           </a:p>
@@ -1783,6 +1796,7 @@
           <a:p>
             <a:fld id="{26B2EB9E-FC2F-45BD-894C-9C09980F2BCE}" type="slidenum">
               <a:rPr lang="zh-TW" altLang="en-US" smtClean="0"/>
+              <a:pPr/>
               <a:t>‹#›</a:t>
             </a:fld>
             <a:endParaRPr lang="zh-TW" altLang="en-US"/>
@@ -1854,7 +1868,8 @@
           <a:p>
             <a:fld id="{0A4FAFAC-D9F1-449D-99A4-7782F4FE09F5}" type="datetimeFigureOut">
               <a:rPr lang="zh-TW" altLang="en-US" smtClean="0"/>
-              <a:t>2019/5/5</a:t>
+              <a:pPr/>
+              <a:t>2020/7/5</a:t>
             </a:fld>
             <a:endParaRPr lang="zh-TW" altLang="en-US"/>
           </a:p>
@@ -1896,6 +1911,7 @@
           <a:p>
             <a:fld id="{26B2EB9E-FC2F-45BD-894C-9C09980F2BCE}" type="slidenum">
               <a:rPr lang="zh-TW" altLang="en-US" smtClean="0"/>
+              <a:pPr/>
               <a:t>‹#›</a:t>
             </a:fld>
             <a:endParaRPr lang="zh-TW" altLang="en-US"/>
@@ -1944,7 +1960,8 @@
           <a:p>
             <a:fld id="{0A4FAFAC-D9F1-449D-99A4-7782F4FE09F5}" type="datetimeFigureOut">
               <a:rPr lang="zh-TW" altLang="en-US" smtClean="0"/>
-              <a:t>2019/5/5</a:t>
+              <a:pPr/>
+              <a:t>2020/7/5</a:t>
             </a:fld>
             <a:endParaRPr lang="zh-TW" altLang="en-US"/>
           </a:p>
@@ -1986,6 +2003,7 @@
           <a:p>
             <a:fld id="{26B2EB9E-FC2F-45BD-894C-9C09980F2BCE}" type="slidenum">
               <a:rPr lang="zh-TW" altLang="en-US" smtClean="0"/>
+              <a:pPr/>
               <a:t>‹#›</a:t>
             </a:fld>
             <a:endParaRPr lang="zh-TW" altLang="en-US"/>
@@ -2029,8 +2047,8 @@
         </p:nvSpPr>
         <p:spPr>
           <a:xfrm>
-            <a:off x="457200" y="273050"/>
-            <a:ext cx="3008313" cy="1162050"/>
+            <a:off x="457201" y="204787"/>
+            <a:ext cx="3008313" cy="871538"/>
           </a:xfrm>
         </p:spPr>
         <p:txBody>
@@ -2061,8 +2079,8 @@
         </p:nvSpPr>
         <p:spPr>
           <a:xfrm>
-            <a:off x="3575050" y="273050"/>
-            <a:ext cx="5111750" cy="5853113"/>
+            <a:off x="3575050" y="204788"/>
+            <a:ext cx="5111750" cy="4389835"/>
           </a:xfrm>
         </p:spPr>
         <p:txBody>
@@ -2146,8 +2164,8 @@
         </p:nvSpPr>
         <p:spPr>
           <a:xfrm>
-            <a:off x="457200" y="1435100"/>
-            <a:ext cx="3008313" cy="4691063"/>
+            <a:off x="457201" y="1076326"/>
+            <a:ext cx="3008313" cy="3518297"/>
           </a:xfrm>
         </p:spPr>
         <p:txBody>
@@ -2216,7 +2234,8 @@
           <a:p>
             <a:fld id="{0A4FAFAC-D9F1-449D-99A4-7782F4FE09F5}" type="datetimeFigureOut">
               <a:rPr lang="zh-TW" altLang="en-US" smtClean="0"/>
-              <a:t>2019/5/5</a:t>
+              <a:pPr/>
+              <a:t>2020/7/5</a:t>
             </a:fld>
             <a:endParaRPr lang="zh-TW" altLang="en-US"/>
           </a:p>
@@ -2258,6 +2277,7 @@
           <a:p>
             <a:fld id="{26B2EB9E-FC2F-45BD-894C-9C09980F2BCE}" type="slidenum">
               <a:rPr lang="zh-TW" altLang="en-US" smtClean="0"/>
+              <a:pPr/>
               <a:t>‹#›</a:t>
             </a:fld>
             <a:endParaRPr lang="zh-TW" altLang="en-US"/>
@@ -2301,8 +2321,8 @@
         </p:nvSpPr>
         <p:spPr>
           <a:xfrm>
-            <a:off x="1792288" y="4800600"/>
-            <a:ext cx="5486400" cy="566738"/>
+            <a:off x="1792288" y="3600450"/>
+            <a:ext cx="5486400" cy="425054"/>
           </a:xfrm>
         </p:spPr>
         <p:txBody>
@@ -2333,8 +2353,8 @@
         </p:nvSpPr>
         <p:spPr>
           <a:xfrm>
-            <a:off x="1792288" y="612775"/>
-            <a:ext cx="5486400" cy="4114800"/>
+            <a:off x="1792288" y="459581"/>
+            <a:ext cx="5486400" cy="3086100"/>
           </a:xfrm>
         </p:spPr>
         <p:txBody>
@@ -2398,8 +2418,8 @@
         </p:nvSpPr>
         <p:spPr>
           <a:xfrm>
-            <a:off x="1792288" y="5367338"/>
-            <a:ext cx="5486400" cy="804862"/>
+            <a:off x="1792288" y="4025503"/>
+            <a:ext cx="5486400" cy="603647"/>
           </a:xfrm>
         </p:spPr>
         <p:txBody>
@@ -2468,7 +2488,8 @@
           <a:p>
             <a:fld id="{0A4FAFAC-D9F1-449D-99A4-7782F4FE09F5}" type="datetimeFigureOut">
               <a:rPr lang="zh-TW" altLang="en-US" smtClean="0"/>
-              <a:t>2019/5/5</a:t>
+              <a:pPr/>
+              <a:t>2020/7/5</a:t>
             </a:fld>
             <a:endParaRPr lang="zh-TW" altLang="en-US"/>
           </a:p>
@@ -2510,6 +2531,7 @@
           <a:p>
             <a:fld id="{26B2EB9E-FC2F-45BD-894C-9C09980F2BCE}" type="slidenum">
               <a:rPr lang="zh-TW" altLang="en-US" smtClean="0"/>
+              <a:pPr/>
               <a:t>‹#›</a:t>
             </a:fld>
             <a:endParaRPr lang="zh-TW" altLang="en-US"/>
@@ -2563,8 +2585,8 @@
         </p:nvSpPr>
         <p:spPr>
           <a:xfrm>
-            <a:off x="457200" y="274638"/>
-            <a:ext cx="8229600" cy="1143000"/>
+            <a:off x="457200" y="205979"/>
+            <a:ext cx="8229600" cy="857250"/>
           </a:xfrm>
           <a:prstGeom prst="rect">
             <a:avLst/>
@@ -2596,8 +2618,8 @@
         </p:nvSpPr>
         <p:spPr>
           <a:xfrm>
-            <a:off x="457200" y="1600200"/>
-            <a:ext cx="8229600" cy="4525963"/>
+            <a:off x="457200" y="1200151"/>
+            <a:ext cx="8229600" cy="3394472"/>
           </a:xfrm>
           <a:prstGeom prst="rect">
             <a:avLst/>
@@ -2658,8 +2680,8 @@
         </p:nvSpPr>
         <p:spPr>
           <a:xfrm>
-            <a:off x="457200" y="6356350"/>
-            <a:ext cx="2133600" cy="365125"/>
+            <a:off x="457200" y="4767263"/>
+            <a:ext cx="2133600" cy="273844"/>
           </a:xfrm>
           <a:prstGeom prst="rect">
             <a:avLst/>
@@ -2681,7 +2703,8 @@
           <a:p>
             <a:fld id="{0A4FAFAC-D9F1-449D-99A4-7782F4FE09F5}" type="datetimeFigureOut">
               <a:rPr lang="zh-TW" altLang="en-US" smtClean="0"/>
-              <a:t>2019/5/5</a:t>
+              <a:pPr/>
+              <a:t>2020/7/5</a:t>
             </a:fld>
             <a:endParaRPr lang="zh-TW" altLang="en-US"/>
           </a:p>
@@ -2699,8 +2722,8 @@
         </p:nvSpPr>
         <p:spPr>
           <a:xfrm>
-            <a:off x="3124200" y="6356350"/>
-            <a:ext cx="2895600" cy="365125"/>
+            <a:off x="3124200" y="4767263"/>
+            <a:ext cx="2895600" cy="273844"/>
           </a:xfrm>
           <a:prstGeom prst="rect">
             <a:avLst/>
@@ -2736,8 +2759,8 @@
         </p:nvSpPr>
         <p:spPr>
           <a:xfrm>
-            <a:off x="6553200" y="6356350"/>
-            <a:ext cx="2133600" cy="365125"/>
+            <a:off x="6553200" y="4767263"/>
+            <a:ext cx="2133600" cy="273844"/>
           </a:xfrm>
           <a:prstGeom prst="rect">
             <a:avLst/>
@@ -2759,6 +2782,7 @@
           <a:p>
             <a:fld id="{26B2EB9E-FC2F-45BD-894C-9C09980F2BCE}" type="slidenum">
               <a:rPr lang="zh-TW" altLang="en-US" smtClean="0"/>
+              <a:pPr/>
               <a:t>‹#›</a:t>
             </a:fld>
             <a:endParaRPr lang="zh-TW" altLang="en-US"/>
@@ -3099,7 +3123,7 @@
         <p:spPr/>
         <p:txBody>
           <a:bodyPr>
-            <a:normAutofit/>
+            <a:normAutofit fontScale="92500" lnSpcReduction="10000"/>
           </a:bodyPr>
           <a:lstStyle/>
           <a:p>
@@ -3345,7 +3369,7 @@
     </p:spTree>
     <p:extLst>
       <p:ext uri="{BB962C8B-B14F-4D97-AF65-F5344CB8AC3E}">
-        <p14:creationId xmlns:p14="http://schemas.microsoft.com/office/powerpoint/2010/main" xmlns="" val="415678364"/>
+        <p14:creationId xmlns="" xmlns:p14="http://schemas.microsoft.com/office/powerpoint/2010/main" val="415678364"/>
       </p:ext>
     </p:extLst>
   </p:cSld>
@@ -3419,13 +3443,13 @@
         </p:nvSpPr>
         <p:spPr>
           <a:xfrm>
-            <a:off x="0" y="1600200"/>
-            <a:ext cx="9144000" cy="4525963"/>
+            <a:off x="0" y="1200151"/>
+            <a:ext cx="9144000" cy="3394472"/>
           </a:xfrm>
         </p:spPr>
         <p:txBody>
           <a:bodyPr>
-            <a:normAutofit/>
+            <a:normAutofit fontScale="92500" lnSpcReduction="10000"/>
           </a:bodyPr>
           <a:lstStyle/>
           <a:p>
@@ -3531,7 +3555,7 @@
     </p:spTree>
     <p:extLst>
       <p:ext uri="{BB962C8B-B14F-4D97-AF65-F5344CB8AC3E}">
-        <p14:creationId xmlns:p14="http://schemas.microsoft.com/office/powerpoint/2010/main" xmlns="" val="1134103750"/>
+        <p14:creationId xmlns="" xmlns:p14="http://schemas.microsoft.com/office/powerpoint/2010/main" val="1134103750"/>
       </p:ext>
     </p:extLst>
   </p:cSld>
@@ -3605,13 +3629,13 @@
         </p:nvSpPr>
         <p:spPr>
           <a:xfrm>
-            <a:off x="0" y="1600200"/>
-            <a:ext cx="9144000" cy="4525963"/>
+            <a:off x="0" y="1200151"/>
+            <a:ext cx="9144000" cy="3394472"/>
           </a:xfrm>
         </p:spPr>
         <p:txBody>
           <a:bodyPr>
-            <a:normAutofit/>
+            <a:normAutofit fontScale="92500" lnSpcReduction="10000"/>
           </a:bodyPr>
           <a:lstStyle/>
           <a:p>
@@ -3857,7 +3881,7 @@
     </p:spTree>
     <p:extLst>
       <p:ext uri="{BB962C8B-B14F-4D97-AF65-F5344CB8AC3E}">
-        <p14:creationId xmlns:p14="http://schemas.microsoft.com/office/powerpoint/2010/main" xmlns="" val="3627175802"/>
+        <p14:creationId xmlns="" xmlns:p14="http://schemas.microsoft.com/office/powerpoint/2010/main" val="3627175802"/>
       </p:ext>
     </p:extLst>
   </p:cSld>
@@ -3931,13 +3955,13 @@
         </p:nvSpPr>
         <p:spPr>
           <a:xfrm>
-            <a:off x="0" y="1600200"/>
-            <a:ext cx="9144000" cy="4525963"/>
+            <a:off x="0" y="1200151"/>
+            <a:ext cx="9144000" cy="3394472"/>
           </a:xfrm>
         </p:spPr>
         <p:txBody>
           <a:bodyPr>
-            <a:normAutofit/>
+            <a:normAutofit fontScale="92500" lnSpcReduction="10000"/>
           </a:bodyPr>
           <a:lstStyle/>
           <a:p>
@@ -4043,7 +4067,7 @@
     </p:spTree>
     <p:extLst>
       <p:ext uri="{BB962C8B-B14F-4D97-AF65-F5344CB8AC3E}">
-        <p14:creationId xmlns:p14="http://schemas.microsoft.com/office/powerpoint/2010/main" xmlns="" val="3275095645"/>
+        <p14:creationId xmlns="" xmlns:p14="http://schemas.microsoft.com/office/powerpoint/2010/main" val="3275095645"/>
       </p:ext>
     </p:extLst>
   </p:cSld>
@@ -4117,13 +4141,13 @@
         </p:nvSpPr>
         <p:spPr>
           <a:xfrm>
-            <a:off x="0" y="1600200"/>
-            <a:ext cx="9144000" cy="4525963"/>
+            <a:off x="0" y="1200151"/>
+            <a:ext cx="9144000" cy="3394472"/>
           </a:xfrm>
         </p:spPr>
         <p:txBody>
           <a:bodyPr>
-            <a:normAutofit/>
+            <a:normAutofit fontScale="92500" lnSpcReduction="10000"/>
           </a:bodyPr>
           <a:lstStyle/>
           <a:p>
@@ -4212,7 +4236,7 @@
     </p:spTree>
     <p:extLst>
       <p:ext uri="{BB962C8B-B14F-4D97-AF65-F5344CB8AC3E}">
-        <p14:creationId xmlns:p14="http://schemas.microsoft.com/office/powerpoint/2010/main" xmlns="" val="2115017233"/>
+        <p14:creationId xmlns="" xmlns:p14="http://schemas.microsoft.com/office/powerpoint/2010/main" val="2115017233"/>
       </p:ext>
     </p:extLst>
   </p:cSld>
@@ -4286,13 +4310,13 @@
         </p:nvSpPr>
         <p:spPr>
           <a:xfrm>
-            <a:off x="0" y="1600200"/>
-            <a:ext cx="9144000" cy="4525963"/>
+            <a:off x="0" y="1200151"/>
+            <a:ext cx="9144000" cy="3394472"/>
           </a:xfrm>
         </p:spPr>
         <p:txBody>
           <a:bodyPr>
-            <a:normAutofit/>
+            <a:normAutofit fontScale="92500" lnSpcReduction="10000"/>
           </a:bodyPr>
           <a:lstStyle/>
           <a:p>
@@ -4398,7 +4422,7 @@
     </p:spTree>
     <p:extLst>
       <p:ext uri="{BB962C8B-B14F-4D97-AF65-F5344CB8AC3E}">
-        <p14:creationId xmlns:p14="http://schemas.microsoft.com/office/powerpoint/2010/main" xmlns="" val="2895884710"/>
+        <p14:creationId xmlns="" xmlns:p14="http://schemas.microsoft.com/office/powerpoint/2010/main" val="2895884710"/>
       </p:ext>
     </p:extLst>
   </p:cSld>
@@ -4472,13 +4496,13 @@
         </p:nvSpPr>
         <p:spPr>
           <a:xfrm>
-            <a:off x="0" y="1600200"/>
-            <a:ext cx="9144000" cy="4525963"/>
+            <a:off x="0" y="1200151"/>
+            <a:ext cx="9144000" cy="3394472"/>
           </a:xfrm>
         </p:spPr>
         <p:txBody>
           <a:bodyPr>
-            <a:normAutofit/>
+            <a:normAutofit fontScale="92500" lnSpcReduction="10000"/>
           </a:bodyPr>
           <a:lstStyle/>
           <a:p>
@@ -4555,17 +4579,7 @@
                 <a:latin typeface="Microsoft JhengHei" pitchFamily="34" charset="-120"/>
                 <a:ea typeface="Microsoft JhengHei" pitchFamily="34" charset="-120"/>
               </a:rPr>
-              <a:t>因</a:t>
-            </a:r>
-            <a:r>
-              <a:rPr lang="zh-TW" altLang="en-US" sz="5400" b="1" dirty="0" smtClean="0">
-                <a:solidFill>
-                  <a:srgbClr val="660033"/>
-                </a:solidFill>
-                <a:latin typeface="Microsoft JhengHei" pitchFamily="34" charset="-120"/>
-                <a:ea typeface="Microsoft JhengHei" pitchFamily="34" charset="-120"/>
-              </a:rPr>
-              <a:t>深愛主   喜樂</a:t>
+              <a:t>因深愛主   喜樂</a:t>
             </a:r>
             <a:r>
               <a:rPr lang="zh-TW" altLang="en-US" sz="5400" b="1" dirty="0">
@@ -4627,7 +4641,7 @@
     </p:spTree>
     <p:extLst>
       <p:ext uri="{BB962C8B-B14F-4D97-AF65-F5344CB8AC3E}">
-        <p14:creationId xmlns:p14="http://schemas.microsoft.com/office/powerpoint/2010/main" xmlns="" val="1438324991"/>
+        <p14:creationId xmlns="" xmlns:p14="http://schemas.microsoft.com/office/powerpoint/2010/main" val="1438324991"/>
       </p:ext>
     </p:extLst>
   </p:cSld>
@@ -4701,13 +4715,13 @@
         </p:nvSpPr>
         <p:spPr>
           <a:xfrm>
-            <a:off x="0" y="1600200"/>
-            <a:ext cx="9144000" cy="4525963"/>
+            <a:off x="0" y="1200151"/>
+            <a:ext cx="9144000" cy="3394472"/>
           </a:xfrm>
         </p:spPr>
         <p:txBody>
           <a:bodyPr>
-            <a:normAutofit/>
+            <a:normAutofit fontScale="92500" lnSpcReduction="10000"/>
           </a:bodyPr>
           <a:lstStyle/>
           <a:p>
@@ -4813,7 +4827,7 @@
     </p:spTree>
     <p:extLst>
       <p:ext uri="{BB962C8B-B14F-4D97-AF65-F5344CB8AC3E}">
-        <p14:creationId xmlns:p14="http://schemas.microsoft.com/office/powerpoint/2010/main" xmlns="" val="2589090438"/>
+        <p14:creationId xmlns="" xmlns:p14="http://schemas.microsoft.com/office/powerpoint/2010/main" val="2589090438"/>
       </p:ext>
     </p:extLst>
   </p:cSld>

--- a/宣道詩/(宣道詩101)我只是個罪人.pptx
+++ b/宣道詩/(宣道詩101)我只是個罪人.pptx
@@ -111,6 +111,22 @@
       </a:defRPr>
     </a:lvl9pPr>
   </p:defaultTextStyle>
+  <p:extLst>
+    <p:ext uri="{EFAFB233-063F-42B5-8137-9DF3F51BA10A}">
+      <p15:sldGuideLst xmlns:p15="http://schemas.microsoft.com/office/powerpoint/2012/main">
+        <p15:guide id="1" orient="horz" pos="1620">
+          <p15:clr>
+            <a:srgbClr val="A4A3A4"/>
+          </p15:clr>
+        </p15:guide>
+        <p15:guide id="2" pos="2880">
+          <p15:clr>
+            <a:srgbClr val="A4A3A4"/>
+          </p15:clr>
+        </p15:guide>
+      </p15:sldGuideLst>
+    </p:ext>
+  </p:extLst>
 </p:presentation>
 </file>
 
@@ -296,7 +312,7 @@
             <a:fld id="{0A4FAFAC-D9F1-449D-99A4-7782F4FE09F5}" type="datetimeFigureOut">
               <a:rPr lang="zh-TW" altLang="en-US" smtClean="0"/>
               <a:pPr/>
-              <a:t>2020/7/5</a:t>
+              <a:t>2020/8/1</a:t>
             </a:fld>
             <a:endParaRPr lang="zh-TW" altLang="en-US"/>
           </a:p>
@@ -463,7 +479,7 @@
             <a:fld id="{0A4FAFAC-D9F1-449D-99A4-7782F4FE09F5}" type="datetimeFigureOut">
               <a:rPr lang="zh-TW" altLang="en-US" smtClean="0"/>
               <a:pPr/>
-              <a:t>2020/7/5</a:t>
+              <a:t>2020/8/1</a:t>
             </a:fld>
             <a:endParaRPr lang="zh-TW" altLang="en-US"/>
           </a:p>
@@ -640,7 +656,7 @@
             <a:fld id="{0A4FAFAC-D9F1-449D-99A4-7782F4FE09F5}" type="datetimeFigureOut">
               <a:rPr lang="zh-TW" altLang="en-US" smtClean="0"/>
               <a:pPr/>
-              <a:t>2020/7/5</a:t>
+              <a:t>2020/8/1</a:t>
             </a:fld>
             <a:endParaRPr lang="zh-TW" altLang="en-US"/>
           </a:p>
@@ -807,7 +823,7 @@
             <a:fld id="{0A4FAFAC-D9F1-449D-99A4-7782F4FE09F5}" type="datetimeFigureOut">
               <a:rPr lang="zh-TW" altLang="en-US" smtClean="0"/>
               <a:pPr/>
-              <a:t>2020/7/5</a:t>
+              <a:t>2020/8/1</a:t>
             </a:fld>
             <a:endParaRPr lang="zh-TW" altLang="en-US"/>
           </a:p>
@@ -1050,7 +1066,7 @@
             <a:fld id="{0A4FAFAC-D9F1-449D-99A4-7782F4FE09F5}" type="datetimeFigureOut">
               <a:rPr lang="zh-TW" altLang="en-US" smtClean="0"/>
               <a:pPr/>
-              <a:t>2020/7/5</a:t>
+              <a:t>2020/8/1</a:t>
             </a:fld>
             <a:endParaRPr lang="zh-TW" altLang="en-US"/>
           </a:p>
@@ -1335,7 +1351,7 @@
             <a:fld id="{0A4FAFAC-D9F1-449D-99A4-7782F4FE09F5}" type="datetimeFigureOut">
               <a:rPr lang="zh-TW" altLang="en-US" smtClean="0"/>
               <a:pPr/>
-              <a:t>2020/7/5</a:t>
+              <a:t>2020/8/1</a:t>
             </a:fld>
             <a:endParaRPr lang="zh-TW" altLang="en-US"/>
           </a:p>
@@ -1754,7 +1770,7 @@
             <a:fld id="{0A4FAFAC-D9F1-449D-99A4-7782F4FE09F5}" type="datetimeFigureOut">
               <a:rPr lang="zh-TW" altLang="en-US" smtClean="0"/>
               <a:pPr/>
-              <a:t>2020/7/5</a:t>
+              <a:t>2020/8/1</a:t>
             </a:fld>
             <a:endParaRPr lang="zh-TW" altLang="en-US"/>
           </a:p>
@@ -1869,7 +1885,7 @@
             <a:fld id="{0A4FAFAC-D9F1-449D-99A4-7782F4FE09F5}" type="datetimeFigureOut">
               <a:rPr lang="zh-TW" altLang="en-US" smtClean="0"/>
               <a:pPr/>
-              <a:t>2020/7/5</a:t>
+              <a:t>2020/8/1</a:t>
             </a:fld>
             <a:endParaRPr lang="zh-TW" altLang="en-US"/>
           </a:p>
@@ -1961,7 +1977,7 @@
             <a:fld id="{0A4FAFAC-D9F1-449D-99A4-7782F4FE09F5}" type="datetimeFigureOut">
               <a:rPr lang="zh-TW" altLang="en-US" smtClean="0"/>
               <a:pPr/>
-              <a:t>2020/7/5</a:t>
+              <a:t>2020/8/1</a:t>
             </a:fld>
             <a:endParaRPr lang="zh-TW" altLang="en-US"/>
           </a:p>
@@ -2235,7 +2251,7 @@
             <a:fld id="{0A4FAFAC-D9F1-449D-99A4-7782F4FE09F5}" type="datetimeFigureOut">
               <a:rPr lang="zh-TW" altLang="en-US" smtClean="0"/>
               <a:pPr/>
-              <a:t>2020/7/5</a:t>
+              <a:t>2020/8/1</a:t>
             </a:fld>
             <a:endParaRPr lang="zh-TW" altLang="en-US"/>
           </a:p>
@@ -2489,7 +2505,7 @@
             <a:fld id="{0A4FAFAC-D9F1-449D-99A4-7782F4FE09F5}" type="datetimeFigureOut">
               <a:rPr lang="zh-TW" altLang="en-US" smtClean="0"/>
               <a:pPr/>
-              <a:t>2020/7/5</a:t>
+              <a:t>2020/8/1</a:t>
             </a:fld>
             <a:endParaRPr lang="zh-TW" altLang="en-US"/>
           </a:p>
@@ -2704,7 +2720,7 @@
             <a:fld id="{0A4FAFAC-D9F1-449D-99A4-7782F4FE09F5}" type="datetimeFigureOut">
               <a:rPr lang="zh-TW" altLang="en-US" smtClean="0"/>
               <a:pPr/>
-              <a:t>2020/7/5</a:t>
+              <a:t>2020/8/1</a:t>
             </a:fld>
             <a:endParaRPr lang="zh-TW" altLang="en-US"/>
           </a:p>
@@ -3123,7 +3139,7 @@
         <p:spPr/>
         <p:txBody>
           <a:bodyPr>
-            <a:normAutofit fontScale="92500" lnSpcReduction="10000"/>
+            <a:noAutofit/>
           </a:bodyPr>
           <a:lstStyle/>
           <a:p>
@@ -3131,7 +3147,7 @@
               <a:buNone/>
             </a:pPr>
             <a:r>
-              <a:rPr lang="zh-TW" altLang="en-US" sz="5400" b="1" dirty="0">
+              <a:rPr lang="zh-TW" altLang="en-US" sz="4800" b="1" dirty="0">
                 <a:solidFill>
                   <a:srgbClr val="660033"/>
                 </a:solidFill>
@@ -3141,17 +3157,37 @@
               <a:t>我一切所</a:t>
             </a:r>
             <a:r>
-              <a:rPr lang="zh-TW" altLang="en-US" sz="5400" b="1" dirty="0" smtClean="0">
-                <a:solidFill>
-                  <a:srgbClr val="660033"/>
-                </a:solidFill>
-                <a:latin typeface="Microsoft JhengHei" pitchFamily="34" charset="-120"/>
-                <a:ea typeface="Microsoft JhengHei" pitchFamily="34" charset="-120"/>
-              </a:rPr>
-              <a:t>有   無</a:t>
-            </a:r>
-            <a:r>
-              <a:rPr lang="zh-TW" altLang="en-US" sz="5400" b="1" dirty="0">
+              <a:rPr lang="zh-TW" altLang="en-US" sz="4800" b="1" dirty="0" smtClean="0">
+                <a:solidFill>
+                  <a:srgbClr val="660033"/>
+                </a:solidFill>
+                <a:latin typeface="Microsoft JhengHei" pitchFamily="34" charset="-120"/>
+                <a:ea typeface="Microsoft JhengHei" pitchFamily="34" charset="-120"/>
+              </a:rPr>
+              <a:t>有 </a:t>
+            </a:r>
+            <a:r>
+              <a:rPr lang="zh-TW" altLang="en-US" sz="4800" b="1" dirty="0" smtClean="0">
+                <a:solidFill>
+                  <a:srgbClr val="660033"/>
+                </a:solidFill>
+                <a:latin typeface="Microsoft JhengHei" pitchFamily="34" charset="-120"/>
+                <a:ea typeface="Microsoft JhengHei" pitchFamily="34" charset="-120"/>
+              </a:rPr>
+              <a:t> </a:t>
+            </a:r>
+            <a:r>
+              <a:rPr lang="zh-TW" altLang="en-US" sz="4800" b="1" dirty="0" smtClean="0">
+                <a:solidFill>
+                  <a:srgbClr val="660033"/>
+                </a:solidFill>
+                <a:latin typeface="Microsoft JhengHei" pitchFamily="34" charset="-120"/>
+                <a:ea typeface="Microsoft JhengHei" pitchFamily="34" charset="-120"/>
+              </a:rPr>
+              <a:t>無</a:t>
+            </a:r>
+            <a:r>
+              <a:rPr lang="zh-TW" altLang="en-US" sz="4800" b="1" dirty="0">
                 <a:solidFill>
                   <a:srgbClr val="660033"/>
                 </a:solidFill>
@@ -3161,7 +3197,7 @@
               <a:t>非是接</a:t>
             </a:r>
             <a:r>
-              <a:rPr lang="zh-TW" altLang="en-US" sz="5400" b="1" dirty="0" smtClean="0">
+              <a:rPr lang="zh-TW" altLang="en-US" sz="4800" b="1" dirty="0" smtClean="0">
                 <a:solidFill>
                   <a:srgbClr val="660033"/>
                 </a:solidFill>
@@ -3170,7 +3206,7 @@
               </a:rPr>
               <a:t>受</a:t>
             </a:r>
-            <a:endParaRPr lang="en-US" altLang="zh-TW" sz="5400" b="1" dirty="0" smtClean="0">
+            <a:endParaRPr lang="en-US" altLang="zh-TW" sz="4800" b="1" dirty="0" smtClean="0">
               <a:solidFill>
                 <a:srgbClr val="660033"/>
               </a:solidFill>
@@ -3183,7 +3219,7 @@
               <a:buNone/>
             </a:pPr>
             <a:r>
-              <a:rPr lang="zh-TW" altLang="en-US" sz="5400" b="1" dirty="0" smtClean="0">
+              <a:rPr lang="zh-TW" altLang="en-US" sz="4800" b="1" dirty="0" smtClean="0">
                 <a:solidFill>
                   <a:srgbClr val="660033"/>
                 </a:solidFill>
@@ -3193,7 +3229,7 @@
               <a:t>都</a:t>
             </a:r>
             <a:r>
-              <a:rPr lang="zh-TW" altLang="en-US" sz="5400" b="1" dirty="0">
+              <a:rPr lang="zh-TW" altLang="en-US" sz="4800" b="1" dirty="0">
                 <a:solidFill>
                   <a:srgbClr val="660033"/>
                 </a:solidFill>
@@ -3203,17 +3239,27 @@
               <a:t>是主賜</a:t>
             </a:r>
             <a:r>
-              <a:rPr lang="zh-TW" altLang="en-US" sz="5400" b="1" dirty="0" smtClean="0">
-                <a:solidFill>
-                  <a:srgbClr val="660033"/>
-                </a:solidFill>
-                <a:latin typeface="Microsoft JhengHei" pitchFamily="34" charset="-120"/>
-                <a:ea typeface="Microsoft JhengHei" pitchFamily="34" charset="-120"/>
-              </a:rPr>
-              <a:t>下   在</a:t>
-            </a:r>
-            <a:r>
-              <a:rPr lang="zh-TW" altLang="en-US" sz="5400" b="1" dirty="0">
+              <a:rPr lang="zh-TW" altLang="en-US" sz="4800" b="1" dirty="0" smtClean="0">
+                <a:solidFill>
+                  <a:srgbClr val="660033"/>
+                </a:solidFill>
+                <a:latin typeface="Microsoft JhengHei" pitchFamily="34" charset="-120"/>
+                <a:ea typeface="Microsoft JhengHei" pitchFamily="34" charset="-120"/>
+              </a:rPr>
+              <a:t>下  </a:t>
+            </a:r>
+            <a:r>
+              <a:rPr lang="zh-TW" altLang="en-US" sz="4800" b="1" dirty="0" smtClean="0">
+                <a:solidFill>
+                  <a:srgbClr val="660033"/>
+                </a:solidFill>
+                <a:latin typeface="Microsoft JhengHei" pitchFamily="34" charset="-120"/>
+                <a:ea typeface="Microsoft JhengHei" pitchFamily="34" charset="-120"/>
+              </a:rPr>
+              <a:t>在</a:t>
+            </a:r>
+            <a:r>
+              <a:rPr lang="zh-TW" altLang="en-US" sz="4800" b="1" dirty="0">
                 <a:solidFill>
                   <a:srgbClr val="660033"/>
                 </a:solidFill>
@@ -3223,7 +3269,7 @@
               <a:t>我信之</a:t>
             </a:r>
             <a:r>
-              <a:rPr lang="zh-TW" altLang="en-US" sz="5400" b="1" dirty="0" smtClean="0">
+              <a:rPr lang="zh-TW" altLang="en-US" sz="4800" b="1" dirty="0" smtClean="0">
                 <a:solidFill>
                   <a:srgbClr val="660033"/>
                 </a:solidFill>
@@ -3232,7 +3278,7 @@
               </a:rPr>
               <a:t>後</a:t>
             </a:r>
-            <a:endParaRPr lang="en-US" altLang="zh-TW" sz="5400" b="1" dirty="0" smtClean="0">
+            <a:endParaRPr lang="en-US" altLang="zh-TW" sz="4800" b="1" dirty="0" smtClean="0">
               <a:solidFill>
                 <a:srgbClr val="660033"/>
               </a:solidFill>
@@ -3245,7 +3291,7 @@
               <a:buNone/>
             </a:pPr>
             <a:r>
-              <a:rPr lang="zh-TW" altLang="en-US" sz="5400" b="1" dirty="0" smtClean="0">
+              <a:rPr lang="zh-TW" altLang="en-US" sz="4800" b="1" dirty="0" smtClean="0">
                 <a:solidFill>
                   <a:srgbClr val="660033"/>
                 </a:solidFill>
@@ -3255,7 +3301,7 @@
               <a:t>故</a:t>
             </a:r>
             <a:r>
-              <a:rPr lang="zh-TW" altLang="en-US" sz="5400" b="1" dirty="0">
+              <a:rPr lang="zh-TW" altLang="en-US" sz="4800" b="1" dirty="0">
                 <a:solidFill>
                   <a:srgbClr val="660033"/>
                 </a:solidFill>
@@ -3265,17 +3311,27 @@
               <a:t>我不自</a:t>
             </a:r>
             <a:r>
-              <a:rPr lang="zh-TW" altLang="en-US" sz="5400" b="1" dirty="0" smtClean="0">
-                <a:solidFill>
-                  <a:srgbClr val="660033"/>
-                </a:solidFill>
-                <a:latin typeface="Microsoft JhengHei" pitchFamily="34" charset="-120"/>
-                <a:ea typeface="Microsoft JhengHei" pitchFamily="34" charset="-120"/>
-              </a:rPr>
-              <a:t>誇   驕</a:t>
-            </a:r>
-            <a:r>
-              <a:rPr lang="zh-TW" altLang="en-US" sz="5400" b="1" dirty="0">
+              <a:rPr lang="zh-TW" altLang="en-US" sz="4800" b="1" dirty="0" smtClean="0">
+                <a:solidFill>
+                  <a:srgbClr val="660033"/>
+                </a:solidFill>
+                <a:latin typeface="Microsoft JhengHei" pitchFamily="34" charset="-120"/>
+                <a:ea typeface="Microsoft JhengHei" pitchFamily="34" charset="-120"/>
+              </a:rPr>
+              <a:t>誇  </a:t>
+            </a:r>
+            <a:r>
+              <a:rPr lang="zh-TW" altLang="en-US" sz="4800" b="1" dirty="0" smtClean="0">
+                <a:solidFill>
+                  <a:srgbClr val="660033"/>
+                </a:solidFill>
+                <a:latin typeface="Microsoft JhengHei" pitchFamily="34" charset="-120"/>
+                <a:ea typeface="Microsoft JhengHei" pitchFamily="34" charset="-120"/>
+              </a:rPr>
+              <a:t>驕</a:t>
+            </a:r>
+            <a:r>
+              <a:rPr lang="zh-TW" altLang="en-US" sz="4800" b="1" dirty="0">
                 <a:solidFill>
                   <a:srgbClr val="660033"/>
                 </a:solidFill>
@@ -3285,7 +3341,7 @@
               <a:t>傲亦</a:t>
             </a:r>
             <a:r>
-              <a:rPr lang="zh-TW" altLang="en-US" sz="5400" b="1" dirty="0" smtClean="0">
+              <a:rPr lang="zh-TW" altLang="en-US" sz="4800" b="1" dirty="0" smtClean="0">
                 <a:solidFill>
                   <a:srgbClr val="660033"/>
                 </a:solidFill>
@@ -3294,7 +3350,7 @@
               </a:rPr>
               <a:t>憎</a:t>
             </a:r>
-            <a:endParaRPr lang="en-US" altLang="zh-TW" sz="5400" b="1" dirty="0" smtClean="0">
+            <a:endParaRPr lang="en-US" altLang="zh-TW" sz="4800" b="1" dirty="0" smtClean="0">
               <a:solidFill>
                 <a:srgbClr val="660033"/>
               </a:solidFill>
@@ -3307,7 +3363,7 @@
               <a:buNone/>
             </a:pPr>
             <a:r>
-              <a:rPr lang="zh-TW" altLang="en-US" sz="5400" b="1" dirty="0" smtClean="0">
+              <a:rPr lang="zh-TW" altLang="en-US" sz="4800" b="1" dirty="0" smtClean="0">
                 <a:solidFill>
                   <a:srgbClr val="660033"/>
                 </a:solidFill>
@@ -3317,7 +3373,7 @@
               <a:t>我</a:t>
             </a:r>
             <a:r>
-              <a:rPr lang="zh-TW" altLang="en-US" sz="5400" b="1" dirty="0">
+              <a:rPr lang="zh-TW" altLang="en-US" sz="4800" b="1" dirty="0">
                 <a:solidFill>
                   <a:srgbClr val="660033"/>
                 </a:solidFill>
@@ -3327,17 +3383,27 @@
               <a:t>只是個罪</a:t>
             </a:r>
             <a:r>
-              <a:rPr lang="zh-TW" altLang="en-US" sz="5400" b="1" dirty="0" smtClean="0">
-                <a:solidFill>
-                  <a:srgbClr val="660033"/>
-                </a:solidFill>
-                <a:latin typeface="Microsoft JhengHei" pitchFamily="34" charset="-120"/>
-                <a:ea typeface="Microsoft JhengHei" pitchFamily="34" charset="-120"/>
-              </a:rPr>
-              <a:t>人   蒙</a:t>
-            </a:r>
-            <a:r>
-              <a:rPr lang="zh-TW" altLang="en-US" sz="5400" b="1" dirty="0">
+              <a:rPr lang="zh-TW" altLang="en-US" sz="4800" b="1" dirty="0" smtClean="0">
+                <a:solidFill>
+                  <a:srgbClr val="660033"/>
+                </a:solidFill>
+                <a:latin typeface="Microsoft JhengHei" pitchFamily="34" charset="-120"/>
+                <a:ea typeface="Microsoft JhengHei" pitchFamily="34" charset="-120"/>
+              </a:rPr>
+              <a:t>人  </a:t>
+            </a:r>
+            <a:r>
+              <a:rPr lang="zh-TW" altLang="en-US" sz="4800" b="1" dirty="0" smtClean="0">
+                <a:solidFill>
+                  <a:srgbClr val="660033"/>
+                </a:solidFill>
+                <a:latin typeface="Microsoft JhengHei" pitchFamily="34" charset="-120"/>
+                <a:ea typeface="Microsoft JhengHei" pitchFamily="34" charset="-120"/>
+              </a:rPr>
+              <a:t>蒙</a:t>
+            </a:r>
+            <a:r>
+              <a:rPr lang="zh-TW" altLang="en-US" sz="4800" b="1" dirty="0">
                 <a:solidFill>
                   <a:srgbClr val="660033"/>
                 </a:solidFill>
@@ -3347,7 +3413,7 @@
               <a:t>主</a:t>
             </a:r>
             <a:r>
-              <a:rPr lang="zh-TW" altLang="en-US" sz="5400" b="1" dirty="0" smtClean="0">
+              <a:rPr lang="zh-TW" altLang="en-US" sz="4800" b="1" dirty="0" smtClean="0">
                 <a:solidFill>
                   <a:srgbClr val="660033"/>
                 </a:solidFill>
@@ -3356,7 +3422,7 @@
               </a:rPr>
               <a:t>恩</a:t>
             </a:r>
-            <a:endParaRPr lang="zh-TW" altLang="en-US" sz="5400" b="1" dirty="0">
+            <a:endParaRPr lang="zh-TW" altLang="en-US" sz="4800" b="1" dirty="0">
               <a:solidFill>
                 <a:srgbClr val="660033"/>
               </a:solidFill>
@@ -3366,16 +3432,61 @@
           </a:p>
         </p:txBody>
       </p:sp>
+      <p:sp>
+        <p:nvSpPr>
+          <p:cNvPr id="4" name="TextBox 3"/>
+          <p:cNvSpPr txBox="1"/>
+          <p:nvPr/>
+        </p:nvSpPr>
+        <p:spPr>
+          <a:xfrm>
+            <a:off x="323528" y="1275606"/>
+            <a:ext cx="792088" cy="830997"/>
+          </a:xfrm>
+          <a:prstGeom prst="rect">
+            <a:avLst/>
+          </a:prstGeom>
+          <a:noFill/>
+        </p:spPr>
+        <p:txBody>
+          <a:bodyPr wrap="square" rtlCol="0">
+            <a:spAutoFit/>
+          </a:bodyPr>
+          <a:lstStyle/>
+          <a:p>
+            <a:r>
+              <a:rPr lang="en-US" sz="4800" b="1" dirty="0" smtClean="0">
+                <a:solidFill>
+                  <a:srgbClr val="660033"/>
+                </a:solidFill>
+              </a:rPr>
+              <a:t>1.</a:t>
+            </a:r>
+            <a:endParaRPr lang="vi-VN" sz="4800" b="1" dirty="0">
+              <a:solidFill>
+                <a:srgbClr val="660033"/>
+              </a:solidFill>
+            </a:endParaRPr>
+          </a:p>
+        </p:txBody>
+      </p:sp>
     </p:spTree>
     <p:extLst>
       <p:ext uri="{BB962C8B-B14F-4D97-AF65-F5344CB8AC3E}">
-        <p14:creationId xmlns="" xmlns:p14="http://schemas.microsoft.com/office/powerpoint/2010/main" val="415678364"/>
+        <p14:creationId xmlns:p14="http://schemas.microsoft.com/office/powerpoint/2010/main" val="415678364"/>
       </p:ext>
     </p:extLst>
   </p:cSld>
   <p:clrMapOvr>
     <a:masterClrMapping/>
   </p:clrMapOvr>
+  <p:timing>
+    <p:tnLst>
+      <p:par>
+        <p:cTn id="1" dur="indefinite" restart="never" nodeType="tmRoot"/>
+      </p:par>
+    </p:tnLst>
+  </p:timing>
 </p:sld>
 </file>
 
@@ -3449,7 +3560,7 @@
         </p:spPr>
         <p:txBody>
           <a:bodyPr>
-            <a:normAutofit fontScale="92500" lnSpcReduction="10000"/>
+            <a:noAutofit/>
           </a:bodyPr>
           <a:lstStyle/>
           <a:p>
@@ -3457,7 +3568,7 @@
               <a:buNone/>
             </a:pPr>
             <a:r>
-              <a:rPr lang="zh-TW" altLang="en-US" sz="5400" b="1" dirty="0">
+              <a:rPr lang="zh-TW" altLang="en-US" sz="4800" b="1" dirty="0">
                 <a:solidFill>
                   <a:srgbClr val="660033"/>
                 </a:solidFill>
@@ -3466,7 +3577,7 @@
               </a:rPr>
               <a:t>我是個罪人蒙恩典</a:t>
             </a:r>
-            <a:endParaRPr lang="en-US" altLang="zh-TW" sz="5400" b="1" dirty="0">
+            <a:endParaRPr lang="en-US" altLang="zh-TW" sz="4800" b="1" dirty="0">
               <a:solidFill>
                 <a:srgbClr val="660033"/>
               </a:solidFill>
@@ -3479,7 +3590,7 @@
               <a:buNone/>
             </a:pPr>
             <a:r>
-              <a:rPr lang="zh-TW" altLang="en-US" sz="5400" b="1" dirty="0">
+              <a:rPr lang="zh-TW" altLang="en-US" sz="4800" b="1" dirty="0">
                 <a:solidFill>
                   <a:srgbClr val="660033"/>
                 </a:solidFill>
@@ -3488,7 +3599,7 @@
               </a:rPr>
               <a:t>一切的罪惡得赦免</a:t>
             </a:r>
-            <a:endParaRPr lang="en-US" altLang="zh-TW" sz="5400" b="1" dirty="0">
+            <a:endParaRPr lang="en-US" altLang="zh-TW" sz="4800" b="1" dirty="0">
               <a:solidFill>
                 <a:srgbClr val="660033"/>
               </a:solidFill>
@@ -3501,16 +3612,36 @@
               <a:buNone/>
             </a:pPr>
             <a:r>
-              <a:rPr lang="zh-TW" altLang="en-US" sz="5400" b="1" dirty="0">
-                <a:solidFill>
-                  <a:srgbClr val="660033"/>
-                </a:solidFill>
-                <a:latin typeface="Microsoft JhengHei" pitchFamily="34" charset="-120"/>
-                <a:ea typeface="Microsoft JhengHei" pitchFamily="34" charset="-120"/>
-              </a:rPr>
-              <a:t>讚美主耶穌   榮耀都歸耶穌</a:t>
-            </a:r>
-            <a:endParaRPr lang="en-US" altLang="zh-TW" sz="5400" b="1" dirty="0">
+              <a:rPr lang="zh-TW" altLang="en-US" sz="4800" b="1" dirty="0">
+                <a:solidFill>
+                  <a:srgbClr val="660033"/>
+                </a:solidFill>
+                <a:latin typeface="Microsoft JhengHei" pitchFamily="34" charset="-120"/>
+                <a:ea typeface="Microsoft JhengHei" pitchFamily="34" charset="-120"/>
+              </a:rPr>
+              <a:t>讚美主耶穌 </a:t>
+            </a:r>
+            <a:r>
+              <a:rPr lang="zh-TW" altLang="en-US" sz="4800" b="1" dirty="0" smtClean="0">
+                <a:solidFill>
+                  <a:srgbClr val="660033"/>
+                </a:solidFill>
+                <a:latin typeface="Microsoft JhengHei" pitchFamily="34" charset="-120"/>
+                <a:ea typeface="Microsoft JhengHei" pitchFamily="34" charset="-120"/>
+              </a:rPr>
+              <a:t> </a:t>
+            </a:r>
+            <a:r>
+              <a:rPr lang="zh-TW" altLang="en-US" sz="4800" b="1" dirty="0">
+                <a:solidFill>
+                  <a:srgbClr val="660033"/>
+                </a:solidFill>
+                <a:latin typeface="Microsoft JhengHei" pitchFamily="34" charset="-120"/>
+                <a:ea typeface="Microsoft JhengHei" pitchFamily="34" charset="-120"/>
+              </a:rPr>
+              <a:t>榮耀都歸耶穌</a:t>
+            </a:r>
+            <a:endParaRPr lang="en-US" altLang="zh-TW" sz="4800" b="1" dirty="0">
               <a:solidFill>
                 <a:srgbClr val="660033"/>
               </a:solidFill>
@@ -3523,7 +3654,7 @@
               <a:buNone/>
             </a:pPr>
             <a:r>
-              <a:rPr lang="zh-TW" altLang="en-US" sz="5400" b="1" dirty="0">
+              <a:rPr lang="zh-TW" altLang="en-US" sz="4800" b="1" dirty="0">
                 <a:solidFill>
                   <a:srgbClr val="660033"/>
                 </a:solidFill>
@@ -3533,7 +3664,7 @@
               <a:t>我只是個罪人蒙救</a:t>
             </a:r>
             <a:r>
-              <a:rPr lang="zh-TW" altLang="en-US" sz="5400" b="1" dirty="0" smtClean="0">
+              <a:rPr lang="zh-TW" altLang="en-US" sz="4800" b="1" dirty="0" smtClean="0">
                 <a:solidFill>
                   <a:srgbClr val="660033"/>
                 </a:solidFill>
@@ -3542,7 +3673,7 @@
               </a:rPr>
               <a:t>恩</a:t>
             </a:r>
-            <a:endParaRPr lang="zh-TW" altLang="en-US" sz="5400" b="1" dirty="0">
+            <a:endParaRPr lang="zh-TW" altLang="en-US" sz="4800" b="1" dirty="0">
               <a:solidFill>
                 <a:srgbClr val="660033"/>
               </a:solidFill>
@@ -3555,13 +3686,20 @@
     </p:spTree>
     <p:extLst>
       <p:ext uri="{BB962C8B-B14F-4D97-AF65-F5344CB8AC3E}">
-        <p14:creationId xmlns="" xmlns:p14="http://schemas.microsoft.com/office/powerpoint/2010/main" val="1134103750"/>
+        <p14:creationId xmlns:p14="http://schemas.microsoft.com/office/powerpoint/2010/main" val="1134103750"/>
       </p:ext>
     </p:extLst>
   </p:cSld>
   <p:clrMapOvr>
     <a:masterClrMapping/>
   </p:clrMapOvr>
+  <p:timing>
+    <p:tnLst>
+      <p:par>
+        <p:cTn id="1" dur="indefinite" restart="never" nodeType="tmRoot"/>
+      </p:par>
+    </p:tnLst>
+  </p:timing>
 </p:sld>
 </file>
 
@@ -3635,7 +3773,7 @@
         </p:spPr>
         <p:txBody>
           <a:bodyPr>
-            <a:normAutofit fontScale="92500" lnSpcReduction="10000"/>
+            <a:noAutofit/>
           </a:bodyPr>
           <a:lstStyle/>
           <a:p>
@@ -3643,7 +3781,7 @@
               <a:buNone/>
             </a:pPr>
             <a:r>
-              <a:rPr lang="zh-TW" altLang="en-US" sz="5400" b="1" dirty="0">
+              <a:rPr lang="zh-TW" altLang="en-US" sz="4800" b="1" dirty="0">
                 <a:solidFill>
                   <a:srgbClr val="660033"/>
                 </a:solidFill>
@@ -3653,17 +3791,27 @@
               <a:t>以前我愚</a:t>
             </a:r>
             <a:r>
-              <a:rPr lang="zh-TW" altLang="en-US" sz="5400" b="1" dirty="0" smtClean="0">
-                <a:solidFill>
-                  <a:srgbClr val="660033"/>
-                </a:solidFill>
-                <a:latin typeface="Microsoft JhengHei" pitchFamily="34" charset="-120"/>
-                <a:ea typeface="Microsoft JhengHei" pitchFamily="34" charset="-120"/>
-              </a:rPr>
-              <a:t>拙   罪</a:t>
-            </a:r>
-            <a:r>
-              <a:rPr lang="zh-TW" altLang="en-US" sz="5400" b="1" dirty="0">
+              <a:rPr lang="zh-TW" altLang="en-US" sz="4800" b="1" dirty="0" smtClean="0">
+                <a:solidFill>
+                  <a:srgbClr val="660033"/>
+                </a:solidFill>
+                <a:latin typeface="Microsoft JhengHei" pitchFamily="34" charset="-120"/>
+                <a:ea typeface="Microsoft JhengHei" pitchFamily="34" charset="-120"/>
+              </a:rPr>
+              <a:t>拙  </a:t>
+            </a:r>
+            <a:r>
+              <a:rPr lang="zh-TW" altLang="en-US" sz="4800" b="1" dirty="0" smtClean="0">
+                <a:solidFill>
+                  <a:srgbClr val="660033"/>
+                </a:solidFill>
+                <a:latin typeface="Microsoft JhengHei" pitchFamily="34" charset="-120"/>
+                <a:ea typeface="Microsoft JhengHei" pitchFamily="34" charset="-120"/>
+              </a:rPr>
+              <a:t>罪</a:t>
+            </a:r>
+            <a:r>
+              <a:rPr lang="zh-TW" altLang="en-US" sz="4800" b="1" dirty="0">
                 <a:solidFill>
                   <a:srgbClr val="660033"/>
                 </a:solidFill>
@@ -3673,7 +3821,7 @@
               <a:t>惡管我</a:t>
             </a:r>
             <a:r>
-              <a:rPr lang="zh-TW" altLang="en-US" sz="5400" b="1" dirty="0" smtClean="0">
+              <a:rPr lang="zh-TW" altLang="en-US" sz="4800" b="1" dirty="0" smtClean="0">
                 <a:solidFill>
                   <a:srgbClr val="660033"/>
                 </a:solidFill>
@@ -3682,7 +3830,7 @@
               </a:rPr>
               <a:t>心</a:t>
             </a:r>
-            <a:endParaRPr lang="en-US" altLang="zh-TW" sz="5400" b="1" dirty="0" smtClean="0">
+            <a:endParaRPr lang="en-US" altLang="zh-TW" sz="4800" b="1" dirty="0" smtClean="0">
               <a:solidFill>
                 <a:srgbClr val="660033"/>
               </a:solidFill>
@@ -3695,7 +3843,7 @@
               <a:buNone/>
             </a:pPr>
             <a:r>
-              <a:rPr lang="zh-TW" altLang="en-US" sz="5400" b="1" dirty="0" smtClean="0">
+              <a:rPr lang="zh-TW" altLang="en-US" sz="4800" b="1" dirty="0" smtClean="0">
                 <a:solidFill>
                   <a:srgbClr val="660033"/>
                 </a:solidFill>
@@ -3705,7 +3853,7 @@
               <a:t>使</a:t>
             </a:r>
             <a:r>
-              <a:rPr lang="zh-TW" altLang="en-US" sz="5400" b="1" dirty="0">
+              <a:rPr lang="zh-TW" altLang="en-US" sz="4800" b="1" dirty="0">
                 <a:solidFill>
                   <a:srgbClr val="660033"/>
                 </a:solidFill>
@@ -3715,17 +3863,27 @@
               <a:t>我的腳</a:t>
             </a:r>
             <a:r>
-              <a:rPr lang="zh-TW" altLang="en-US" sz="5400" b="1" dirty="0" smtClean="0">
-                <a:solidFill>
-                  <a:srgbClr val="660033"/>
-                </a:solidFill>
-                <a:latin typeface="Microsoft JhengHei" pitchFamily="34" charset="-120"/>
-                <a:ea typeface="Microsoft JhengHei" pitchFamily="34" charset="-120"/>
-              </a:rPr>
-              <a:t>步   離</a:t>
-            </a:r>
-            <a:r>
-              <a:rPr lang="zh-TW" altLang="en-US" sz="5400" b="1" dirty="0">
+              <a:rPr lang="zh-TW" altLang="en-US" sz="4800" b="1" dirty="0" smtClean="0">
+                <a:solidFill>
+                  <a:srgbClr val="660033"/>
+                </a:solidFill>
+                <a:latin typeface="Microsoft JhengHei" pitchFamily="34" charset="-120"/>
+                <a:ea typeface="Microsoft JhengHei" pitchFamily="34" charset="-120"/>
+              </a:rPr>
+              <a:t>步  </a:t>
+            </a:r>
+            <a:r>
+              <a:rPr lang="zh-TW" altLang="en-US" sz="4800" b="1" dirty="0" smtClean="0">
+                <a:solidFill>
+                  <a:srgbClr val="660033"/>
+                </a:solidFill>
+                <a:latin typeface="Microsoft JhengHei" pitchFamily="34" charset="-120"/>
+                <a:ea typeface="Microsoft JhengHei" pitchFamily="34" charset="-120"/>
+              </a:rPr>
+              <a:t>離</a:t>
+            </a:r>
+            <a:r>
+              <a:rPr lang="zh-TW" altLang="en-US" sz="4800" b="1" dirty="0">
                 <a:solidFill>
                   <a:srgbClr val="660033"/>
                 </a:solidFill>
@@ -3735,7 +3893,7 @@
               <a:t>天父遠</a:t>
             </a:r>
             <a:r>
-              <a:rPr lang="zh-TW" altLang="en-US" sz="5400" b="1" dirty="0" smtClean="0">
+              <a:rPr lang="zh-TW" altLang="en-US" sz="4800" b="1" dirty="0" smtClean="0">
                 <a:solidFill>
                   <a:srgbClr val="660033"/>
                 </a:solidFill>
@@ -3744,7 +3902,7 @@
               </a:rPr>
               <a:t>行</a:t>
             </a:r>
-            <a:endParaRPr lang="en-US" altLang="zh-TW" sz="5400" b="1" dirty="0">
+            <a:endParaRPr lang="en-US" altLang="zh-TW" sz="4800" b="1" dirty="0">
               <a:solidFill>
                 <a:srgbClr val="660033"/>
               </a:solidFill>
@@ -3757,7 +3915,7 @@
               <a:buNone/>
             </a:pPr>
             <a:r>
-              <a:rPr lang="zh-TW" altLang="en-US" sz="5400" b="1" dirty="0" smtClean="0">
+              <a:rPr lang="zh-TW" altLang="en-US" sz="4800" b="1" dirty="0" smtClean="0">
                 <a:solidFill>
                   <a:srgbClr val="660033"/>
                 </a:solidFill>
@@ -3767,7 +3925,7 @@
               <a:t>幸</a:t>
             </a:r>
             <a:r>
-              <a:rPr lang="zh-TW" altLang="en-US" sz="5400" b="1" dirty="0">
+              <a:rPr lang="zh-TW" altLang="en-US" sz="4800" b="1" dirty="0">
                 <a:solidFill>
                   <a:srgbClr val="660033"/>
                 </a:solidFill>
@@ -3777,17 +3935,37 @@
               <a:t>主已尋</a:t>
             </a:r>
             <a:r>
-              <a:rPr lang="zh-TW" altLang="en-US" sz="5400" b="1" dirty="0" smtClean="0">
-                <a:solidFill>
-                  <a:srgbClr val="660033"/>
-                </a:solidFill>
-                <a:latin typeface="Microsoft JhengHei" pitchFamily="34" charset="-120"/>
-                <a:ea typeface="Microsoft JhengHei" pitchFamily="34" charset="-120"/>
-              </a:rPr>
-              <a:t>找   喜</a:t>
-            </a:r>
-            <a:r>
-              <a:rPr lang="zh-TW" altLang="en-US" sz="5400" b="1" dirty="0">
+              <a:rPr lang="zh-TW" altLang="en-US" sz="4800" b="1" dirty="0" smtClean="0">
+                <a:solidFill>
+                  <a:srgbClr val="660033"/>
+                </a:solidFill>
+                <a:latin typeface="Microsoft JhengHei" pitchFamily="34" charset="-120"/>
+                <a:ea typeface="Microsoft JhengHei" pitchFamily="34" charset="-120"/>
+              </a:rPr>
+              <a:t>找 </a:t>
+            </a:r>
+            <a:r>
+              <a:rPr lang="zh-TW" altLang="en-US" sz="4800" b="1" dirty="0" smtClean="0">
+                <a:solidFill>
+                  <a:srgbClr val="660033"/>
+                </a:solidFill>
+                <a:latin typeface="Microsoft JhengHei" pitchFamily="34" charset="-120"/>
+                <a:ea typeface="Microsoft JhengHei" pitchFamily="34" charset="-120"/>
+              </a:rPr>
+              <a:t> </a:t>
+            </a:r>
+            <a:r>
+              <a:rPr lang="zh-TW" altLang="en-US" sz="4800" b="1" dirty="0" smtClean="0">
+                <a:solidFill>
+                  <a:srgbClr val="660033"/>
+                </a:solidFill>
+                <a:latin typeface="Microsoft JhengHei" pitchFamily="34" charset="-120"/>
+                <a:ea typeface="Microsoft JhengHei" pitchFamily="34" charset="-120"/>
+              </a:rPr>
+              <a:t>喜</a:t>
+            </a:r>
+            <a:r>
+              <a:rPr lang="zh-TW" altLang="en-US" sz="4800" b="1" dirty="0">
                 <a:solidFill>
                   <a:srgbClr val="660033"/>
                 </a:solidFill>
@@ -3797,7 +3975,7 @@
               <a:t>樂萬</a:t>
             </a:r>
             <a:r>
-              <a:rPr lang="zh-TW" altLang="en-US" sz="5400" b="1" dirty="0" smtClean="0">
+              <a:rPr lang="zh-TW" altLang="en-US" sz="4800" b="1" dirty="0" smtClean="0">
                 <a:solidFill>
                   <a:srgbClr val="660033"/>
                 </a:solidFill>
@@ -3806,7 +3984,7 @@
               </a:rPr>
               <a:t>分</a:t>
             </a:r>
-            <a:endParaRPr lang="en-US" altLang="zh-TW" sz="5400" b="1" dirty="0" smtClean="0">
+            <a:endParaRPr lang="en-US" altLang="zh-TW" sz="4800" b="1" dirty="0" smtClean="0">
               <a:solidFill>
                 <a:srgbClr val="660033"/>
               </a:solidFill>
@@ -3819,7 +3997,7 @@
               <a:buNone/>
             </a:pPr>
             <a:r>
-              <a:rPr lang="zh-TW" altLang="en-US" sz="5400" b="1" dirty="0" smtClean="0">
+              <a:rPr lang="zh-TW" altLang="en-US" sz="4800" b="1" dirty="0" smtClean="0">
                 <a:solidFill>
                   <a:srgbClr val="660033"/>
                 </a:solidFill>
@@ -3829,7 +4007,7 @@
               <a:t>我</a:t>
             </a:r>
             <a:r>
-              <a:rPr lang="zh-TW" altLang="en-US" sz="5400" b="1" dirty="0">
+              <a:rPr lang="zh-TW" altLang="en-US" sz="4800" b="1" dirty="0">
                 <a:solidFill>
                   <a:srgbClr val="660033"/>
                 </a:solidFill>
@@ -3839,17 +4017,27 @@
               <a:t>只是個罪</a:t>
             </a:r>
             <a:r>
-              <a:rPr lang="zh-TW" altLang="en-US" sz="5400" b="1" dirty="0" smtClean="0">
-                <a:solidFill>
-                  <a:srgbClr val="660033"/>
-                </a:solidFill>
-                <a:latin typeface="Microsoft JhengHei" pitchFamily="34" charset="-120"/>
-                <a:ea typeface="Microsoft JhengHei" pitchFamily="34" charset="-120"/>
-              </a:rPr>
-              <a:t>人   蒙</a:t>
-            </a:r>
-            <a:r>
-              <a:rPr lang="zh-TW" altLang="en-US" sz="5400" b="1" dirty="0">
+              <a:rPr lang="zh-TW" altLang="en-US" sz="4800" b="1" dirty="0" smtClean="0">
+                <a:solidFill>
+                  <a:srgbClr val="660033"/>
+                </a:solidFill>
+                <a:latin typeface="Microsoft JhengHei" pitchFamily="34" charset="-120"/>
+                <a:ea typeface="Microsoft JhengHei" pitchFamily="34" charset="-120"/>
+              </a:rPr>
+              <a:t>人  </a:t>
+            </a:r>
+            <a:r>
+              <a:rPr lang="zh-TW" altLang="en-US" sz="4800" b="1" dirty="0" smtClean="0">
+                <a:solidFill>
+                  <a:srgbClr val="660033"/>
+                </a:solidFill>
+                <a:latin typeface="Microsoft JhengHei" pitchFamily="34" charset="-120"/>
+                <a:ea typeface="Microsoft JhengHei" pitchFamily="34" charset="-120"/>
+              </a:rPr>
+              <a:t>蒙</a:t>
+            </a:r>
+            <a:r>
+              <a:rPr lang="zh-TW" altLang="en-US" sz="4800" b="1" dirty="0">
                 <a:solidFill>
                   <a:srgbClr val="660033"/>
                 </a:solidFill>
@@ -3859,7 +4047,7 @@
               <a:t>主</a:t>
             </a:r>
             <a:r>
-              <a:rPr lang="zh-TW" altLang="en-US" sz="5400" b="1" dirty="0" smtClean="0">
+              <a:rPr lang="zh-TW" altLang="en-US" sz="4800" b="1" dirty="0" smtClean="0">
                 <a:solidFill>
                   <a:srgbClr val="660033"/>
                 </a:solidFill>
@@ -3868,7 +4056,7 @@
               </a:rPr>
               <a:t>恩</a:t>
             </a:r>
-            <a:endParaRPr lang="zh-TW" altLang="en-US" sz="5400" b="1" dirty="0">
+            <a:endParaRPr lang="zh-TW" altLang="en-US" sz="4800" b="1" dirty="0">
               <a:solidFill>
                 <a:srgbClr val="660033"/>
               </a:solidFill>
@@ -3878,10 +4066,56 @@
           </a:p>
         </p:txBody>
       </p:sp>
+      <p:sp>
+        <p:nvSpPr>
+          <p:cNvPr id="4" name="TextBox 3"/>
+          <p:cNvSpPr txBox="1"/>
+          <p:nvPr/>
+        </p:nvSpPr>
+        <p:spPr>
+          <a:xfrm>
+            <a:off x="323528" y="1275606"/>
+            <a:ext cx="792088" cy="830997"/>
+          </a:xfrm>
+          <a:prstGeom prst="rect">
+            <a:avLst/>
+          </a:prstGeom>
+          <a:noFill/>
+        </p:spPr>
+        <p:txBody>
+          <a:bodyPr wrap="square" rtlCol="0">
+            <a:spAutoFit/>
+          </a:bodyPr>
+          <a:lstStyle/>
+          <a:p>
+            <a:r>
+              <a:rPr lang="en-US" sz="4800" b="1" dirty="0">
+                <a:solidFill>
+                  <a:srgbClr val="660033"/>
+                </a:solidFill>
+              </a:rPr>
+              <a:t>2</a:t>
+            </a:r>
+            <a:r>
+              <a:rPr lang="en-US" sz="4800" b="1" dirty="0" smtClean="0">
+                <a:solidFill>
+                  <a:srgbClr val="660033"/>
+                </a:solidFill>
+              </a:rPr>
+              <a:t>.</a:t>
+            </a:r>
+            <a:endParaRPr lang="vi-VN" sz="4800" b="1" dirty="0">
+              <a:solidFill>
+                <a:srgbClr val="660033"/>
+              </a:solidFill>
+            </a:endParaRPr>
+          </a:p>
+        </p:txBody>
+      </p:sp>
     </p:spTree>
     <p:extLst>
       <p:ext uri="{BB962C8B-B14F-4D97-AF65-F5344CB8AC3E}">
-        <p14:creationId xmlns="" xmlns:p14="http://schemas.microsoft.com/office/powerpoint/2010/main" val="3627175802"/>
+        <p14:creationId xmlns:p14="http://schemas.microsoft.com/office/powerpoint/2010/main" val="3627175802"/>
       </p:ext>
     </p:extLst>
   </p:cSld>
@@ -3961,7 +4195,7 @@
         </p:spPr>
         <p:txBody>
           <a:bodyPr>
-            <a:normAutofit fontScale="92500" lnSpcReduction="10000"/>
+            <a:noAutofit/>
           </a:bodyPr>
           <a:lstStyle/>
           <a:p>
@@ -3969,7 +4203,7 @@
               <a:buNone/>
             </a:pPr>
             <a:r>
-              <a:rPr lang="zh-TW" altLang="en-US" sz="5400" b="1" dirty="0">
+              <a:rPr lang="zh-TW" altLang="en-US" sz="4800" b="1" dirty="0">
                 <a:solidFill>
                   <a:srgbClr val="660033"/>
                 </a:solidFill>
@@ -3978,7 +4212,7 @@
               </a:rPr>
               <a:t>我是個罪人蒙恩典</a:t>
             </a:r>
-            <a:endParaRPr lang="en-US" altLang="zh-TW" sz="5400" b="1" dirty="0">
+            <a:endParaRPr lang="en-US" altLang="zh-TW" sz="4800" b="1" dirty="0">
               <a:solidFill>
                 <a:srgbClr val="660033"/>
               </a:solidFill>
@@ -3991,7 +4225,7 @@
               <a:buNone/>
             </a:pPr>
             <a:r>
-              <a:rPr lang="zh-TW" altLang="en-US" sz="5400" b="1" dirty="0">
+              <a:rPr lang="zh-TW" altLang="en-US" sz="4800" b="1" dirty="0">
                 <a:solidFill>
                   <a:srgbClr val="660033"/>
                 </a:solidFill>
@@ -4000,7 +4234,7 @@
               </a:rPr>
               <a:t>一切的罪惡得赦免</a:t>
             </a:r>
-            <a:endParaRPr lang="en-US" altLang="zh-TW" sz="5400" b="1" dirty="0">
+            <a:endParaRPr lang="en-US" altLang="zh-TW" sz="4800" b="1" dirty="0">
               <a:solidFill>
                 <a:srgbClr val="660033"/>
               </a:solidFill>
@@ -4013,7 +4247,7 @@
               <a:buNone/>
             </a:pPr>
             <a:r>
-              <a:rPr lang="zh-TW" altLang="en-US" sz="5400" b="1" dirty="0">
+              <a:rPr lang="zh-TW" altLang="en-US" sz="4800" b="1" dirty="0">
                 <a:solidFill>
                   <a:srgbClr val="660033"/>
                 </a:solidFill>
@@ -4022,7 +4256,7 @@
               </a:rPr>
               <a:t>讚美主耶穌   榮耀都歸耶穌</a:t>
             </a:r>
-            <a:endParaRPr lang="en-US" altLang="zh-TW" sz="5400" b="1" dirty="0">
+            <a:endParaRPr lang="en-US" altLang="zh-TW" sz="4800" b="1" dirty="0">
               <a:solidFill>
                 <a:srgbClr val="660033"/>
               </a:solidFill>
@@ -4035,7 +4269,7 @@
               <a:buNone/>
             </a:pPr>
             <a:r>
-              <a:rPr lang="zh-TW" altLang="en-US" sz="5400" b="1" dirty="0">
+              <a:rPr lang="zh-TW" altLang="en-US" sz="4800" b="1" dirty="0">
                 <a:solidFill>
                   <a:srgbClr val="660033"/>
                 </a:solidFill>
@@ -4045,7 +4279,7 @@
               <a:t>我只是個罪人蒙救</a:t>
             </a:r>
             <a:r>
-              <a:rPr lang="zh-TW" altLang="en-US" sz="5400" b="1" dirty="0" smtClean="0">
+              <a:rPr lang="zh-TW" altLang="en-US" sz="4800" b="1" dirty="0" smtClean="0">
                 <a:solidFill>
                   <a:srgbClr val="660033"/>
                 </a:solidFill>
@@ -4054,7 +4288,7 @@
               </a:rPr>
               <a:t>恩</a:t>
             </a:r>
-            <a:endParaRPr lang="zh-TW" altLang="en-US" sz="5400" b="1" dirty="0">
+            <a:endParaRPr lang="zh-TW" altLang="en-US" sz="4800" b="1" dirty="0">
               <a:solidFill>
                 <a:srgbClr val="660033"/>
               </a:solidFill>
@@ -4067,7 +4301,7 @@
     </p:spTree>
     <p:extLst>
       <p:ext uri="{BB962C8B-B14F-4D97-AF65-F5344CB8AC3E}">
-        <p14:creationId xmlns="" xmlns:p14="http://schemas.microsoft.com/office/powerpoint/2010/main" val="3275095645"/>
+        <p14:creationId xmlns:p14="http://schemas.microsoft.com/office/powerpoint/2010/main" val="3275095645"/>
       </p:ext>
     </p:extLst>
   </p:cSld>
@@ -4147,7 +4381,7 @@
         </p:spPr>
         <p:txBody>
           <a:bodyPr>
-            <a:normAutofit fontScale="92500" lnSpcReduction="10000"/>
+            <a:noAutofit/>
           </a:bodyPr>
           <a:lstStyle/>
           <a:p>
@@ -4155,16 +4389,36 @@
               <a:buNone/>
             </a:pPr>
             <a:r>
-              <a:rPr lang="zh-TW" altLang="en-US" sz="5400" b="1" dirty="0">
-                <a:solidFill>
-                  <a:srgbClr val="660033"/>
-                </a:solidFill>
-                <a:latin typeface="Microsoft JhengHei" pitchFamily="34" charset="-120"/>
-                <a:ea typeface="Microsoft JhengHei" pitchFamily="34" charset="-120"/>
-              </a:rPr>
-              <a:t>流淚無功效   天堂也無份</a:t>
-            </a:r>
-            <a:endParaRPr lang="en-US" altLang="zh-TW" sz="5400" b="1" dirty="0">
+              <a:rPr lang="zh-TW" altLang="en-US" sz="4800" b="1" dirty="0">
+                <a:solidFill>
+                  <a:srgbClr val="660033"/>
+                </a:solidFill>
+                <a:latin typeface="Microsoft JhengHei" pitchFamily="34" charset="-120"/>
+                <a:ea typeface="Microsoft JhengHei" pitchFamily="34" charset="-120"/>
+              </a:rPr>
+              <a:t>流淚無功效 </a:t>
+            </a:r>
+            <a:r>
+              <a:rPr lang="zh-TW" altLang="en-US" sz="4800" b="1" dirty="0" smtClean="0">
+                <a:solidFill>
+                  <a:srgbClr val="660033"/>
+                </a:solidFill>
+                <a:latin typeface="Microsoft JhengHei" pitchFamily="34" charset="-120"/>
+                <a:ea typeface="Microsoft JhengHei" pitchFamily="34" charset="-120"/>
+              </a:rPr>
+              <a:t> </a:t>
+            </a:r>
+            <a:r>
+              <a:rPr lang="zh-TW" altLang="en-US" sz="4800" b="1" dirty="0">
+                <a:solidFill>
+                  <a:srgbClr val="660033"/>
+                </a:solidFill>
+                <a:latin typeface="Microsoft JhengHei" pitchFamily="34" charset="-120"/>
+                <a:ea typeface="Microsoft JhengHei" pitchFamily="34" charset="-120"/>
+              </a:rPr>
+              <a:t>天堂也無份</a:t>
+            </a:r>
+            <a:endParaRPr lang="en-US" altLang="zh-TW" sz="4800" b="1" dirty="0">
               <a:solidFill>
                 <a:srgbClr val="660033"/>
               </a:solidFill>
@@ -4177,16 +4431,36 @@
               <a:buNone/>
             </a:pPr>
             <a:r>
-              <a:rPr lang="zh-TW" altLang="en-US" sz="5400" b="1" dirty="0">
-                <a:solidFill>
-                  <a:srgbClr val="660033"/>
-                </a:solidFill>
-                <a:latin typeface="Microsoft JhengHei" pitchFamily="34" charset="-120"/>
-                <a:ea typeface="Microsoft JhengHei" pitchFamily="34" charset="-120"/>
-              </a:rPr>
-              <a:t>主若不救我   必定要沉淪</a:t>
-            </a:r>
-            <a:endParaRPr lang="en-US" altLang="zh-TW" sz="5400" b="1" dirty="0">
+              <a:rPr lang="zh-TW" altLang="en-US" sz="4800" b="1" dirty="0">
+                <a:solidFill>
+                  <a:srgbClr val="660033"/>
+                </a:solidFill>
+                <a:latin typeface="Microsoft JhengHei" pitchFamily="34" charset="-120"/>
+                <a:ea typeface="Microsoft JhengHei" pitchFamily="34" charset="-120"/>
+              </a:rPr>
+              <a:t>主若不救</a:t>
+            </a:r>
+            <a:r>
+              <a:rPr lang="zh-TW" altLang="en-US" sz="4800" b="1" dirty="0" smtClean="0">
+                <a:solidFill>
+                  <a:srgbClr val="660033"/>
+                </a:solidFill>
+                <a:latin typeface="Microsoft JhengHei" pitchFamily="34" charset="-120"/>
+                <a:ea typeface="Microsoft JhengHei" pitchFamily="34" charset="-120"/>
+              </a:rPr>
+              <a:t>我  </a:t>
+            </a:r>
+            <a:r>
+              <a:rPr lang="zh-TW" altLang="en-US" sz="4800" b="1" dirty="0">
+                <a:solidFill>
+                  <a:srgbClr val="660033"/>
+                </a:solidFill>
+                <a:latin typeface="Microsoft JhengHei" pitchFamily="34" charset="-120"/>
+                <a:ea typeface="Microsoft JhengHei" pitchFamily="34" charset="-120"/>
+              </a:rPr>
+              <a:t>必定要沉淪</a:t>
+            </a:r>
+            <a:endParaRPr lang="en-US" altLang="zh-TW" sz="4800" b="1" dirty="0">
               <a:solidFill>
                 <a:srgbClr val="660033"/>
               </a:solidFill>
@@ -4199,16 +4473,36 @@
               <a:buNone/>
             </a:pPr>
             <a:r>
-              <a:rPr lang="zh-TW" altLang="en-US" sz="5400" b="1" dirty="0">
-                <a:solidFill>
-                  <a:srgbClr val="660033"/>
-                </a:solidFill>
-                <a:latin typeface="Microsoft JhengHei" pitchFamily="34" charset="-120"/>
-                <a:ea typeface="Microsoft JhengHei" pitchFamily="34" charset="-120"/>
-              </a:rPr>
-              <a:t>罪惡常恐嚇   怕見神面</a:t>
-            </a:r>
-            <a:endParaRPr lang="en-US" altLang="zh-TW" sz="5400" b="1" dirty="0">
+              <a:rPr lang="zh-TW" altLang="en-US" sz="4800" b="1" dirty="0">
+                <a:solidFill>
+                  <a:srgbClr val="660033"/>
+                </a:solidFill>
+                <a:latin typeface="Microsoft JhengHei" pitchFamily="34" charset="-120"/>
+                <a:ea typeface="Microsoft JhengHei" pitchFamily="34" charset="-120"/>
+              </a:rPr>
+              <a:t>罪惡常恐嚇  </a:t>
+            </a:r>
+            <a:r>
+              <a:rPr lang="zh-TW" altLang="en-US" sz="4800" b="1" dirty="0" smtClean="0">
+                <a:solidFill>
+                  <a:srgbClr val="660033"/>
+                </a:solidFill>
+                <a:latin typeface="Microsoft JhengHei" pitchFamily="34" charset="-120"/>
+                <a:ea typeface="Microsoft JhengHei" pitchFamily="34" charset="-120"/>
+              </a:rPr>
+              <a:t>怕</a:t>
+            </a:r>
+            <a:r>
+              <a:rPr lang="zh-TW" altLang="en-US" sz="4800" b="1" dirty="0">
+                <a:solidFill>
+                  <a:srgbClr val="660033"/>
+                </a:solidFill>
+                <a:latin typeface="Microsoft JhengHei" pitchFamily="34" charset="-120"/>
+                <a:ea typeface="Microsoft JhengHei" pitchFamily="34" charset="-120"/>
+              </a:rPr>
+              <a:t>見神面</a:t>
+            </a:r>
+            <a:endParaRPr lang="en-US" altLang="zh-TW" sz="4800" b="1" dirty="0">
               <a:solidFill>
                 <a:srgbClr val="660033"/>
               </a:solidFill>
@@ -4221,22 +4515,88 @@
               <a:buNone/>
             </a:pPr>
             <a:r>
-              <a:rPr lang="zh-TW" altLang="en-US" sz="5400" b="1" dirty="0">
-                <a:solidFill>
-                  <a:srgbClr val="660033"/>
-                </a:solidFill>
-                <a:latin typeface="Microsoft JhengHei" pitchFamily="34" charset="-120"/>
-                <a:ea typeface="Microsoft JhengHei" pitchFamily="34" charset="-120"/>
-              </a:rPr>
-              <a:t>我只是個罪人   蒙主恩</a:t>
-            </a:r>
+              <a:rPr lang="zh-TW" altLang="en-US" sz="4800" b="1" dirty="0">
+                <a:solidFill>
+                  <a:srgbClr val="660033"/>
+                </a:solidFill>
+                <a:latin typeface="Microsoft JhengHei" pitchFamily="34" charset="-120"/>
+                <a:ea typeface="Microsoft JhengHei" pitchFamily="34" charset="-120"/>
+              </a:rPr>
+              <a:t>我只是個罪</a:t>
+            </a:r>
+            <a:r>
+              <a:rPr lang="zh-TW" altLang="en-US" sz="4800" b="1" dirty="0" smtClean="0">
+                <a:solidFill>
+                  <a:srgbClr val="660033"/>
+                </a:solidFill>
+                <a:latin typeface="Microsoft JhengHei" pitchFamily="34" charset="-120"/>
+                <a:ea typeface="Microsoft JhengHei" pitchFamily="34" charset="-120"/>
+              </a:rPr>
+              <a:t>人  </a:t>
+            </a:r>
+            <a:r>
+              <a:rPr lang="zh-TW" altLang="en-US" sz="4800" b="1" dirty="0">
+                <a:solidFill>
+                  <a:srgbClr val="660033"/>
+                </a:solidFill>
+                <a:latin typeface="Microsoft JhengHei" pitchFamily="34" charset="-120"/>
+                <a:ea typeface="Microsoft JhengHei" pitchFamily="34" charset="-120"/>
+              </a:rPr>
+              <a:t>蒙主恩</a:t>
+            </a:r>
+          </a:p>
+        </p:txBody>
+      </p:sp>
+      <p:sp>
+        <p:nvSpPr>
+          <p:cNvPr id="4" name="TextBox 3"/>
+          <p:cNvSpPr txBox="1"/>
+          <p:nvPr/>
+        </p:nvSpPr>
+        <p:spPr>
+          <a:xfrm>
+            <a:off x="323528" y="1275606"/>
+            <a:ext cx="792088" cy="830997"/>
+          </a:xfrm>
+          <a:prstGeom prst="rect">
+            <a:avLst/>
+          </a:prstGeom>
+          <a:noFill/>
+        </p:spPr>
+        <p:txBody>
+          <a:bodyPr wrap="square" rtlCol="0">
+            <a:spAutoFit/>
+          </a:bodyPr>
+          <a:lstStyle/>
+          <a:p>
+            <a:r>
+              <a:rPr lang="en-US" sz="4800" b="1" dirty="0">
+                <a:solidFill>
+                  <a:srgbClr val="660033"/>
+                </a:solidFill>
+              </a:rPr>
+              <a:t>3</a:t>
+            </a:r>
+            <a:r>
+              <a:rPr lang="en-US" sz="4800" b="1" dirty="0" smtClean="0">
+                <a:solidFill>
+                  <a:srgbClr val="660033"/>
+                </a:solidFill>
+              </a:rPr>
+              <a:t>.</a:t>
+            </a:r>
+            <a:endParaRPr lang="vi-VN" sz="4800" b="1" dirty="0">
+              <a:solidFill>
+                <a:srgbClr val="660033"/>
+              </a:solidFill>
+            </a:endParaRPr>
           </a:p>
         </p:txBody>
       </p:sp>
     </p:spTree>
     <p:extLst>
       <p:ext uri="{BB962C8B-B14F-4D97-AF65-F5344CB8AC3E}">
-        <p14:creationId xmlns="" xmlns:p14="http://schemas.microsoft.com/office/powerpoint/2010/main" val="2115017233"/>
+        <p14:creationId xmlns:p14="http://schemas.microsoft.com/office/powerpoint/2010/main" val="2115017233"/>
       </p:ext>
     </p:extLst>
   </p:cSld>
@@ -4316,7 +4676,7 @@
         </p:spPr>
         <p:txBody>
           <a:bodyPr>
-            <a:normAutofit fontScale="92500" lnSpcReduction="10000"/>
+            <a:noAutofit/>
           </a:bodyPr>
           <a:lstStyle/>
           <a:p>
@@ -4324,7 +4684,7 @@
               <a:buNone/>
             </a:pPr>
             <a:r>
-              <a:rPr lang="zh-TW" altLang="en-US" sz="5400" b="1" dirty="0">
+              <a:rPr lang="zh-TW" altLang="en-US" sz="4800" b="1" dirty="0">
                 <a:solidFill>
                   <a:srgbClr val="660033"/>
                 </a:solidFill>
@@ -4333,7 +4693,7 @@
               </a:rPr>
               <a:t>我是個罪人蒙恩典</a:t>
             </a:r>
-            <a:endParaRPr lang="en-US" altLang="zh-TW" sz="5400" b="1" dirty="0">
+            <a:endParaRPr lang="en-US" altLang="zh-TW" sz="4800" b="1" dirty="0">
               <a:solidFill>
                 <a:srgbClr val="660033"/>
               </a:solidFill>
@@ -4346,7 +4706,7 @@
               <a:buNone/>
             </a:pPr>
             <a:r>
-              <a:rPr lang="zh-TW" altLang="en-US" sz="5400" b="1" dirty="0">
+              <a:rPr lang="zh-TW" altLang="en-US" sz="4800" b="1" dirty="0">
                 <a:solidFill>
                   <a:srgbClr val="660033"/>
                 </a:solidFill>
@@ -4355,7 +4715,7 @@
               </a:rPr>
               <a:t>一切的罪惡得赦免</a:t>
             </a:r>
-            <a:endParaRPr lang="en-US" altLang="zh-TW" sz="5400" b="1" dirty="0">
+            <a:endParaRPr lang="en-US" altLang="zh-TW" sz="4800" b="1" dirty="0">
               <a:solidFill>
                 <a:srgbClr val="660033"/>
               </a:solidFill>
@@ -4368,7 +4728,7 @@
               <a:buNone/>
             </a:pPr>
             <a:r>
-              <a:rPr lang="zh-TW" altLang="en-US" sz="5400" b="1" dirty="0">
+              <a:rPr lang="zh-TW" altLang="en-US" sz="4800" b="1" dirty="0">
                 <a:solidFill>
                   <a:srgbClr val="660033"/>
                 </a:solidFill>
@@ -4377,7 +4737,7 @@
               </a:rPr>
               <a:t>讚美主耶穌   榮耀都歸耶穌</a:t>
             </a:r>
-            <a:endParaRPr lang="en-US" altLang="zh-TW" sz="5400" b="1" dirty="0">
+            <a:endParaRPr lang="en-US" altLang="zh-TW" sz="4800" b="1" dirty="0">
               <a:solidFill>
                 <a:srgbClr val="660033"/>
               </a:solidFill>
@@ -4390,7 +4750,7 @@
               <a:buNone/>
             </a:pPr>
             <a:r>
-              <a:rPr lang="zh-TW" altLang="en-US" sz="5400" b="1" dirty="0">
+              <a:rPr lang="zh-TW" altLang="en-US" sz="4800" b="1" dirty="0">
                 <a:solidFill>
                   <a:srgbClr val="660033"/>
                 </a:solidFill>
@@ -4400,7 +4760,7 @@
               <a:t>我只是個罪人蒙救</a:t>
             </a:r>
             <a:r>
-              <a:rPr lang="zh-TW" altLang="en-US" sz="5400" b="1" dirty="0" smtClean="0">
+              <a:rPr lang="zh-TW" altLang="en-US" sz="4800" b="1" dirty="0" smtClean="0">
                 <a:solidFill>
                   <a:srgbClr val="660033"/>
                 </a:solidFill>
@@ -4409,7 +4769,7 @@
               </a:rPr>
               <a:t>恩</a:t>
             </a:r>
-            <a:endParaRPr lang="zh-TW" altLang="en-US" sz="5400" b="1" dirty="0">
+            <a:endParaRPr lang="zh-TW" altLang="en-US" sz="4800" b="1" dirty="0">
               <a:solidFill>
                 <a:srgbClr val="660033"/>
               </a:solidFill>
@@ -4422,7 +4782,7 @@
     </p:spTree>
     <p:extLst>
       <p:ext uri="{BB962C8B-B14F-4D97-AF65-F5344CB8AC3E}">
-        <p14:creationId xmlns="" xmlns:p14="http://schemas.microsoft.com/office/powerpoint/2010/main" val="2895884710"/>
+        <p14:creationId xmlns:p14="http://schemas.microsoft.com/office/powerpoint/2010/main" val="2895884710"/>
       </p:ext>
     </p:extLst>
   </p:cSld>
@@ -4502,7 +4862,7 @@
         </p:spPr>
         <p:txBody>
           <a:bodyPr>
-            <a:normAutofit fontScale="92500" lnSpcReduction="10000"/>
+            <a:noAutofit/>
           </a:bodyPr>
           <a:lstStyle/>
           <a:p>
@@ -4510,7 +4870,7 @@
               <a:buNone/>
             </a:pPr>
             <a:r>
-              <a:rPr lang="zh-TW" altLang="en-US" sz="5400" b="1" dirty="0" smtClean="0">
+              <a:rPr lang="zh-TW" altLang="en-US" sz="4800" b="1" dirty="0" smtClean="0">
                 <a:solidFill>
                   <a:srgbClr val="660033"/>
                 </a:solidFill>
@@ -4520,7 +4880,7 @@
               <a:t>諒我</a:t>
             </a:r>
             <a:r>
-              <a:rPr lang="zh-CN" altLang="en-US" sz="5400" b="1" dirty="0" smtClean="0">
+              <a:rPr lang="zh-CN" altLang="en-US" sz="4800" b="1" dirty="0" smtClean="0">
                 <a:solidFill>
                   <a:srgbClr val="660033"/>
                 </a:solidFill>
@@ -4530,17 +4890,27 @@
               <a:t>這</a:t>
             </a:r>
             <a:r>
-              <a:rPr lang="zh-TW" altLang="en-US" sz="5400" b="1" dirty="0" smtClean="0">
-                <a:solidFill>
-                  <a:srgbClr val="660033"/>
-                </a:solidFill>
-                <a:latin typeface="Microsoft JhengHei" pitchFamily="34" charset="-120"/>
-                <a:ea typeface="Microsoft JhengHei" pitchFamily="34" charset="-120"/>
-              </a:rPr>
-              <a:t>罪人   </a:t>
-            </a:r>
-            <a:r>
-              <a:rPr lang="zh-TW" altLang="en-US" sz="5400" b="1" dirty="0">
+              <a:rPr lang="zh-TW" altLang="en-US" sz="4800" b="1" dirty="0" smtClean="0">
+                <a:solidFill>
+                  <a:srgbClr val="660033"/>
+                </a:solidFill>
+                <a:latin typeface="Microsoft JhengHei" pitchFamily="34" charset="-120"/>
+                <a:ea typeface="Microsoft JhengHei" pitchFamily="34" charset="-120"/>
+              </a:rPr>
+              <a:t>罪人 </a:t>
+            </a:r>
+            <a:r>
+              <a:rPr lang="zh-TW" altLang="en-US" sz="4800" b="1" dirty="0" smtClean="0">
+                <a:solidFill>
+                  <a:srgbClr val="660033"/>
+                </a:solidFill>
+                <a:latin typeface="Microsoft JhengHei" pitchFamily="34" charset="-120"/>
+                <a:ea typeface="Microsoft JhengHei" pitchFamily="34" charset="-120"/>
+              </a:rPr>
+              <a:t> </a:t>
+            </a:r>
+            <a:r>
+              <a:rPr lang="zh-TW" altLang="en-US" sz="4800" b="1" dirty="0">
                 <a:solidFill>
                   <a:srgbClr val="660033"/>
                 </a:solidFill>
@@ -4549,7 +4919,7 @@
               </a:rPr>
               <a:t>情不能自禁</a:t>
             </a:r>
-            <a:endParaRPr lang="en-US" altLang="zh-TW" sz="5400" b="1" dirty="0">
+            <a:endParaRPr lang="en-US" altLang="zh-TW" sz="4800" b="1" dirty="0">
               <a:solidFill>
                 <a:srgbClr val="660033"/>
               </a:solidFill>
@@ -4562,7 +4932,7 @@
               <a:buNone/>
             </a:pPr>
             <a:r>
-              <a:rPr lang="zh-TW" altLang="en-US" sz="5400" b="1" dirty="0">
+              <a:rPr lang="zh-TW" altLang="en-US" sz="4800" b="1" dirty="0">
                 <a:solidFill>
                   <a:srgbClr val="660033"/>
                 </a:solidFill>
@@ -4572,17 +4942,37 @@
               <a:t>只</a:t>
             </a:r>
             <a:r>
-              <a:rPr lang="zh-TW" altLang="en-US" sz="5400" b="1" dirty="0" smtClean="0">
-                <a:solidFill>
-                  <a:srgbClr val="660033"/>
-                </a:solidFill>
-                <a:latin typeface="Microsoft JhengHei" pitchFamily="34" charset="-120"/>
-                <a:ea typeface="Microsoft JhengHei" pitchFamily="34" charset="-120"/>
-              </a:rPr>
-              <a:t>因深愛主   喜樂</a:t>
-            </a:r>
-            <a:r>
-              <a:rPr lang="zh-TW" altLang="en-US" sz="5400" b="1" dirty="0">
+              <a:rPr lang="zh-TW" altLang="en-US" sz="4800" b="1" dirty="0" smtClean="0">
+                <a:solidFill>
+                  <a:srgbClr val="660033"/>
+                </a:solidFill>
+                <a:latin typeface="Microsoft JhengHei" pitchFamily="34" charset="-120"/>
+                <a:ea typeface="Microsoft JhengHei" pitchFamily="34" charset="-120"/>
+              </a:rPr>
+              <a:t>因深愛</a:t>
+            </a:r>
+            <a:r>
+              <a:rPr lang="zh-TW" altLang="en-US" sz="4800" b="1" dirty="0" smtClean="0">
+                <a:solidFill>
+                  <a:srgbClr val="660033"/>
+                </a:solidFill>
+                <a:latin typeface="Microsoft JhengHei" pitchFamily="34" charset="-120"/>
+                <a:ea typeface="Microsoft JhengHei" pitchFamily="34" charset="-120"/>
+              </a:rPr>
+              <a:t>主  </a:t>
+            </a:r>
+            <a:r>
+              <a:rPr lang="zh-TW" altLang="en-US" sz="4800" b="1" dirty="0" smtClean="0">
+                <a:solidFill>
+                  <a:srgbClr val="660033"/>
+                </a:solidFill>
+                <a:latin typeface="Microsoft JhengHei" pitchFamily="34" charset="-120"/>
+                <a:ea typeface="Microsoft JhengHei" pitchFamily="34" charset="-120"/>
+              </a:rPr>
+              <a:t>喜樂</a:t>
+            </a:r>
+            <a:r>
+              <a:rPr lang="zh-TW" altLang="en-US" sz="4800" b="1" dirty="0">
                 <a:solidFill>
                   <a:srgbClr val="660033"/>
                 </a:solidFill>
@@ -4591,7 +4981,7 @@
               </a:rPr>
               <a:t>滿我心</a:t>
             </a:r>
-            <a:endParaRPr lang="en-US" altLang="zh-TW" sz="5400" b="1" dirty="0">
+            <a:endParaRPr lang="en-US" altLang="zh-TW" sz="4800" b="1" dirty="0">
               <a:solidFill>
                 <a:srgbClr val="660033"/>
               </a:solidFill>
@@ -4604,16 +4994,36 @@
               <a:buNone/>
             </a:pPr>
             <a:r>
-              <a:rPr lang="zh-TW" altLang="en-US" sz="5400" b="1" dirty="0">
-                <a:solidFill>
-                  <a:srgbClr val="660033"/>
-                </a:solidFill>
-                <a:latin typeface="Microsoft JhengHei" pitchFamily="34" charset="-120"/>
-                <a:ea typeface="Microsoft JhengHei" pitchFamily="34" charset="-120"/>
-              </a:rPr>
-              <a:t>讓我再說明   高聲謳吟</a:t>
-            </a:r>
-            <a:endParaRPr lang="en-US" altLang="zh-TW" sz="5400" b="1" dirty="0">
+              <a:rPr lang="zh-TW" altLang="en-US" sz="4800" b="1" dirty="0">
+                <a:solidFill>
+                  <a:srgbClr val="660033"/>
+                </a:solidFill>
+                <a:latin typeface="Microsoft JhengHei" pitchFamily="34" charset="-120"/>
+                <a:ea typeface="Microsoft JhengHei" pitchFamily="34" charset="-120"/>
+              </a:rPr>
+              <a:t>讓我再說</a:t>
+            </a:r>
+            <a:r>
+              <a:rPr lang="zh-TW" altLang="en-US" sz="4800" b="1" dirty="0" smtClean="0">
+                <a:solidFill>
+                  <a:srgbClr val="660033"/>
+                </a:solidFill>
+                <a:latin typeface="Microsoft JhengHei" pitchFamily="34" charset="-120"/>
+                <a:ea typeface="Microsoft JhengHei" pitchFamily="34" charset="-120"/>
+              </a:rPr>
+              <a:t>明  </a:t>
+            </a:r>
+            <a:r>
+              <a:rPr lang="zh-TW" altLang="en-US" sz="4800" b="1" dirty="0">
+                <a:solidFill>
+                  <a:srgbClr val="660033"/>
+                </a:solidFill>
+                <a:latin typeface="Microsoft JhengHei" pitchFamily="34" charset="-120"/>
+                <a:ea typeface="Microsoft JhengHei" pitchFamily="34" charset="-120"/>
+              </a:rPr>
+              <a:t>高聲謳吟</a:t>
+            </a:r>
+            <a:endParaRPr lang="en-US" altLang="zh-TW" sz="4800" b="1" dirty="0">
               <a:solidFill>
                 <a:srgbClr val="660033"/>
               </a:solidFill>
@@ -4626,22 +5036,98 @@
               <a:buNone/>
             </a:pPr>
             <a:r>
-              <a:rPr lang="zh-TW" altLang="en-US" sz="5400" b="1" dirty="0">
-                <a:solidFill>
-                  <a:srgbClr val="660033"/>
-                </a:solidFill>
-                <a:latin typeface="Microsoft JhengHei" pitchFamily="34" charset="-120"/>
-                <a:ea typeface="Microsoft JhengHei" pitchFamily="34" charset="-120"/>
-              </a:rPr>
-              <a:t>我只是個罪人   蒙主恩</a:t>
-            </a:r>
+              <a:rPr lang="zh-TW" altLang="en-US" sz="4800" b="1" dirty="0">
+                <a:solidFill>
+                  <a:srgbClr val="660033"/>
+                </a:solidFill>
+                <a:latin typeface="Microsoft JhengHei" pitchFamily="34" charset="-120"/>
+                <a:ea typeface="Microsoft JhengHei" pitchFamily="34" charset="-120"/>
+              </a:rPr>
+              <a:t>我只是個</a:t>
+            </a:r>
+            <a:r>
+              <a:rPr lang="zh-TW" altLang="en-US" sz="4800" b="1">
+                <a:solidFill>
+                  <a:srgbClr val="660033"/>
+                </a:solidFill>
+                <a:latin typeface="Microsoft JhengHei" pitchFamily="34" charset="-120"/>
+                <a:ea typeface="Microsoft JhengHei" pitchFamily="34" charset="-120"/>
+              </a:rPr>
+              <a:t>罪</a:t>
+            </a:r>
+            <a:r>
+              <a:rPr lang="zh-TW" altLang="en-US" sz="4800" b="1" smtClean="0">
+                <a:solidFill>
+                  <a:srgbClr val="660033"/>
+                </a:solidFill>
+                <a:latin typeface="Microsoft JhengHei" pitchFamily="34" charset="-120"/>
+                <a:ea typeface="Microsoft JhengHei" pitchFamily="34" charset="-120"/>
+              </a:rPr>
+              <a:t>人  </a:t>
+            </a:r>
+            <a:r>
+              <a:rPr lang="zh-TW" altLang="en-US" sz="4800" b="1" dirty="0">
+                <a:solidFill>
+                  <a:srgbClr val="660033"/>
+                </a:solidFill>
+                <a:latin typeface="Microsoft JhengHei" pitchFamily="34" charset="-120"/>
+                <a:ea typeface="Microsoft JhengHei" pitchFamily="34" charset="-120"/>
+              </a:rPr>
+              <a:t>蒙主恩</a:t>
+            </a:r>
+          </a:p>
+        </p:txBody>
+      </p:sp>
+      <p:sp>
+        <p:nvSpPr>
+          <p:cNvPr id="4" name="TextBox 3"/>
+          <p:cNvSpPr txBox="1"/>
+          <p:nvPr/>
+        </p:nvSpPr>
+        <p:spPr>
+          <a:xfrm>
+            <a:off x="323528" y="1275606"/>
+            <a:ext cx="792088" cy="830997"/>
+          </a:xfrm>
+          <a:prstGeom prst="rect">
+            <a:avLst/>
+          </a:prstGeom>
+          <a:noFill/>
+        </p:spPr>
+        <p:txBody>
+          <a:bodyPr wrap="square" rtlCol="0">
+            <a:spAutoFit/>
+          </a:bodyPr>
+          <a:lstStyle/>
+          <a:p>
+            <a:r>
+              <a:rPr lang="en-US" sz="4800" b="1" dirty="0">
+                <a:solidFill>
+                  <a:srgbClr val="660033"/>
+                </a:solidFill>
+              </a:rPr>
+              <a:t>4</a:t>
+            </a:r>
+            <a:r>
+              <a:rPr lang="en-US" sz="4800" b="1" dirty="0" smtClean="0">
+                <a:solidFill>
+                  <a:srgbClr val="660033"/>
+                </a:solidFill>
+              </a:rPr>
+              <a:t>.</a:t>
+            </a:r>
+            <a:endParaRPr lang="vi-VN" sz="4800" b="1" dirty="0">
+              <a:solidFill>
+                <a:srgbClr val="660033"/>
+              </a:solidFill>
+            </a:endParaRPr>
           </a:p>
         </p:txBody>
       </p:sp>
     </p:spTree>
     <p:extLst>
       <p:ext uri="{BB962C8B-B14F-4D97-AF65-F5344CB8AC3E}">
-        <p14:creationId xmlns="" xmlns:p14="http://schemas.microsoft.com/office/powerpoint/2010/main" val="1438324991"/>
+        <p14:creationId xmlns:p14="http://schemas.microsoft.com/office/powerpoint/2010/main" val="1438324991"/>
       </p:ext>
     </p:extLst>
   </p:cSld>
@@ -4721,7 +5207,7 @@
         </p:spPr>
         <p:txBody>
           <a:bodyPr>
-            <a:normAutofit fontScale="92500" lnSpcReduction="10000"/>
+            <a:noAutofit/>
           </a:bodyPr>
           <a:lstStyle/>
           <a:p>
@@ -4729,7 +5215,7 @@
               <a:buNone/>
             </a:pPr>
             <a:r>
-              <a:rPr lang="zh-TW" altLang="en-US" sz="5400" b="1" dirty="0">
+              <a:rPr lang="zh-TW" altLang="en-US" sz="4800" b="1" dirty="0">
                 <a:solidFill>
                   <a:srgbClr val="660033"/>
                 </a:solidFill>
@@ -4738,7 +5224,7 @@
               </a:rPr>
               <a:t>我是個罪人蒙恩典</a:t>
             </a:r>
-            <a:endParaRPr lang="en-US" altLang="zh-TW" sz="5400" b="1" dirty="0">
+            <a:endParaRPr lang="en-US" altLang="zh-TW" sz="4800" b="1" dirty="0">
               <a:solidFill>
                 <a:srgbClr val="660033"/>
               </a:solidFill>
@@ -4751,7 +5237,7 @@
               <a:buNone/>
             </a:pPr>
             <a:r>
-              <a:rPr lang="zh-TW" altLang="en-US" sz="5400" b="1" dirty="0">
+              <a:rPr lang="zh-TW" altLang="en-US" sz="4800" b="1" dirty="0">
                 <a:solidFill>
                   <a:srgbClr val="660033"/>
                 </a:solidFill>
@@ -4760,7 +5246,7 @@
               </a:rPr>
               <a:t>一切的罪惡得赦免</a:t>
             </a:r>
-            <a:endParaRPr lang="en-US" altLang="zh-TW" sz="5400" b="1" dirty="0">
+            <a:endParaRPr lang="en-US" altLang="zh-TW" sz="4800" b="1" dirty="0">
               <a:solidFill>
                 <a:srgbClr val="660033"/>
               </a:solidFill>
@@ -4773,7 +5259,7 @@
               <a:buNone/>
             </a:pPr>
             <a:r>
-              <a:rPr lang="zh-TW" altLang="en-US" sz="5400" b="1" dirty="0">
+              <a:rPr lang="zh-TW" altLang="en-US" sz="4800" b="1" dirty="0">
                 <a:solidFill>
                   <a:srgbClr val="660033"/>
                 </a:solidFill>
@@ -4782,7 +5268,7 @@
               </a:rPr>
               <a:t>讚美主耶穌   榮耀都歸耶穌</a:t>
             </a:r>
-            <a:endParaRPr lang="en-US" altLang="zh-TW" sz="5400" b="1" dirty="0">
+            <a:endParaRPr lang="en-US" altLang="zh-TW" sz="4800" b="1" dirty="0">
               <a:solidFill>
                 <a:srgbClr val="660033"/>
               </a:solidFill>
@@ -4795,7 +5281,7 @@
               <a:buNone/>
             </a:pPr>
             <a:r>
-              <a:rPr lang="zh-TW" altLang="en-US" sz="5400" b="1" dirty="0">
+              <a:rPr lang="zh-TW" altLang="en-US" sz="4800" b="1" dirty="0">
                 <a:solidFill>
                   <a:srgbClr val="660033"/>
                 </a:solidFill>
@@ -4805,7 +5291,7 @@
               <a:t>我只是個罪人蒙救</a:t>
             </a:r>
             <a:r>
-              <a:rPr lang="zh-TW" altLang="en-US" sz="5400" b="1" dirty="0" smtClean="0">
+              <a:rPr lang="zh-TW" altLang="en-US" sz="4800" b="1" dirty="0" smtClean="0">
                 <a:solidFill>
                   <a:srgbClr val="660033"/>
                 </a:solidFill>
@@ -4814,7 +5300,7 @@
               </a:rPr>
               <a:t>恩</a:t>
             </a:r>
-            <a:endParaRPr lang="zh-TW" altLang="en-US" sz="5400" b="1" dirty="0">
+            <a:endParaRPr lang="zh-TW" altLang="en-US" sz="4800" b="1" dirty="0">
               <a:solidFill>
                 <a:srgbClr val="660033"/>
               </a:solidFill>
@@ -4827,7 +5313,7 @@
     </p:spTree>
     <p:extLst>
       <p:ext uri="{BB962C8B-B14F-4D97-AF65-F5344CB8AC3E}">
-        <p14:creationId xmlns="" xmlns:p14="http://schemas.microsoft.com/office/powerpoint/2010/main" val="2589090438"/>
+        <p14:creationId xmlns:p14="http://schemas.microsoft.com/office/powerpoint/2010/main" val="2589090438"/>
       </p:ext>
     </p:extLst>
   </p:cSld>

--- a/宣道詩/(宣道詩101)我只是個罪人.pptx
+++ b/宣道詩/(宣道詩101)我只是個罪人.pptx
@@ -312,7 +312,7 @@
             <a:fld id="{0A4FAFAC-D9F1-449D-99A4-7782F4FE09F5}" type="datetimeFigureOut">
               <a:rPr lang="zh-TW" altLang="en-US" smtClean="0"/>
               <a:pPr/>
-              <a:t>2020/8/1</a:t>
+              <a:t>2020/8/3</a:t>
             </a:fld>
             <a:endParaRPr lang="zh-TW" altLang="en-US"/>
           </a:p>
@@ -479,7 +479,7 @@
             <a:fld id="{0A4FAFAC-D9F1-449D-99A4-7782F4FE09F5}" type="datetimeFigureOut">
               <a:rPr lang="zh-TW" altLang="en-US" smtClean="0"/>
               <a:pPr/>
-              <a:t>2020/8/1</a:t>
+              <a:t>2020/8/3</a:t>
             </a:fld>
             <a:endParaRPr lang="zh-TW" altLang="en-US"/>
           </a:p>
@@ -656,7 +656,7 @@
             <a:fld id="{0A4FAFAC-D9F1-449D-99A4-7782F4FE09F5}" type="datetimeFigureOut">
               <a:rPr lang="zh-TW" altLang="en-US" smtClean="0"/>
               <a:pPr/>
-              <a:t>2020/8/1</a:t>
+              <a:t>2020/8/3</a:t>
             </a:fld>
             <a:endParaRPr lang="zh-TW" altLang="en-US"/>
           </a:p>
@@ -823,7 +823,7 @@
             <a:fld id="{0A4FAFAC-D9F1-449D-99A4-7782F4FE09F5}" type="datetimeFigureOut">
               <a:rPr lang="zh-TW" altLang="en-US" smtClean="0"/>
               <a:pPr/>
-              <a:t>2020/8/1</a:t>
+              <a:t>2020/8/3</a:t>
             </a:fld>
             <a:endParaRPr lang="zh-TW" altLang="en-US"/>
           </a:p>
@@ -1066,7 +1066,7 @@
             <a:fld id="{0A4FAFAC-D9F1-449D-99A4-7782F4FE09F5}" type="datetimeFigureOut">
               <a:rPr lang="zh-TW" altLang="en-US" smtClean="0"/>
               <a:pPr/>
-              <a:t>2020/8/1</a:t>
+              <a:t>2020/8/3</a:t>
             </a:fld>
             <a:endParaRPr lang="zh-TW" altLang="en-US"/>
           </a:p>
@@ -1351,7 +1351,7 @@
             <a:fld id="{0A4FAFAC-D9F1-449D-99A4-7782F4FE09F5}" type="datetimeFigureOut">
               <a:rPr lang="zh-TW" altLang="en-US" smtClean="0"/>
               <a:pPr/>
-              <a:t>2020/8/1</a:t>
+              <a:t>2020/8/3</a:t>
             </a:fld>
             <a:endParaRPr lang="zh-TW" altLang="en-US"/>
           </a:p>
@@ -1770,7 +1770,7 @@
             <a:fld id="{0A4FAFAC-D9F1-449D-99A4-7782F4FE09F5}" type="datetimeFigureOut">
               <a:rPr lang="zh-TW" altLang="en-US" smtClean="0"/>
               <a:pPr/>
-              <a:t>2020/8/1</a:t>
+              <a:t>2020/8/3</a:t>
             </a:fld>
             <a:endParaRPr lang="zh-TW" altLang="en-US"/>
           </a:p>
@@ -1885,7 +1885,7 @@
             <a:fld id="{0A4FAFAC-D9F1-449D-99A4-7782F4FE09F5}" type="datetimeFigureOut">
               <a:rPr lang="zh-TW" altLang="en-US" smtClean="0"/>
               <a:pPr/>
-              <a:t>2020/8/1</a:t>
+              <a:t>2020/8/3</a:t>
             </a:fld>
             <a:endParaRPr lang="zh-TW" altLang="en-US"/>
           </a:p>
@@ -1977,7 +1977,7 @@
             <a:fld id="{0A4FAFAC-D9F1-449D-99A4-7782F4FE09F5}" type="datetimeFigureOut">
               <a:rPr lang="zh-TW" altLang="en-US" smtClean="0"/>
               <a:pPr/>
-              <a:t>2020/8/1</a:t>
+              <a:t>2020/8/3</a:t>
             </a:fld>
             <a:endParaRPr lang="zh-TW" altLang="en-US"/>
           </a:p>
@@ -2251,7 +2251,7 @@
             <a:fld id="{0A4FAFAC-D9F1-449D-99A4-7782F4FE09F5}" type="datetimeFigureOut">
               <a:rPr lang="zh-TW" altLang="en-US" smtClean="0"/>
               <a:pPr/>
-              <a:t>2020/8/1</a:t>
+              <a:t>2020/8/3</a:t>
             </a:fld>
             <a:endParaRPr lang="zh-TW" altLang="en-US"/>
           </a:p>
@@ -2505,7 +2505,7 @@
             <a:fld id="{0A4FAFAC-D9F1-449D-99A4-7782F4FE09F5}" type="datetimeFigureOut">
               <a:rPr lang="zh-TW" altLang="en-US" smtClean="0"/>
               <a:pPr/>
-              <a:t>2020/8/1</a:t>
+              <a:t>2020/8/3</a:t>
             </a:fld>
             <a:endParaRPr lang="zh-TW" altLang="en-US"/>
           </a:p>
@@ -2720,7 +2720,7 @@
             <a:fld id="{0A4FAFAC-D9F1-449D-99A4-7782F4FE09F5}" type="datetimeFigureOut">
               <a:rPr lang="zh-TW" altLang="en-US" smtClean="0"/>
               <a:pPr/>
-              <a:t>2020/8/1</a:t>
+              <a:t>2020/8/3</a:t>
             </a:fld>
             <a:endParaRPr lang="zh-TW" altLang="en-US"/>
           </a:p>
@@ -3164,27 +3164,7 @@
                 <a:latin typeface="Microsoft JhengHei" pitchFamily="34" charset="-120"/>
                 <a:ea typeface="Microsoft JhengHei" pitchFamily="34" charset="-120"/>
               </a:rPr>
-              <a:t>有 </a:t>
-            </a:r>
-            <a:r>
-              <a:rPr lang="zh-TW" altLang="en-US" sz="4800" b="1" dirty="0" smtClean="0">
-                <a:solidFill>
-                  <a:srgbClr val="660033"/>
-                </a:solidFill>
-                <a:latin typeface="Microsoft JhengHei" pitchFamily="34" charset="-120"/>
-                <a:ea typeface="Microsoft JhengHei" pitchFamily="34" charset="-120"/>
-              </a:rPr>
-              <a:t> </a:t>
-            </a:r>
-            <a:r>
-              <a:rPr lang="zh-TW" altLang="en-US" sz="4800" b="1" dirty="0" smtClean="0">
-                <a:solidFill>
-                  <a:srgbClr val="660033"/>
-                </a:solidFill>
-                <a:latin typeface="Microsoft JhengHei" pitchFamily="34" charset="-120"/>
-                <a:ea typeface="Microsoft JhengHei" pitchFamily="34" charset="-120"/>
-              </a:rPr>
-              <a:t>無</a:t>
+              <a:t>有  無</a:t>
             </a:r>
             <a:r>
               <a:rPr lang="zh-TW" altLang="en-US" sz="4800" b="1" dirty="0">
@@ -3246,17 +3226,7 @@
                 <a:latin typeface="Microsoft JhengHei" pitchFamily="34" charset="-120"/>
                 <a:ea typeface="Microsoft JhengHei" pitchFamily="34" charset="-120"/>
               </a:rPr>
-              <a:t>下  </a:t>
-            </a:r>
-            <a:r>
-              <a:rPr lang="zh-TW" altLang="en-US" sz="4800" b="1" dirty="0" smtClean="0">
-                <a:solidFill>
-                  <a:srgbClr val="660033"/>
-                </a:solidFill>
-                <a:latin typeface="Microsoft JhengHei" pitchFamily="34" charset="-120"/>
-                <a:ea typeface="Microsoft JhengHei" pitchFamily="34" charset="-120"/>
-              </a:rPr>
-              <a:t>在</a:t>
+              <a:t>下  在</a:t>
             </a:r>
             <a:r>
               <a:rPr lang="zh-TW" altLang="en-US" sz="4800" b="1" dirty="0">
@@ -3318,17 +3288,7 @@
                 <a:latin typeface="Microsoft JhengHei" pitchFamily="34" charset="-120"/>
                 <a:ea typeface="Microsoft JhengHei" pitchFamily="34" charset="-120"/>
               </a:rPr>
-              <a:t>誇  </a:t>
-            </a:r>
-            <a:r>
-              <a:rPr lang="zh-TW" altLang="en-US" sz="4800" b="1" dirty="0" smtClean="0">
-                <a:solidFill>
-                  <a:srgbClr val="660033"/>
-                </a:solidFill>
-                <a:latin typeface="Microsoft JhengHei" pitchFamily="34" charset="-120"/>
-                <a:ea typeface="Microsoft JhengHei" pitchFamily="34" charset="-120"/>
-              </a:rPr>
-              <a:t>驕</a:t>
+              <a:t>誇  驕</a:t>
             </a:r>
             <a:r>
               <a:rPr lang="zh-TW" altLang="en-US" sz="4800" b="1" dirty="0">
@@ -3403,14 +3363,14 @@
               <a:t>蒙</a:t>
             </a:r>
             <a:r>
-              <a:rPr lang="zh-TW" altLang="en-US" sz="4800" b="1" dirty="0">
-                <a:solidFill>
-                  <a:srgbClr val="660033"/>
-                </a:solidFill>
-                <a:latin typeface="Microsoft JhengHei" pitchFamily="34" charset="-120"/>
-                <a:ea typeface="Microsoft JhengHei" pitchFamily="34" charset="-120"/>
-              </a:rPr>
-              <a:t>主</a:t>
+              <a:rPr lang="zh-CN" altLang="en-US" sz="4800" b="1" dirty="0" smtClean="0">
+                <a:solidFill>
+                  <a:srgbClr val="660033"/>
+                </a:solidFill>
+                <a:latin typeface="Microsoft JhengHei" pitchFamily="34" charset="-120"/>
+                <a:ea typeface="Microsoft JhengHei" pitchFamily="34" charset="-120"/>
+              </a:rPr>
+              <a:t>救</a:t>
             </a:r>
             <a:r>
               <a:rPr lang="zh-TW" altLang="en-US" sz="4800" b="1" dirty="0" smtClean="0">
@@ -3639,7 +3599,27 @@
                 <a:latin typeface="Microsoft JhengHei" pitchFamily="34" charset="-120"/>
                 <a:ea typeface="Microsoft JhengHei" pitchFamily="34" charset="-120"/>
               </a:rPr>
-              <a:t>榮耀都歸耶穌</a:t>
+              <a:t>榮耀都</a:t>
+            </a:r>
+            <a:r>
+              <a:rPr lang="zh-TW" altLang="en-US" sz="4800" b="1" dirty="0" smtClean="0">
+                <a:solidFill>
+                  <a:srgbClr val="660033"/>
+                </a:solidFill>
+                <a:latin typeface="Microsoft JhengHei" pitchFamily="34" charset="-120"/>
+                <a:ea typeface="Microsoft JhengHei" pitchFamily="34" charset="-120"/>
+              </a:rPr>
+              <a:t>歸</a:t>
+            </a:r>
+            <a:r>
+              <a:rPr lang="zh-CN" altLang="en-US" sz="4800" b="1" dirty="0">
+                <a:solidFill>
+                  <a:srgbClr val="660033"/>
+                </a:solidFill>
+                <a:latin typeface="Microsoft JhengHei" pitchFamily="34" charset="-120"/>
+                <a:ea typeface="Microsoft JhengHei" pitchFamily="34" charset="-120"/>
+              </a:rPr>
+              <a:t>天父</a:t>
             </a:r>
             <a:endParaRPr lang="en-US" altLang="zh-TW" sz="4800" b="1" dirty="0">
               <a:solidFill>
@@ -3661,7 +3641,27 @@
                 <a:latin typeface="Microsoft JhengHei" pitchFamily="34" charset="-120"/>
                 <a:ea typeface="Microsoft JhengHei" pitchFamily="34" charset="-120"/>
               </a:rPr>
-              <a:t>我只是個罪人蒙救</a:t>
+              <a:t>我只是個罪</a:t>
+            </a:r>
+            <a:r>
+              <a:rPr lang="zh-TW" altLang="en-US" sz="4800" b="1" dirty="0" smtClean="0">
+                <a:solidFill>
+                  <a:srgbClr val="660033"/>
+                </a:solidFill>
+                <a:latin typeface="Microsoft JhengHei" pitchFamily="34" charset="-120"/>
+                <a:ea typeface="Microsoft JhengHei" pitchFamily="34" charset="-120"/>
+              </a:rPr>
+              <a:t>人  蒙</a:t>
+            </a:r>
+            <a:r>
+              <a:rPr lang="zh-TW" altLang="en-US" sz="4800" b="1" dirty="0">
+                <a:solidFill>
+                  <a:srgbClr val="660033"/>
+                </a:solidFill>
+                <a:latin typeface="Microsoft JhengHei" pitchFamily="34" charset="-120"/>
+                <a:ea typeface="Microsoft JhengHei" pitchFamily="34" charset="-120"/>
+              </a:rPr>
+              <a:t>救</a:t>
             </a:r>
             <a:r>
               <a:rPr lang="zh-TW" altLang="en-US" sz="4800" b="1" dirty="0" smtClean="0">
@@ -3798,17 +3798,7 @@
                 <a:latin typeface="Microsoft JhengHei" pitchFamily="34" charset="-120"/>
                 <a:ea typeface="Microsoft JhengHei" pitchFamily="34" charset="-120"/>
               </a:rPr>
-              <a:t>拙  </a:t>
-            </a:r>
-            <a:r>
-              <a:rPr lang="zh-TW" altLang="en-US" sz="4800" b="1" dirty="0" smtClean="0">
-                <a:solidFill>
-                  <a:srgbClr val="660033"/>
-                </a:solidFill>
-                <a:latin typeface="Microsoft JhengHei" pitchFamily="34" charset="-120"/>
-                <a:ea typeface="Microsoft JhengHei" pitchFamily="34" charset="-120"/>
-              </a:rPr>
-              <a:t>罪</a:t>
+              <a:t>拙  罪</a:t>
             </a:r>
             <a:r>
               <a:rPr lang="zh-TW" altLang="en-US" sz="4800" b="1" dirty="0">
@@ -3870,17 +3860,7 @@
                 <a:latin typeface="Microsoft JhengHei" pitchFamily="34" charset="-120"/>
                 <a:ea typeface="Microsoft JhengHei" pitchFamily="34" charset="-120"/>
               </a:rPr>
-              <a:t>步  </a:t>
-            </a:r>
-            <a:r>
-              <a:rPr lang="zh-TW" altLang="en-US" sz="4800" b="1" dirty="0" smtClean="0">
-                <a:solidFill>
-                  <a:srgbClr val="660033"/>
-                </a:solidFill>
-                <a:latin typeface="Microsoft JhengHei" pitchFamily="34" charset="-120"/>
-                <a:ea typeface="Microsoft JhengHei" pitchFamily="34" charset="-120"/>
-              </a:rPr>
-              <a:t>離</a:t>
+              <a:t>步  離</a:t>
             </a:r>
             <a:r>
               <a:rPr lang="zh-TW" altLang="en-US" sz="4800" b="1" dirty="0">
@@ -3942,27 +3922,7 @@
                 <a:latin typeface="Microsoft JhengHei" pitchFamily="34" charset="-120"/>
                 <a:ea typeface="Microsoft JhengHei" pitchFamily="34" charset="-120"/>
               </a:rPr>
-              <a:t>找 </a:t>
-            </a:r>
-            <a:r>
-              <a:rPr lang="zh-TW" altLang="en-US" sz="4800" b="1" dirty="0" smtClean="0">
-                <a:solidFill>
-                  <a:srgbClr val="660033"/>
-                </a:solidFill>
-                <a:latin typeface="Microsoft JhengHei" pitchFamily="34" charset="-120"/>
-                <a:ea typeface="Microsoft JhengHei" pitchFamily="34" charset="-120"/>
-              </a:rPr>
-              <a:t> </a:t>
-            </a:r>
-            <a:r>
-              <a:rPr lang="zh-TW" altLang="en-US" sz="4800" b="1" dirty="0" smtClean="0">
-                <a:solidFill>
-                  <a:srgbClr val="660033"/>
-                </a:solidFill>
-                <a:latin typeface="Microsoft JhengHei" pitchFamily="34" charset="-120"/>
-                <a:ea typeface="Microsoft JhengHei" pitchFamily="34" charset="-120"/>
-              </a:rPr>
-              <a:t>喜</a:t>
+              <a:t>找  喜</a:t>
             </a:r>
             <a:r>
               <a:rPr lang="zh-TW" altLang="en-US" sz="4800" b="1" dirty="0">
@@ -4037,14 +3997,14 @@
               <a:t>蒙</a:t>
             </a:r>
             <a:r>
-              <a:rPr lang="zh-TW" altLang="en-US" sz="4800" b="1" dirty="0">
-                <a:solidFill>
-                  <a:srgbClr val="660033"/>
-                </a:solidFill>
-                <a:latin typeface="Microsoft JhengHei" pitchFamily="34" charset="-120"/>
-                <a:ea typeface="Microsoft JhengHei" pitchFamily="34" charset="-120"/>
-              </a:rPr>
-              <a:t>主</a:t>
+              <a:rPr lang="zh-CN" altLang="en-US" sz="4800" b="1" dirty="0">
+                <a:solidFill>
+                  <a:srgbClr val="660033"/>
+                </a:solidFill>
+                <a:latin typeface="Microsoft JhengHei" pitchFamily="34" charset="-120"/>
+                <a:ea typeface="Microsoft JhengHei" pitchFamily="34" charset="-120"/>
+              </a:rPr>
+              <a:t>救</a:t>
             </a:r>
             <a:r>
               <a:rPr lang="zh-TW" altLang="en-US" sz="4800" b="1" dirty="0" smtClean="0">
@@ -4254,7 +4214,27 @@
                 <a:latin typeface="Microsoft JhengHei" pitchFamily="34" charset="-120"/>
                 <a:ea typeface="Microsoft JhengHei" pitchFamily="34" charset="-120"/>
               </a:rPr>
-              <a:t>讚美主耶穌   榮耀都歸耶穌</a:t>
+              <a:t>讚美主耶穌   榮耀都</a:t>
+            </a:r>
+            <a:r>
+              <a:rPr lang="zh-TW" altLang="en-US" sz="4800" b="1" dirty="0" smtClean="0">
+                <a:solidFill>
+                  <a:srgbClr val="660033"/>
+                </a:solidFill>
+                <a:latin typeface="Microsoft JhengHei" pitchFamily="34" charset="-120"/>
+                <a:ea typeface="Microsoft JhengHei" pitchFamily="34" charset="-120"/>
+              </a:rPr>
+              <a:t>歸</a:t>
+            </a:r>
+            <a:r>
+              <a:rPr lang="zh-CN" altLang="en-US" sz="4800" b="1" dirty="0">
+                <a:solidFill>
+                  <a:srgbClr val="660033"/>
+                </a:solidFill>
+                <a:latin typeface="Microsoft JhengHei" pitchFamily="34" charset="-120"/>
+                <a:ea typeface="Microsoft JhengHei" pitchFamily="34" charset="-120"/>
+              </a:rPr>
+              <a:t>天父</a:t>
             </a:r>
             <a:endParaRPr lang="en-US" altLang="zh-TW" sz="4800" b="1" dirty="0">
               <a:solidFill>
@@ -4276,7 +4256,27 @@
                 <a:latin typeface="Microsoft JhengHei" pitchFamily="34" charset="-120"/>
                 <a:ea typeface="Microsoft JhengHei" pitchFamily="34" charset="-120"/>
               </a:rPr>
-              <a:t>我只是個罪人蒙救</a:t>
+              <a:t>我只是個罪</a:t>
+            </a:r>
+            <a:r>
+              <a:rPr lang="zh-TW" altLang="en-US" sz="4800" b="1" dirty="0" smtClean="0">
+                <a:solidFill>
+                  <a:srgbClr val="660033"/>
+                </a:solidFill>
+                <a:latin typeface="Microsoft JhengHei" pitchFamily="34" charset="-120"/>
+                <a:ea typeface="Microsoft JhengHei" pitchFamily="34" charset="-120"/>
+              </a:rPr>
+              <a:t>人  蒙</a:t>
+            </a:r>
+            <a:r>
+              <a:rPr lang="zh-TW" altLang="en-US" sz="4800" b="1" dirty="0">
+                <a:solidFill>
+                  <a:srgbClr val="660033"/>
+                </a:solidFill>
+                <a:latin typeface="Microsoft JhengHei" pitchFamily="34" charset="-120"/>
+                <a:ea typeface="Microsoft JhengHei" pitchFamily="34" charset="-120"/>
+              </a:rPr>
+              <a:t>救</a:t>
             </a:r>
             <a:r>
               <a:rPr lang="zh-TW" altLang="en-US" sz="4800" b="1" dirty="0" smtClean="0">
@@ -4409,6 +4409,26 @@
               <a:t> </a:t>
             </a:r>
             <a:r>
+              <a:rPr lang="zh-CN" altLang="en-US" sz="4800" b="1" dirty="0">
+                <a:solidFill>
+                  <a:srgbClr val="660033"/>
+                </a:solidFill>
+                <a:latin typeface="Microsoft JhengHei" pitchFamily="34" charset="-120"/>
+                <a:ea typeface="Microsoft JhengHei" pitchFamily="34" charset="-120"/>
+              </a:rPr>
+              <a:t>功勞</a:t>
+            </a:r>
+            <a:r>
+              <a:rPr lang="zh-TW" altLang="en-US" sz="4800" b="1" dirty="0" smtClean="0">
+                <a:solidFill>
+                  <a:srgbClr val="660033"/>
+                </a:solidFill>
+                <a:latin typeface="Microsoft JhengHei" pitchFamily="34" charset="-120"/>
+                <a:ea typeface="Microsoft JhengHei" pitchFamily="34" charset="-120"/>
+              </a:rPr>
+              <a:t>也</a:t>
+            </a:r>
+            <a:r>
               <a:rPr lang="zh-TW" altLang="en-US" sz="4800" b="1" dirty="0">
                 <a:solidFill>
                   <a:srgbClr val="660033"/>
@@ -4416,7 +4436,7 @@
                 <a:latin typeface="Microsoft JhengHei" pitchFamily="34" charset="-120"/>
                 <a:ea typeface="Microsoft JhengHei" pitchFamily="34" charset="-120"/>
               </a:rPr>
-              <a:t>天堂也無份</a:t>
+              <a:t>無份</a:t>
             </a:r>
             <a:endParaRPr lang="en-US" altLang="zh-TW" sz="4800" b="1" dirty="0">
               <a:solidFill>
@@ -4535,15 +4555,42 @@
               <a:t>人  </a:t>
             </a:r>
             <a:r>
-              <a:rPr lang="zh-TW" altLang="en-US" sz="4800" b="1" dirty="0">
-                <a:solidFill>
-                  <a:srgbClr val="660033"/>
-                </a:solidFill>
-                <a:latin typeface="Microsoft JhengHei" pitchFamily="34" charset="-120"/>
-                <a:ea typeface="Microsoft JhengHei" pitchFamily="34" charset="-120"/>
-              </a:rPr>
-              <a:t>蒙主恩</a:t>
-            </a:r>
+              <a:rPr lang="zh-TW" altLang="en-US" sz="4800" b="1" dirty="0" smtClean="0">
+                <a:solidFill>
+                  <a:srgbClr val="660033"/>
+                </a:solidFill>
+                <a:latin typeface="Microsoft JhengHei" pitchFamily="34" charset="-120"/>
+                <a:ea typeface="Microsoft JhengHei" pitchFamily="34" charset="-120"/>
+              </a:rPr>
+              <a:t>蒙</a:t>
+            </a:r>
+            <a:r>
+              <a:rPr lang="zh-CN" altLang="en-US" sz="4800" b="1" dirty="0">
+                <a:solidFill>
+                  <a:srgbClr val="660033"/>
+                </a:solidFill>
+                <a:latin typeface="Microsoft JhengHei" pitchFamily="34" charset="-120"/>
+                <a:ea typeface="Microsoft JhengHei" pitchFamily="34" charset="-120"/>
+              </a:rPr>
+              <a:t>救</a:t>
+            </a:r>
+            <a:r>
+              <a:rPr lang="zh-TW" altLang="en-US" sz="4800" b="1" dirty="0" smtClean="0">
+                <a:solidFill>
+                  <a:srgbClr val="660033"/>
+                </a:solidFill>
+                <a:latin typeface="Microsoft JhengHei" pitchFamily="34" charset="-120"/>
+                <a:ea typeface="Microsoft JhengHei" pitchFamily="34" charset="-120"/>
+              </a:rPr>
+              <a:t>恩</a:t>
+            </a:r>
+            <a:endParaRPr lang="zh-TW" altLang="en-US" sz="4800" b="1" dirty="0">
+              <a:solidFill>
+                <a:srgbClr val="660033"/>
+              </a:solidFill>
+              <a:latin typeface="Microsoft JhengHei" pitchFamily="34" charset="-120"/>
+              <a:ea typeface="Microsoft JhengHei" pitchFamily="34" charset="-120"/>
+            </a:endParaRPr>
           </a:p>
         </p:txBody>
       </p:sp>
@@ -4735,7 +4782,17 @@
                 <a:latin typeface="Microsoft JhengHei" pitchFamily="34" charset="-120"/>
                 <a:ea typeface="Microsoft JhengHei" pitchFamily="34" charset="-120"/>
               </a:rPr>
-              <a:t>讚美主耶穌   榮耀都歸耶穌</a:t>
+              <a:t>讚美主耶穌   榮耀都歸</a:t>
+            </a:r>
+            <a:r>
+              <a:rPr lang="zh-CN" altLang="en-US" sz="4800" b="1" dirty="0">
+                <a:solidFill>
+                  <a:srgbClr val="660033"/>
+                </a:solidFill>
+                <a:latin typeface="Microsoft JhengHei" pitchFamily="34" charset="-120"/>
+                <a:ea typeface="Microsoft JhengHei" pitchFamily="34" charset="-120"/>
+              </a:rPr>
+              <a:t>天父</a:t>
             </a:r>
             <a:endParaRPr lang="en-US" altLang="zh-TW" sz="4800" b="1" dirty="0">
               <a:solidFill>
@@ -4757,17 +4814,7 @@
                 <a:latin typeface="Microsoft JhengHei" pitchFamily="34" charset="-120"/>
                 <a:ea typeface="Microsoft JhengHei" pitchFamily="34" charset="-120"/>
               </a:rPr>
-              <a:t>我只是個罪人蒙救</a:t>
-            </a:r>
-            <a:r>
-              <a:rPr lang="zh-TW" altLang="en-US" sz="4800" b="1" dirty="0" smtClean="0">
-                <a:solidFill>
-                  <a:srgbClr val="660033"/>
-                </a:solidFill>
-                <a:latin typeface="Microsoft JhengHei" pitchFamily="34" charset="-120"/>
-                <a:ea typeface="Microsoft JhengHei" pitchFamily="34" charset="-120"/>
-              </a:rPr>
-              <a:t>恩</a:t>
+              <a:t>我只是個罪人  蒙救恩</a:t>
             </a:r>
             <a:endParaRPr lang="zh-TW" altLang="en-US" sz="4800" b="1" dirty="0">
               <a:solidFill>
@@ -4897,17 +4944,7 @@
                 <a:latin typeface="Microsoft JhengHei" pitchFamily="34" charset="-120"/>
                 <a:ea typeface="Microsoft JhengHei" pitchFamily="34" charset="-120"/>
               </a:rPr>
-              <a:t>罪人 </a:t>
-            </a:r>
-            <a:r>
-              <a:rPr lang="zh-TW" altLang="en-US" sz="4800" b="1" dirty="0" smtClean="0">
-                <a:solidFill>
-                  <a:srgbClr val="660033"/>
-                </a:solidFill>
-                <a:latin typeface="Microsoft JhengHei" pitchFamily="34" charset="-120"/>
-                <a:ea typeface="Microsoft JhengHei" pitchFamily="34" charset="-120"/>
-              </a:rPr>
-              <a:t> </a:t>
+              <a:t>罪人  </a:t>
             </a:r>
             <a:r>
               <a:rPr lang="zh-TW" altLang="en-US" sz="4800" b="1" dirty="0">
@@ -4949,27 +4986,7 @@
                 <a:latin typeface="Microsoft JhengHei" pitchFamily="34" charset="-120"/>
                 <a:ea typeface="Microsoft JhengHei" pitchFamily="34" charset="-120"/>
               </a:rPr>
-              <a:t>因深愛</a:t>
-            </a:r>
-            <a:r>
-              <a:rPr lang="zh-TW" altLang="en-US" sz="4800" b="1" dirty="0" smtClean="0">
-                <a:solidFill>
-                  <a:srgbClr val="660033"/>
-                </a:solidFill>
-                <a:latin typeface="Microsoft JhengHei" pitchFamily="34" charset="-120"/>
-                <a:ea typeface="Microsoft JhengHei" pitchFamily="34" charset="-120"/>
-              </a:rPr>
-              <a:t>主  </a:t>
-            </a:r>
-            <a:r>
-              <a:rPr lang="zh-TW" altLang="en-US" sz="4800" b="1" dirty="0" smtClean="0">
-                <a:solidFill>
-                  <a:srgbClr val="660033"/>
-                </a:solidFill>
-                <a:latin typeface="Microsoft JhengHei" pitchFamily="34" charset="-120"/>
-                <a:ea typeface="Microsoft JhengHei" pitchFamily="34" charset="-120"/>
-              </a:rPr>
-              <a:t>喜樂</a:t>
+              <a:t>因深愛主  喜樂</a:t>
             </a:r>
             <a:r>
               <a:rPr lang="zh-TW" altLang="en-US" sz="4800" b="1" dirty="0">
@@ -5043,20 +5060,10 @@
                 <a:latin typeface="Microsoft JhengHei" pitchFamily="34" charset="-120"/>
                 <a:ea typeface="Microsoft JhengHei" pitchFamily="34" charset="-120"/>
               </a:rPr>
-              <a:t>我只是個</a:t>
-            </a:r>
-            <a:r>
-              <a:rPr lang="zh-TW" altLang="en-US" sz="4800" b="1">
-                <a:solidFill>
-                  <a:srgbClr val="660033"/>
-                </a:solidFill>
-                <a:latin typeface="Microsoft JhengHei" pitchFamily="34" charset="-120"/>
-                <a:ea typeface="Microsoft JhengHei" pitchFamily="34" charset="-120"/>
-              </a:rPr>
-              <a:t>罪</a:t>
-            </a:r>
-            <a:r>
-              <a:rPr lang="zh-TW" altLang="en-US" sz="4800" b="1" smtClean="0">
+              <a:t>我只是個罪</a:t>
+            </a:r>
+            <a:r>
+              <a:rPr lang="zh-TW" altLang="en-US" sz="4800" b="1" dirty="0" smtClean="0">
                 <a:solidFill>
                   <a:srgbClr val="660033"/>
                 </a:solidFill>
@@ -5066,15 +5073,42 @@
               <a:t>人  </a:t>
             </a:r>
             <a:r>
-              <a:rPr lang="zh-TW" altLang="en-US" sz="4800" b="1" dirty="0">
-                <a:solidFill>
-                  <a:srgbClr val="660033"/>
-                </a:solidFill>
-                <a:latin typeface="Microsoft JhengHei" pitchFamily="34" charset="-120"/>
-                <a:ea typeface="Microsoft JhengHei" pitchFamily="34" charset="-120"/>
-              </a:rPr>
-              <a:t>蒙主恩</a:t>
-            </a:r>
+              <a:rPr lang="zh-TW" altLang="en-US" sz="4800" b="1" dirty="0" smtClean="0">
+                <a:solidFill>
+                  <a:srgbClr val="660033"/>
+                </a:solidFill>
+                <a:latin typeface="Microsoft JhengHei" pitchFamily="34" charset="-120"/>
+                <a:ea typeface="Microsoft JhengHei" pitchFamily="34" charset="-120"/>
+              </a:rPr>
+              <a:t>蒙</a:t>
+            </a:r>
+            <a:r>
+              <a:rPr lang="zh-CN" altLang="en-US" sz="4800" b="1" dirty="0">
+                <a:solidFill>
+                  <a:srgbClr val="660033"/>
+                </a:solidFill>
+                <a:latin typeface="Microsoft JhengHei" pitchFamily="34" charset="-120"/>
+                <a:ea typeface="Microsoft JhengHei" pitchFamily="34" charset="-120"/>
+              </a:rPr>
+              <a:t>救</a:t>
+            </a:r>
+            <a:r>
+              <a:rPr lang="zh-TW" altLang="en-US" sz="4800" b="1" dirty="0" smtClean="0">
+                <a:solidFill>
+                  <a:srgbClr val="660033"/>
+                </a:solidFill>
+                <a:latin typeface="Microsoft JhengHei" pitchFamily="34" charset="-120"/>
+                <a:ea typeface="Microsoft JhengHei" pitchFamily="34" charset="-120"/>
+              </a:rPr>
+              <a:t>恩</a:t>
+            </a:r>
+            <a:endParaRPr lang="zh-TW" altLang="en-US" sz="4800" b="1" dirty="0">
+              <a:solidFill>
+                <a:srgbClr val="660033"/>
+              </a:solidFill>
+              <a:latin typeface="Microsoft JhengHei" pitchFamily="34" charset="-120"/>
+              <a:ea typeface="Microsoft JhengHei" pitchFamily="34" charset="-120"/>
+            </a:endParaRPr>
           </a:p>
         </p:txBody>
       </p:sp>
@@ -5266,7 +5300,17 @@
                 <a:latin typeface="Microsoft JhengHei" pitchFamily="34" charset="-120"/>
                 <a:ea typeface="Microsoft JhengHei" pitchFamily="34" charset="-120"/>
               </a:rPr>
-              <a:t>讚美主耶穌   榮耀都歸耶穌</a:t>
+              <a:t>讚美主耶穌   榮耀都歸</a:t>
+            </a:r>
+            <a:r>
+              <a:rPr lang="zh-CN" altLang="en-US" sz="4800" b="1" dirty="0">
+                <a:solidFill>
+                  <a:srgbClr val="660033"/>
+                </a:solidFill>
+                <a:latin typeface="Microsoft JhengHei" pitchFamily="34" charset="-120"/>
+                <a:ea typeface="Microsoft JhengHei" pitchFamily="34" charset="-120"/>
+              </a:rPr>
+              <a:t>天父</a:t>
             </a:r>
             <a:endParaRPr lang="en-US" altLang="zh-TW" sz="4800" b="1" dirty="0">
               <a:solidFill>
@@ -5288,17 +5332,7 @@
                 <a:latin typeface="Microsoft JhengHei" pitchFamily="34" charset="-120"/>
                 <a:ea typeface="Microsoft JhengHei" pitchFamily="34" charset="-120"/>
               </a:rPr>
-              <a:t>我只是個罪人蒙救</a:t>
-            </a:r>
-            <a:r>
-              <a:rPr lang="zh-TW" altLang="en-US" sz="4800" b="1" dirty="0" smtClean="0">
-                <a:solidFill>
-                  <a:srgbClr val="660033"/>
-                </a:solidFill>
-                <a:latin typeface="Microsoft JhengHei" pitchFamily="34" charset="-120"/>
-                <a:ea typeface="Microsoft JhengHei" pitchFamily="34" charset="-120"/>
-              </a:rPr>
-              <a:t>恩</a:t>
+              <a:t>我只是個罪人  蒙救恩</a:t>
             </a:r>
             <a:endParaRPr lang="zh-TW" altLang="en-US" sz="4800" b="1" dirty="0">
               <a:solidFill>

--- a/宣道詩/(宣道詩101)我只是個罪人.pptx
+++ b/宣道詩/(宣道詩101)我只是個罪人.pptx
@@ -5,14 +5,23 @@
     <p:sldMasterId id="2147483660" r:id="rId1"/>
   </p:sldMasterIdLst>
   <p:sldIdLst>
-    <p:sldId id="256" r:id="rId2"/>
-    <p:sldId id="257" r:id="rId3"/>
-    <p:sldId id="258" r:id="rId4"/>
-    <p:sldId id="259" r:id="rId5"/>
-    <p:sldId id="260" r:id="rId6"/>
-    <p:sldId id="261" r:id="rId7"/>
-    <p:sldId id="262" r:id="rId8"/>
-    <p:sldId id="263" r:id="rId9"/>
+    <p:sldId id="264" r:id="rId2"/>
+    <p:sldId id="265" r:id="rId3"/>
+    <p:sldId id="266" r:id="rId4"/>
+    <p:sldId id="267" r:id="rId5"/>
+    <p:sldId id="268" r:id="rId6"/>
+    <p:sldId id="269" r:id="rId7"/>
+    <p:sldId id="270" r:id="rId8"/>
+    <p:sldId id="281" r:id="rId9"/>
+    <p:sldId id="282" r:id="rId10"/>
+    <p:sldId id="273" r:id="rId11"/>
+    <p:sldId id="274" r:id="rId12"/>
+    <p:sldId id="283" r:id="rId13"/>
+    <p:sldId id="284" r:id="rId14"/>
+    <p:sldId id="277" r:id="rId15"/>
+    <p:sldId id="278" r:id="rId16"/>
+    <p:sldId id="285" r:id="rId17"/>
+    <p:sldId id="286" r:id="rId18"/>
   </p:sldIdLst>
   <p:sldSz cx="9144000" cy="5143500" type="screen16x9"/>
   <p:notesSz cx="6858000" cy="9144000"/>
@@ -312,7 +321,7 @@
             <a:fld id="{0A4FAFAC-D9F1-449D-99A4-7782F4FE09F5}" type="datetimeFigureOut">
               <a:rPr lang="zh-TW" altLang="en-US" smtClean="0"/>
               <a:pPr/>
-              <a:t>2020/8/3</a:t>
+              <a:t>2021/6/10</a:t>
             </a:fld>
             <a:endParaRPr lang="zh-TW" altLang="en-US"/>
           </a:p>
@@ -479,7 +488,7 @@
             <a:fld id="{0A4FAFAC-D9F1-449D-99A4-7782F4FE09F5}" type="datetimeFigureOut">
               <a:rPr lang="zh-TW" altLang="en-US" smtClean="0"/>
               <a:pPr/>
-              <a:t>2020/8/3</a:t>
+              <a:t>2021/6/10</a:t>
             </a:fld>
             <a:endParaRPr lang="zh-TW" altLang="en-US"/>
           </a:p>
@@ -656,7 +665,7 @@
             <a:fld id="{0A4FAFAC-D9F1-449D-99A4-7782F4FE09F5}" type="datetimeFigureOut">
               <a:rPr lang="zh-TW" altLang="en-US" smtClean="0"/>
               <a:pPr/>
-              <a:t>2020/8/3</a:t>
+              <a:t>2021/6/10</a:t>
             </a:fld>
             <a:endParaRPr lang="zh-TW" altLang="en-US"/>
           </a:p>
@@ -823,7 +832,7 @@
             <a:fld id="{0A4FAFAC-D9F1-449D-99A4-7782F4FE09F5}" type="datetimeFigureOut">
               <a:rPr lang="zh-TW" altLang="en-US" smtClean="0"/>
               <a:pPr/>
-              <a:t>2020/8/3</a:t>
+              <a:t>2021/6/10</a:t>
             </a:fld>
             <a:endParaRPr lang="zh-TW" altLang="en-US"/>
           </a:p>
@@ -1066,7 +1075,7 @@
             <a:fld id="{0A4FAFAC-D9F1-449D-99A4-7782F4FE09F5}" type="datetimeFigureOut">
               <a:rPr lang="zh-TW" altLang="en-US" smtClean="0"/>
               <a:pPr/>
-              <a:t>2020/8/3</a:t>
+              <a:t>2021/6/10</a:t>
             </a:fld>
             <a:endParaRPr lang="zh-TW" altLang="en-US"/>
           </a:p>
@@ -1351,7 +1360,7 @@
             <a:fld id="{0A4FAFAC-D9F1-449D-99A4-7782F4FE09F5}" type="datetimeFigureOut">
               <a:rPr lang="zh-TW" altLang="en-US" smtClean="0"/>
               <a:pPr/>
-              <a:t>2020/8/3</a:t>
+              <a:t>2021/6/10</a:t>
             </a:fld>
             <a:endParaRPr lang="zh-TW" altLang="en-US"/>
           </a:p>
@@ -1770,7 +1779,7 @@
             <a:fld id="{0A4FAFAC-D9F1-449D-99A4-7782F4FE09F5}" type="datetimeFigureOut">
               <a:rPr lang="zh-TW" altLang="en-US" smtClean="0"/>
               <a:pPr/>
-              <a:t>2020/8/3</a:t>
+              <a:t>2021/6/10</a:t>
             </a:fld>
             <a:endParaRPr lang="zh-TW" altLang="en-US"/>
           </a:p>
@@ -1885,7 +1894,7 @@
             <a:fld id="{0A4FAFAC-D9F1-449D-99A4-7782F4FE09F5}" type="datetimeFigureOut">
               <a:rPr lang="zh-TW" altLang="en-US" smtClean="0"/>
               <a:pPr/>
-              <a:t>2020/8/3</a:t>
+              <a:t>2021/6/10</a:t>
             </a:fld>
             <a:endParaRPr lang="zh-TW" altLang="en-US"/>
           </a:p>
@@ -1977,7 +1986,7 @@
             <a:fld id="{0A4FAFAC-D9F1-449D-99A4-7782F4FE09F5}" type="datetimeFigureOut">
               <a:rPr lang="zh-TW" altLang="en-US" smtClean="0"/>
               <a:pPr/>
-              <a:t>2020/8/3</a:t>
+              <a:t>2021/6/10</a:t>
             </a:fld>
             <a:endParaRPr lang="zh-TW" altLang="en-US"/>
           </a:p>
@@ -2251,7 +2260,7 @@
             <a:fld id="{0A4FAFAC-D9F1-449D-99A4-7782F4FE09F5}" type="datetimeFigureOut">
               <a:rPr lang="zh-TW" altLang="en-US" smtClean="0"/>
               <a:pPr/>
-              <a:t>2020/8/3</a:t>
+              <a:t>2021/6/10</a:t>
             </a:fld>
             <a:endParaRPr lang="zh-TW" altLang="en-US"/>
           </a:p>
@@ -2505,7 +2514,7 @@
             <a:fld id="{0A4FAFAC-D9F1-449D-99A4-7782F4FE09F5}" type="datetimeFigureOut">
               <a:rPr lang="zh-TW" altLang="en-US" smtClean="0"/>
               <a:pPr/>
-              <a:t>2020/8/3</a:t>
+              <a:t>2021/6/10</a:t>
             </a:fld>
             <a:endParaRPr lang="zh-TW" altLang="en-US"/>
           </a:p>
@@ -2720,7 +2729,7 @@
             <a:fld id="{0A4FAFAC-D9F1-449D-99A4-7782F4FE09F5}" type="datetimeFigureOut">
               <a:rPr lang="zh-TW" altLang="en-US" smtClean="0"/>
               <a:pPr/>
-              <a:t>2020/8/3</a:t>
+              <a:t>2021/6/10</a:t>
             </a:fld>
             <a:endParaRPr lang="zh-TW" altLang="en-US"/>
           </a:p>
@@ -3093,7 +3102,7 @@
       </p:grpSpPr>
       <p:sp>
         <p:nvSpPr>
-          <p:cNvPr id="2" name="Title 1"/>
+          <p:cNvPr id="4" name="標題 3"/>
           <p:cNvSpPr>
             <a:spLocks noGrp="1"/>
           </p:cNvSpPr>
@@ -3101,47 +3110,226 @@
             <p:ph type="title"/>
           </p:nvPr>
         </p:nvSpPr>
-        <p:spPr/>
-        <p:txBody>
-          <a:bodyPr/>
-          <a:lstStyle/>
-          <a:p>
-            <a:r>
-              <a:rPr lang="zh-TW" altLang="en-US" b="1" dirty="0">
-                <a:solidFill>
-                  <a:srgbClr val="660033"/>
-                </a:solidFill>
+        <p:spPr>
+          <a:xfrm>
+            <a:off x="0" y="1995686"/>
+            <a:ext cx="9144000" cy="857250"/>
+          </a:xfrm>
+        </p:spPr>
+        <p:txBody>
+          <a:bodyPr>
+            <a:noAutofit/>
+          </a:bodyPr>
+          <a:lstStyle/>
+          <a:p>
+            <a:r>
+              <a:rPr lang="zh-CN" altLang="en-US" sz="4000" b="1" u="sng" dirty="0" smtClean="0">
+                <a:solidFill>
+                  <a:srgbClr val="000066"/>
+                </a:solidFill>
+                <a:effectLst>
+                  <a:outerShdw blurRad="38100" dist="38100" dir="2700000" algn="tl">
+                    <a:srgbClr val="000000">
+                      <a:alpha val="43137"/>
+                    </a:srgbClr>
+                  </a:outerShdw>
+                </a:effectLst>
+                <a:latin typeface="微軟正黑體" pitchFamily="34" charset="-120"/>
+                <a:ea typeface="微軟正黑體" pitchFamily="34" charset="-120"/>
+              </a:rPr>
+              <a:t>宣道詩 </a:t>
+            </a:r>
+            <a:r>
+              <a:rPr lang="en-US" altLang="zh-CN" sz="4000" b="1" u="sng" dirty="0" smtClean="0">
+                <a:solidFill>
+                  <a:srgbClr val="000066"/>
+                </a:solidFill>
+                <a:effectLst>
+                  <a:outerShdw blurRad="38100" dist="38100" dir="2700000" algn="tl">
+                    <a:srgbClr val="000000">
+                      <a:alpha val="43137"/>
+                    </a:srgbClr>
+                  </a:outerShdw>
+                </a:effectLst>
+                <a:latin typeface="微軟正黑體" pitchFamily="34" charset="-120"/>
+                <a:ea typeface="微軟正黑體" pitchFamily="34" charset="-120"/>
+              </a:rPr>
+              <a:t>101</a:t>
+            </a:r>
+            <a:r>
+              <a:rPr lang="en-US" altLang="zh-CN" sz="5400" b="1" i="1" dirty="0" smtClean="0">
+                <a:solidFill>
+                  <a:schemeClr val="bg1"/>
+                </a:solidFill>
+                <a:effectLst>
+                  <a:outerShdw blurRad="38100" dist="38100" dir="2700000" algn="tl">
+                    <a:srgbClr val="000000">
+                      <a:alpha val="43137"/>
+                    </a:srgbClr>
+                  </a:outerShdw>
+                </a:effectLst>
+                <a:latin typeface="微軟正黑體" pitchFamily="34" charset="-120"/>
+                <a:ea typeface="微軟正黑體" pitchFamily="34" charset="-120"/>
+              </a:rPr>
+              <a:t/>
+            </a:r>
+            <a:br>
+              <a:rPr lang="en-US" altLang="zh-CN" sz="5400" b="1" i="1" dirty="0" smtClean="0">
+                <a:solidFill>
+                  <a:schemeClr val="bg1"/>
+                </a:solidFill>
+                <a:effectLst>
+                  <a:outerShdw blurRad="38100" dist="38100" dir="2700000" algn="tl">
+                    <a:srgbClr val="000000">
+                      <a:alpha val="43137"/>
+                    </a:srgbClr>
+                  </a:outerShdw>
+                </a:effectLst>
+                <a:latin typeface="微軟正黑體" pitchFamily="34" charset="-120"/>
+                <a:ea typeface="微軟正黑體" pitchFamily="34" charset="-120"/>
+              </a:rPr>
+            </a:br>
+            <a:r>
+              <a:rPr lang="zh-TW" altLang="en-US" sz="6000" b="1" dirty="0" smtClean="0">
+                <a:solidFill>
+                  <a:srgbClr val="660033"/>
+                </a:solidFill>
+                <a:effectLst>
+                  <a:outerShdw blurRad="38100" dist="38100" dir="2700000" algn="tl">
+                    <a:srgbClr val="000000">
+                      <a:alpha val="43137"/>
+                    </a:srgbClr>
+                  </a:outerShdw>
+                </a:effectLst>
+                <a:latin typeface="微軟正黑體" pitchFamily="34" charset="-120"/>
+                <a:ea typeface="微軟正黑體" pitchFamily="34" charset="-120"/>
+              </a:rPr>
+              <a:t>我</a:t>
+            </a:r>
+            <a:r>
+              <a:rPr lang="zh-TW" altLang="en-US" sz="6000" b="1" dirty="0">
+                <a:solidFill>
+                  <a:srgbClr val="660033"/>
+                </a:solidFill>
+                <a:effectLst>
+                  <a:outerShdw blurRad="38100" dist="38100" dir="2700000" algn="tl">
+                    <a:srgbClr val="000000">
+                      <a:alpha val="43137"/>
+                    </a:srgbClr>
+                  </a:outerShdw>
+                </a:effectLst>
+                <a:latin typeface="微軟正黑體" pitchFamily="34" charset="-120"/>
+                <a:ea typeface="微軟正黑體" pitchFamily="34" charset="-120"/>
+              </a:rPr>
+              <a:t>只是個罪人</a:t>
+            </a:r>
+          </a:p>
+        </p:txBody>
+      </p:sp>
+    </p:spTree>
+    <p:extLst>
+      <p:ext uri="{BB962C8B-B14F-4D97-AF65-F5344CB8AC3E}">
+        <p14:creationId xmlns:p14="http://schemas.microsoft.com/office/powerpoint/2010/main" val="1084330986"/>
+      </p:ext>
+    </p:extLst>
+  </p:cSld>
+  <p:clrMapOvr>
+    <a:masterClrMapping/>
+  </p:clrMapOvr>
+  <p:timing>
+    <p:tnLst>
+      <p:par>
+        <p:cTn id="1" dur="indefinite" restart="never" nodeType="tmRoot"/>
+      </p:par>
+    </p:tnLst>
+  </p:timing>
+</p:sld>
+</file>
+
+<file path=ppt/slides/slide10.xml><?xml version="1.0" encoding="utf-8"?>
+<p:sld xmlns:a="http://schemas.openxmlformats.org/drawingml/2006/main" xmlns:r="http://schemas.openxmlformats.org/officeDocument/2006/relationships" xmlns:p="http://schemas.openxmlformats.org/presentationml/2006/main">
+  <p:cSld>
+    <p:spTree>
+      <p:nvGrpSpPr>
+        <p:cNvPr id="1" name=""/>
+        <p:cNvGrpSpPr/>
+        <p:nvPr/>
+      </p:nvGrpSpPr>
+      <p:grpSpPr>
+        <a:xfrm>
+          <a:off x="0" y="0"/>
+          <a:ext cx="0" cy="0"/>
+          <a:chOff x="0" y="0"/>
+          <a:chExt cx="0" cy="0"/>
+        </a:xfrm>
+      </p:grpSpPr>
+      <p:sp>
+        <p:nvSpPr>
+          <p:cNvPr id="5" name="內容版面配置區 4"/>
+          <p:cNvSpPr>
+            <a:spLocks noGrp="1"/>
+          </p:cNvSpPr>
+          <p:nvPr>
+            <p:ph idx="1"/>
+          </p:nvPr>
+        </p:nvSpPr>
+        <p:spPr>
+          <a:xfrm>
+            <a:off x="0" y="1563638"/>
+            <a:ext cx="9144000" cy="1803647"/>
+          </a:xfrm>
+        </p:spPr>
+        <p:txBody>
+          <a:bodyPr anchor="ctr">
+            <a:normAutofit/>
+          </a:bodyPr>
+          <a:lstStyle/>
+          <a:p>
+            <a:pPr marL="0" indent="0" algn="ctr">
+              <a:buNone/>
+            </a:pPr>
+            <a:r>
+              <a:rPr lang="zh-TW" altLang="en-US" sz="4800" b="1" dirty="0">
+                <a:solidFill>
+                  <a:srgbClr val="660033"/>
+                </a:solidFill>
+                <a:effectLst/>
                 <a:latin typeface="Microsoft JhengHei" pitchFamily="34" charset="-120"/>
                 <a:ea typeface="Microsoft JhengHei" pitchFamily="34" charset="-120"/>
               </a:rPr>
-              <a:t>我只是個罪人</a:t>
-            </a:r>
-            <a:endParaRPr lang="en-US" b="1" dirty="0">
+              <a:t>流淚無功效  </a:t>
+            </a:r>
+            <a:r>
+              <a:rPr lang="zh-CN" altLang="en-US" sz="4800" b="1" dirty="0">
+                <a:solidFill>
+                  <a:srgbClr val="660033"/>
+                </a:solidFill>
+                <a:effectLst/>
+                <a:latin typeface="Microsoft JhengHei" pitchFamily="34" charset="-120"/>
+                <a:ea typeface="Microsoft JhengHei" pitchFamily="34" charset="-120"/>
+              </a:rPr>
+              <a:t>功勞</a:t>
+            </a:r>
+            <a:r>
+              <a:rPr lang="zh-TW" altLang="en-US" sz="4800" b="1" dirty="0">
+                <a:solidFill>
+                  <a:srgbClr val="660033"/>
+                </a:solidFill>
+                <a:effectLst/>
+                <a:latin typeface="Microsoft JhengHei" pitchFamily="34" charset="-120"/>
+                <a:ea typeface="Microsoft JhengHei" pitchFamily="34" charset="-120"/>
+              </a:rPr>
+              <a:t>也無份</a:t>
+            </a:r>
+            <a:endParaRPr lang="en-US" altLang="zh-TW" sz="4800" b="1" dirty="0">
               <a:solidFill>
                 <a:srgbClr val="660033"/>
               </a:solidFill>
+              <a:effectLst/>
               <a:latin typeface="Microsoft JhengHei" pitchFamily="34" charset="-120"/>
               <a:ea typeface="Microsoft JhengHei" pitchFamily="34" charset="-120"/>
             </a:endParaRPr>
           </a:p>
-        </p:txBody>
-      </p:sp>
-      <p:sp>
-        <p:nvSpPr>
-          <p:cNvPr id="3" name="Content Placeholder 2"/>
-          <p:cNvSpPr>
-            <a:spLocks noGrp="1"/>
-          </p:cNvSpPr>
-          <p:nvPr>
-            <p:ph idx="1"/>
-          </p:nvPr>
-        </p:nvSpPr>
-        <p:spPr/>
-        <p:txBody>
-          <a:bodyPr>
-            <a:noAutofit/>
-          </a:bodyPr>
-          <a:lstStyle/>
           <a:p>
             <a:pPr marL="0" indent="0" algn="ctr">
               <a:buNone/>
@@ -3151,257 +3339,33 @@
                 <a:solidFill>
                   <a:srgbClr val="660033"/>
                 </a:solidFill>
+                <a:effectLst/>
                 <a:latin typeface="Microsoft JhengHei" pitchFamily="34" charset="-120"/>
                 <a:ea typeface="Microsoft JhengHei" pitchFamily="34" charset="-120"/>
               </a:rPr>
-              <a:t>我一切所</a:t>
-            </a:r>
-            <a:r>
-              <a:rPr lang="zh-TW" altLang="en-US" sz="4800" b="1" dirty="0" smtClean="0">
-                <a:solidFill>
-                  <a:srgbClr val="660033"/>
-                </a:solidFill>
-                <a:latin typeface="Microsoft JhengHei" pitchFamily="34" charset="-120"/>
-                <a:ea typeface="Microsoft JhengHei" pitchFamily="34" charset="-120"/>
-              </a:rPr>
-              <a:t>有  無</a:t>
-            </a:r>
-            <a:r>
-              <a:rPr lang="zh-TW" altLang="en-US" sz="4800" b="1" dirty="0">
-                <a:solidFill>
-                  <a:srgbClr val="660033"/>
-                </a:solidFill>
-                <a:latin typeface="Microsoft JhengHei" pitchFamily="34" charset="-120"/>
-                <a:ea typeface="Microsoft JhengHei" pitchFamily="34" charset="-120"/>
-              </a:rPr>
-              <a:t>非是接</a:t>
-            </a:r>
-            <a:r>
-              <a:rPr lang="zh-TW" altLang="en-US" sz="4800" b="1" dirty="0" smtClean="0">
-                <a:solidFill>
-                  <a:srgbClr val="660033"/>
-                </a:solidFill>
-                <a:latin typeface="Microsoft JhengHei" pitchFamily="34" charset="-120"/>
-                <a:ea typeface="Microsoft JhengHei" pitchFamily="34" charset="-120"/>
-              </a:rPr>
-              <a:t>受</a:t>
-            </a:r>
-            <a:endParaRPr lang="en-US" altLang="zh-TW" sz="4800" b="1" dirty="0" smtClean="0">
+              <a:t>主若不救我  必定要沉淪</a:t>
+            </a:r>
+            <a:endParaRPr lang="en-US" altLang="zh-TW" sz="4800" b="1" dirty="0">
               <a:solidFill>
                 <a:srgbClr val="660033"/>
               </a:solidFill>
+              <a:effectLst/>
               <a:latin typeface="Microsoft JhengHei" pitchFamily="34" charset="-120"/>
               <a:ea typeface="Microsoft JhengHei" pitchFamily="34" charset="-120"/>
             </a:endParaRPr>
           </a:p>
-          <a:p>
-            <a:pPr marL="0" indent="0" algn="ctr">
-              <a:buNone/>
-            </a:pPr>
-            <a:r>
-              <a:rPr lang="zh-TW" altLang="en-US" sz="4800" b="1" dirty="0" smtClean="0">
-                <a:solidFill>
-                  <a:srgbClr val="660033"/>
-                </a:solidFill>
-                <a:latin typeface="Microsoft JhengHei" pitchFamily="34" charset="-120"/>
-                <a:ea typeface="Microsoft JhengHei" pitchFamily="34" charset="-120"/>
-              </a:rPr>
-              <a:t>都</a:t>
-            </a:r>
-            <a:r>
-              <a:rPr lang="zh-TW" altLang="en-US" sz="4800" b="1" dirty="0">
-                <a:solidFill>
-                  <a:srgbClr val="660033"/>
-                </a:solidFill>
-                <a:latin typeface="Microsoft JhengHei" pitchFamily="34" charset="-120"/>
-                <a:ea typeface="Microsoft JhengHei" pitchFamily="34" charset="-120"/>
-              </a:rPr>
-              <a:t>是主賜</a:t>
-            </a:r>
-            <a:r>
-              <a:rPr lang="zh-TW" altLang="en-US" sz="4800" b="1" dirty="0" smtClean="0">
-                <a:solidFill>
-                  <a:srgbClr val="660033"/>
-                </a:solidFill>
-                <a:latin typeface="Microsoft JhengHei" pitchFamily="34" charset="-120"/>
-                <a:ea typeface="Microsoft JhengHei" pitchFamily="34" charset="-120"/>
-              </a:rPr>
-              <a:t>下  在</a:t>
-            </a:r>
-            <a:r>
-              <a:rPr lang="zh-TW" altLang="en-US" sz="4800" b="1" dirty="0">
-                <a:solidFill>
-                  <a:srgbClr val="660033"/>
-                </a:solidFill>
-                <a:latin typeface="Microsoft JhengHei" pitchFamily="34" charset="-120"/>
-                <a:ea typeface="Microsoft JhengHei" pitchFamily="34" charset="-120"/>
-              </a:rPr>
-              <a:t>我信之</a:t>
-            </a:r>
-            <a:r>
-              <a:rPr lang="zh-TW" altLang="en-US" sz="4800" b="1" dirty="0" smtClean="0">
-                <a:solidFill>
-                  <a:srgbClr val="660033"/>
-                </a:solidFill>
-                <a:latin typeface="Microsoft JhengHei" pitchFamily="34" charset="-120"/>
-                <a:ea typeface="Microsoft JhengHei" pitchFamily="34" charset="-120"/>
-              </a:rPr>
-              <a:t>後</a:t>
-            </a:r>
-            <a:endParaRPr lang="en-US" altLang="zh-TW" sz="4800" b="1" dirty="0" smtClean="0">
-              <a:solidFill>
-                <a:srgbClr val="660033"/>
-              </a:solidFill>
-              <a:latin typeface="Microsoft JhengHei" pitchFamily="34" charset="-120"/>
-              <a:ea typeface="Microsoft JhengHei" pitchFamily="34" charset="-120"/>
-            </a:endParaRPr>
-          </a:p>
-          <a:p>
-            <a:pPr marL="0" indent="0" algn="ctr">
-              <a:buNone/>
-            </a:pPr>
-            <a:r>
-              <a:rPr lang="zh-TW" altLang="en-US" sz="4800" b="1" dirty="0" smtClean="0">
-                <a:solidFill>
-                  <a:srgbClr val="660033"/>
-                </a:solidFill>
-                <a:latin typeface="Microsoft JhengHei" pitchFamily="34" charset="-120"/>
-                <a:ea typeface="Microsoft JhengHei" pitchFamily="34" charset="-120"/>
-              </a:rPr>
-              <a:t>故</a:t>
-            </a:r>
-            <a:r>
-              <a:rPr lang="zh-TW" altLang="en-US" sz="4800" b="1" dirty="0">
-                <a:solidFill>
-                  <a:srgbClr val="660033"/>
-                </a:solidFill>
-                <a:latin typeface="Microsoft JhengHei" pitchFamily="34" charset="-120"/>
-                <a:ea typeface="Microsoft JhengHei" pitchFamily="34" charset="-120"/>
-              </a:rPr>
-              <a:t>我不自</a:t>
-            </a:r>
-            <a:r>
-              <a:rPr lang="zh-TW" altLang="en-US" sz="4800" b="1" dirty="0" smtClean="0">
-                <a:solidFill>
-                  <a:srgbClr val="660033"/>
-                </a:solidFill>
-                <a:latin typeface="Microsoft JhengHei" pitchFamily="34" charset="-120"/>
-                <a:ea typeface="Microsoft JhengHei" pitchFamily="34" charset="-120"/>
-              </a:rPr>
-              <a:t>誇  驕</a:t>
-            </a:r>
-            <a:r>
-              <a:rPr lang="zh-TW" altLang="en-US" sz="4800" b="1" dirty="0">
-                <a:solidFill>
-                  <a:srgbClr val="660033"/>
-                </a:solidFill>
-                <a:latin typeface="Microsoft JhengHei" pitchFamily="34" charset="-120"/>
-                <a:ea typeface="Microsoft JhengHei" pitchFamily="34" charset="-120"/>
-              </a:rPr>
-              <a:t>傲亦</a:t>
-            </a:r>
-            <a:r>
-              <a:rPr lang="zh-TW" altLang="en-US" sz="4800" b="1" dirty="0" smtClean="0">
-                <a:solidFill>
-                  <a:srgbClr val="660033"/>
-                </a:solidFill>
-                <a:latin typeface="Microsoft JhengHei" pitchFamily="34" charset="-120"/>
-                <a:ea typeface="Microsoft JhengHei" pitchFamily="34" charset="-120"/>
-              </a:rPr>
-              <a:t>憎</a:t>
-            </a:r>
-            <a:endParaRPr lang="en-US" altLang="zh-TW" sz="4800" b="1" dirty="0" smtClean="0">
-              <a:solidFill>
-                <a:srgbClr val="660033"/>
-              </a:solidFill>
-              <a:latin typeface="Microsoft JhengHei" pitchFamily="34" charset="-120"/>
-              <a:ea typeface="Microsoft JhengHei" pitchFamily="34" charset="-120"/>
-            </a:endParaRPr>
-          </a:p>
-          <a:p>
-            <a:pPr marL="0" indent="0" algn="ctr">
-              <a:buNone/>
-            </a:pPr>
-            <a:r>
-              <a:rPr lang="zh-TW" altLang="en-US" sz="4800" b="1" dirty="0" smtClean="0">
-                <a:solidFill>
-                  <a:srgbClr val="660033"/>
-                </a:solidFill>
-                <a:latin typeface="Microsoft JhengHei" pitchFamily="34" charset="-120"/>
-                <a:ea typeface="Microsoft JhengHei" pitchFamily="34" charset="-120"/>
-              </a:rPr>
-              <a:t>我</a:t>
-            </a:r>
-            <a:r>
-              <a:rPr lang="zh-TW" altLang="en-US" sz="4800" b="1" dirty="0">
-                <a:solidFill>
-                  <a:srgbClr val="660033"/>
-                </a:solidFill>
-                <a:latin typeface="Microsoft JhengHei" pitchFamily="34" charset="-120"/>
-                <a:ea typeface="Microsoft JhengHei" pitchFamily="34" charset="-120"/>
-              </a:rPr>
-              <a:t>只是個罪</a:t>
-            </a:r>
-            <a:r>
-              <a:rPr lang="zh-TW" altLang="en-US" sz="4800" b="1" dirty="0" smtClean="0">
-                <a:solidFill>
-                  <a:srgbClr val="660033"/>
-                </a:solidFill>
-                <a:latin typeface="Microsoft JhengHei" pitchFamily="34" charset="-120"/>
-                <a:ea typeface="Microsoft JhengHei" pitchFamily="34" charset="-120"/>
-              </a:rPr>
-              <a:t>人  </a:t>
-            </a:r>
-            <a:r>
-              <a:rPr lang="zh-TW" altLang="en-US" sz="4800" b="1" dirty="0" smtClean="0">
-                <a:solidFill>
-                  <a:srgbClr val="660033"/>
-                </a:solidFill>
-                <a:latin typeface="Microsoft JhengHei" pitchFamily="34" charset="-120"/>
-                <a:ea typeface="Microsoft JhengHei" pitchFamily="34" charset="-120"/>
-              </a:rPr>
-              <a:t>蒙</a:t>
-            </a:r>
-            <a:r>
-              <a:rPr lang="zh-CN" altLang="en-US" sz="4800" b="1" dirty="0" smtClean="0">
-                <a:solidFill>
-                  <a:srgbClr val="660033"/>
-                </a:solidFill>
-                <a:latin typeface="Microsoft JhengHei" pitchFamily="34" charset="-120"/>
-                <a:ea typeface="Microsoft JhengHei" pitchFamily="34" charset="-120"/>
-              </a:rPr>
-              <a:t>救</a:t>
-            </a:r>
-            <a:r>
-              <a:rPr lang="zh-TW" altLang="en-US" sz="4800" b="1" dirty="0" smtClean="0">
-                <a:solidFill>
-                  <a:srgbClr val="660033"/>
-                </a:solidFill>
-                <a:latin typeface="Microsoft JhengHei" pitchFamily="34" charset="-120"/>
-                <a:ea typeface="Microsoft JhengHei" pitchFamily="34" charset="-120"/>
-              </a:rPr>
-              <a:t>恩</a:t>
-            </a:r>
-            <a:endParaRPr lang="zh-TW" altLang="en-US" sz="4800" b="1" dirty="0">
-              <a:solidFill>
-                <a:srgbClr val="660033"/>
-              </a:solidFill>
-              <a:latin typeface="Microsoft JhengHei" pitchFamily="34" charset="-120"/>
-              <a:ea typeface="Microsoft JhengHei" pitchFamily="34" charset="-120"/>
-            </a:endParaRPr>
-          </a:p>
-        </p:txBody>
-      </p:sp>
-      <p:sp>
-        <p:nvSpPr>
-          <p:cNvPr id="4" name="TextBox 3"/>
+        </p:txBody>
+      </p:sp>
+      <p:sp>
+        <p:nvSpPr>
+          <p:cNvPr id="3" name="TextBox 2"/>
           <p:cNvSpPr txBox="1"/>
           <p:nvPr/>
         </p:nvSpPr>
         <p:spPr>
           <a:xfrm>
-            <a:off x="323528" y="1275606"/>
-            <a:ext cx="792088" cy="830997"/>
+            <a:off x="0" y="3795886"/>
+            <a:ext cx="9144000" cy="646331"/>
           </a:xfrm>
           <a:prstGeom prst="rect">
             <a:avLst/>
@@ -3414,18 +3378,21 @@
           </a:bodyPr>
           <a:lstStyle/>
           <a:p>
-            <a:r>
-              <a:rPr lang="en-US" sz="4800" b="1" dirty="0" smtClean="0">
-                <a:solidFill>
-                  <a:srgbClr val="660033"/>
-                </a:solidFill>
-              </a:rPr>
-              <a:t>1.</a:t>
-            </a:r>
-            <a:endParaRPr lang="vi-VN" sz="4800" b="1" dirty="0">
+            <a:pPr algn="ctr"/>
+            <a:r>
+              <a:rPr lang="en-US" sz="3600" b="1" dirty="0">
+                <a:solidFill>
+                  <a:srgbClr val="660033"/>
+                </a:solidFill>
+                <a:effectLst/>
+              </a:rPr>
+              <a:t>( 3 )</a:t>
+            </a:r>
+            <a:endParaRPr lang="vi-VN" sz="3600" b="1" dirty="0">
               <a:solidFill>
                 <a:srgbClr val="660033"/>
               </a:solidFill>
+              <a:effectLst/>
             </a:endParaRPr>
           </a:p>
         </p:txBody>
@@ -3433,7 +3400,942 @@
     </p:spTree>
     <p:extLst>
       <p:ext uri="{BB962C8B-B14F-4D97-AF65-F5344CB8AC3E}">
-        <p14:creationId xmlns:p14="http://schemas.microsoft.com/office/powerpoint/2010/main" val="415678364"/>
+        <p14:creationId xmlns:p14="http://schemas.microsoft.com/office/powerpoint/2010/main" val="3101855668"/>
+      </p:ext>
+    </p:extLst>
+  </p:cSld>
+  <p:clrMapOvr>
+    <a:masterClrMapping/>
+  </p:clrMapOvr>
+  <p:timing>
+    <p:tnLst>
+      <p:par>
+        <p:cTn id="1" dur="indefinite" restart="never" nodeType="tmRoot"/>
+      </p:par>
+    </p:tnLst>
+  </p:timing>
+</p:sld>
+</file>
+
+<file path=ppt/slides/slide11.xml><?xml version="1.0" encoding="utf-8"?>
+<p:sld xmlns:a="http://schemas.openxmlformats.org/drawingml/2006/main" xmlns:r="http://schemas.openxmlformats.org/officeDocument/2006/relationships" xmlns:p="http://schemas.openxmlformats.org/presentationml/2006/main">
+  <p:cSld>
+    <p:spTree>
+      <p:nvGrpSpPr>
+        <p:cNvPr id="1" name=""/>
+        <p:cNvGrpSpPr/>
+        <p:nvPr/>
+      </p:nvGrpSpPr>
+      <p:grpSpPr>
+        <a:xfrm>
+          <a:off x="0" y="0"/>
+          <a:ext cx="0" cy="0"/>
+          <a:chOff x="0" y="0"/>
+          <a:chExt cx="0" cy="0"/>
+        </a:xfrm>
+      </p:grpSpPr>
+      <p:sp>
+        <p:nvSpPr>
+          <p:cNvPr id="5" name="內容版面配置區 4"/>
+          <p:cNvSpPr>
+            <a:spLocks noGrp="1"/>
+          </p:cNvSpPr>
+          <p:nvPr>
+            <p:ph idx="1"/>
+          </p:nvPr>
+        </p:nvSpPr>
+        <p:spPr>
+          <a:xfrm>
+            <a:off x="0" y="1563638"/>
+            <a:ext cx="9144000" cy="1803647"/>
+          </a:xfrm>
+        </p:spPr>
+        <p:txBody>
+          <a:bodyPr anchor="ctr">
+            <a:normAutofit/>
+          </a:bodyPr>
+          <a:lstStyle/>
+          <a:p>
+            <a:pPr marL="0" indent="0" algn="ctr">
+              <a:buNone/>
+            </a:pPr>
+            <a:r>
+              <a:rPr lang="zh-TW" altLang="en-US" sz="4800" b="1" dirty="0">
+                <a:solidFill>
+                  <a:srgbClr val="660033"/>
+                </a:solidFill>
+                <a:effectLst/>
+                <a:latin typeface="Microsoft JhengHei" pitchFamily="34" charset="-120"/>
+                <a:ea typeface="Microsoft JhengHei" pitchFamily="34" charset="-120"/>
+              </a:rPr>
+              <a:t>罪惡常恐嚇  怕見神面</a:t>
+            </a:r>
+            <a:endParaRPr lang="en-US" altLang="zh-TW" sz="4800" b="1" dirty="0">
+              <a:solidFill>
+                <a:srgbClr val="660033"/>
+              </a:solidFill>
+              <a:effectLst/>
+              <a:latin typeface="Microsoft JhengHei" pitchFamily="34" charset="-120"/>
+              <a:ea typeface="Microsoft JhengHei" pitchFamily="34" charset="-120"/>
+            </a:endParaRPr>
+          </a:p>
+          <a:p>
+            <a:pPr marL="0" indent="0" algn="ctr">
+              <a:buNone/>
+            </a:pPr>
+            <a:r>
+              <a:rPr lang="zh-TW" altLang="en-US" sz="4800" b="1" dirty="0">
+                <a:solidFill>
+                  <a:srgbClr val="660033"/>
+                </a:solidFill>
+                <a:effectLst/>
+                <a:latin typeface="Microsoft JhengHei" pitchFamily="34" charset="-120"/>
+                <a:ea typeface="Microsoft JhengHei" pitchFamily="34" charset="-120"/>
+              </a:rPr>
+              <a:t>我只是個罪人  蒙</a:t>
+            </a:r>
+            <a:r>
+              <a:rPr lang="zh-CN" altLang="en-US" sz="4800" b="1" dirty="0">
+                <a:solidFill>
+                  <a:srgbClr val="660033"/>
+                </a:solidFill>
+                <a:effectLst/>
+                <a:latin typeface="Microsoft JhengHei" pitchFamily="34" charset="-120"/>
+                <a:ea typeface="Microsoft JhengHei" pitchFamily="34" charset="-120"/>
+              </a:rPr>
+              <a:t>救</a:t>
+            </a:r>
+            <a:r>
+              <a:rPr lang="zh-TW" altLang="en-US" sz="4800" b="1" dirty="0">
+                <a:solidFill>
+                  <a:srgbClr val="660033"/>
+                </a:solidFill>
+                <a:effectLst/>
+                <a:latin typeface="Microsoft JhengHei" pitchFamily="34" charset="-120"/>
+                <a:ea typeface="Microsoft JhengHei" pitchFamily="34" charset="-120"/>
+              </a:rPr>
+              <a:t>恩</a:t>
+            </a:r>
+          </a:p>
+        </p:txBody>
+      </p:sp>
+      <p:sp>
+        <p:nvSpPr>
+          <p:cNvPr id="3" name="TextBox 2"/>
+          <p:cNvSpPr txBox="1"/>
+          <p:nvPr/>
+        </p:nvSpPr>
+        <p:spPr>
+          <a:xfrm>
+            <a:off x="0" y="3795886"/>
+            <a:ext cx="9144000" cy="646331"/>
+          </a:xfrm>
+          <a:prstGeom prst="rect">
+            <a:avLst/>
+          </a:prstGeom>
+          <a:noFill/>
+        </p:spPr>
+        <p:txBody>
+          <a:bodyPr wrap="square" rtlCol="0">
+            <a:spAutoFit/>
+          </a:bodyPr>
+          <a:lstStyle/>
+          <a:p>
+            <a:pPr algn="ctr"/>
+            <a:r>
+              <a:rPr lang="en-US" sz="3600" b="1" dirty="0">
+                <a:solidFill>
+                  <a:srgbClr val="660033"/>
+                </a:solidFill>
+                <a:effectLst/>
+              </a:rPr>
+              <a:t>( 3 )</a:t>
+            </a:r>
+            <a:endParaRPr lang="vi-VN" sz="3600" b="1" dirty="0">
+              <a:solidFill>
+                <a:srgbClr val="660033"/>
+              </a:solidFill>
+              <a:effectLst/>
+            </a:endParaRPr>
+          </a:p>
+        </p:txBody>
+      </p:sp>
+    </p:spTree>
+    <p:extLst>
+      <p:ext uri="{BB962C8B-B14F-4D97-AF65-F5344CB8AC3E}">
+        <p14:creationId xmlns:p14="http://schemas.microsoft.com/office/powerpoint/2010/main" val="2540827004"/>
+      </p:ext>
+    </p:extLst>
+  </p:cSld>
+  <p:clrMapOvr>
+    <a:masterClrMapping/>
+  </p:clrMapOvr>
+  <p:timing>
+    <p:tnLst>
+      <p:par>
+        <p:cTn id="1" dur="indefinite" restart="never" nodeType="tmRoot"/>
+      </p:par>
+    </p:tnLst>
+  </p:timing>
+</p:sld>
+</file>
+
+<file path=ppt/slides/slide12.xml><?xml version="1.0" encoding="utf-8"?>
+<p:sld xmlns:a="http://schemas.openxmlformats.org/drawingml/2006/main" xmlns:r="http://schemas.openxmlformats.org/officeDocument/2006/relationships" xmlns:p="http://schemas.openxmlformats.org/presentationml/2006/main">
+  <p:cSld>
+    <p:spTree>
+      <p:nvGrpSpPr>
+        <p:cNvPr id="1" name=""/>
+        <p:cNvGrpSpPr/>
+        <p:nvPr/>
+      </p:nvGrpSpPr>
+      <p:grpSpPr>
+        <a:xfrm>
+          <a:off x="0" y="0"/>
+          <a:ext cx="0" cy="0"/>
+          <a:chOff x="0" y="0"/>
+          <a:chExt cx="0" cy="0"/>
+        </a:xfrm>
+      </p:grpSpPr>
+      <p:sp>
+        <p:nvSpPr>
+          <p:cNvPr id="5" name="內容版面配置區 4"/>
+          <p:cNvSpPr>
+            <a:spLocks noGrp="1"/>
+          </p:cNvSpPr>
+          <p:nvPr>
+            <p:ph idx="1"/>
+          </p:nvPr>
+        </p:nvSpPr>
+        <p:spPr>
+          <a:xfrm>
+            <a:off x="0" y="1563638"/>
+            <a:ext cx="9144000" cy="1803647"/>
+          </a:xfrm>
+        </p:spPr>
+        <p:txBody>
+          <a:bodyPr anchor="ctr">
+            <a:normAutofit/>
+          </a:bodyPr>
+          <a:lstStyle/>
+          <a:p>
+            <a:pPr marL="0" indent="0" algn="ctr">
+              <a:buNone/>
+            </a:pPr>
+            <a:r>
+              <a:rPr lang="zh-TW" altLang="en-US" sz="4800" b="1" dirty="0">
+                <a:solidFill>
+                  <a:srgbClr val="660033"/>
+                </a:solidFill>
+                <a:effectLst/>
+                <a:latin typeface="Microsoft JhengHei" pitchFamily="34" charset="-120"/>
+                <a:ea typeface="Microsoft JhengHei" pitchFamily="34" charset="-120"/>
+              </a:rPr>
+              <a:t>我是個罪人蒙恩典</a:t>
+            </a:r>
+            <a:endParaRPr lang="en-US" altLang="zh-TW" sz="4800" b="1" dirty="0">
+              <a:solidFill>
+                <a:srgbClr val="660033"/>
+              </a:solidFill>
+              <a:effectLst/>
+              <a:latin typeface="Microsoft JhengHei" pitchFamily="34" charset="-120"/>
+              <a:ea typeface="Microsoft JhengHei" pitchFamily="34" charset="-120"/>
+            </a:endParaRPr>
+          </a:p>
+          <a:p>
+            <a:pPr marL="0" indent="0" algn="ctr">
+              <a:buNone/>
+            </a:pPr>
+            <a:r>
+              <a:rPr lang="zh-TW" altLang="en-US" sz="4800" b="1" dirty="0">
+                <a:solidFill>
+                  <a:srgbClr val="660033"/>
+                </a:solidFill>
+                <a:effectLst/>
+                <a:latin typeface="Microsoft JhengHei" pitchFamily="34" charset="-120"/>
+                <a:ea typeface="Microsoft JhengHei" pitchFamily="34" charset="-120"/>
+              </a:rPr>
+              <a:t>一切的罪惡得赦免</a:t>
+            </a:r>
+            <a:endParaRPr lang="en-US" altLang="zh-TW" sz="4800" b="1" dirty="0">
+              <a:solidFill>
+                <a:srgbClr val="660033"/>
+              </a:solidFill>
+              <a:effectLst/>
+              <a:latin typeface="Microsoft JhengHei" pitchFamily="34" charset="-120"/>
+              <a:ea typeface="Microsoft JhengHei" pitchFamily="34" charset="-120"/>
+            </a:endParaRPr>
+          </a:p>
+        </p:txBody>
+      </p:sp>
+    </p:spTree>
+    <p:extLst>
+      <p:ext uri="{BB962C8B-B14F-4D97-AF65-F5344CB8AC3E}">
+        <p14:creationId xmlns:p14="http://schemas.microsoft.com/office/powerpoint/2010/main" val="3835974965"/>
+      </p:ext>
+    </p:extLst>
+  </p:cSld>
+  <p:clrMapOvr>
+    <a:masterClrMapping/>
+  </p:clrMapOvr>
+  <p:timing>
+    <p:tnLst>
+      <p:par>
+        <p:cTn id="1" dur="indefinite" restart="never" nodeType="tmRoot"/>
+      </p:par>
+    </p:tnLst>
+  </p:timing>
+</p:sld>
+</file>
+
+<file path=ppt/slides/slide13.xml><?xml version="1.0" encoding="utf-8"?>
+<p:sld xmlns:a="http://schemas.openxmlformats.org/drawingml/2006/main" xmlns:r="http://schemas.openxmlformats.org/officeDocument/2006/relationships" xmlns:p="http://schemas.openxmlformats.org/presentationml/2006/main">
+  <p:cSld>
+    <p:spTree>
+      <p:nvGrpSpPr>
+        <p:cNvPr id="1" name=""/>
+        <p:cNvGrpSpPr/>
+        <p:nvPr/>
+      </p:nvGrpSpPr>
+      <p:grpSpPr>
+        <a:xfrm>
+          <a:off x="0" y="0"/>
+          <a:ext cx="0" cy="0"/>
+          <a:chOff x="0" y="0"/>
+          <a:chExt cx="0" cy="0"/>
+        </a:xfrm>
+      </p:grpSpPr>
+      <p:sp>
+        <p:nvSpPr>
+          <p:cNvPr id="5" name="內容版面配置區 4"/>
+          <p:cNvSpPr>
+            <a:spLocks noGrp="1"/>
+          </p:cNvSpPr>
+          <p:nvPr>
+            <p:ph idx="1"/>
+          </p:nvPr>
+        </p:nvSpPr>
+        <p:spPr>
+          <a:xfrm>
+            <a:off x="0" y="1563638"/>
+            <a:ext cx="9144000" cy="1803647"/>
+          </a:xfrm>
+        </p:spPr>
+        <p:txBody>
+          <a:bodyPr anchor="ctr">
+            <a:normAutofit/>
+          </a:bodyPr>
+          <a:lstStyle/>
+          <a:p>
+            <a:pPr marL="0" indent="0" algn="ctr">
+              <a:buNone/>
+            </a:pPr>
+            <a:r>
+              <a:rPr lang="zh-TW" altLang="en-US" sz="4800" b="1" dirty="0">
+                <a:solidFill>
+                  <a:srgbClr val="660033"/>
+                </a:solidFill>
+                <a:effectLst/>
+                <a:latin typeface="Microsoft JhengHei" pitchFamily="34" charset="-120"/>
+                <a:ea typeface="Microsoft JhengHei" pitchFamily="34" charset="-120"/>
+              </a:rPr>
+              <a:t>讚美主耶穌   榮耀都歸</a:t>
+            </a:r>
+            <a:r>
+              <a:rPr lang="zh-CN" altLang="en-US" sz="4800" b="1" dirty="0">
+                <a:solidFill>
+                  <a:srgbClr val="660033"/>
+                </a:solidFill>
+                <a:effectLst/>
+                <a:latin typeface="Microsoft JhengHei" pitchFamily="34" charset="-120"/>
+                <a:ea typeface="Microsoft JhengHei" pitchFamily="34" charset="-120"/>
+              </a:rPr>
+              <a:t>天父</a:t>
+            </a:r>
+            <a:endParaRPr lang="en-US" altLang="zh-TW" sz="4800" b="1" dirty="0">
+              <a:solidFill>
+                <a:srgbClr val="660033"/>
+              </a:solidFill>
+              <a:effectLst/>
+              <a:latin typeface="Microsoft JhengHei" pitchFamily="34" charset="-120"/>
+              <a:ea typeface="Microsoft JhengHei" pitchFamily="34" charset="-120"/>
+            </a:endParaRPr>
+          </a:p>
+          <a:p>
+            <a:pPr marL="0" indent="0" algn="ctr">
+              <a:buNone/>
+            </a:pPr>
+            <a:r>
+              <a:rPr lang="zh-TW" altLang="en-US" sz="4800" b="1" dirty="0">
+                <a:solidFill>
+                  <a:srgbClr val="660033"/>
+                </a:solidFill>
+                <a:effectLst/>
+                <a:latin typeface="Microsoft JhengHei" pitchFamily="34" charset="-120"/>
+                <a:ea typeface="Microsoft JhengHei" pitchFamily="34" charset="-120"/>
+              </a:rPr>
+              <a:t>我只是個罪人   蒙救恩</a:t>
+            </a:r>
+          </a:p>
+        </p:txBody>
+      </p:sp>
+    </p:spTree>
+    <p:extLst>
+      <p:ext uri="{BB962C8B-B14F-4D97-AF65-F5344CB8AC3E}">
+        <p14:creationId xmlns:p14="http://schemas.microsoft.com/office/powerpoint/2010/main" val="1802295862"/>
+      </p:ext>
+    </p:extLst>
+  </p:cSld>
+  <p:clrMapOvr>
+    <a:masterClrMapping/>
+  </p:clrMapOvr>
+  <p:timing>
+    <p:tnLst>
+      <p:par>
+        <p:cTn id="1" dur="indefinite" restart="never" nodeType="tmRoot"/>
+      </p:par>
+    </p:tnLst>
+  </p:timing>
+</p:sld>
+</file>
+
+<file path=ppt/slides/slide14.xml><?xml version="1.0" encoding="utf-8"?>
+<p:sld xmlns:a="http://schemas.openxmlformats.org/drawingml/2006/main" xmlns:r="http://schemas.openxmlformats.org/officeDocument/2006/relationships" xmlns:p="http://schemas.openxmlformats.org/presentationml/2006/main">
+  <p:cSld>
+    <p:spTree>
+      <p:nvGrpSpPr>
+        <p:cNvPr id="1" name=""/>
+        <p:cNvGrpSpPr/>
+        <p:nvPr/>
+      </p:nvGrpSpPr>
+      <p:grpSpPr>
+        <a:xfrm>
+          <a:off x="0" y="0"/>
+          <a:ext cx="0" cy="0"/>
+          <a:chOff x="0" y="0"/>
+          <a:chExt cx="0" cy="0"/>
+        </a:xfrm>
+      </p:grpSpPr>
+      <p:sp>
+        <p:nvSpPr>
+          <p:cNvPr id="5" name="內容版面配置區 4"/>
+          <p:cNvSpPr>
+            <a:spLocks noGrp="1"/>
+          </p:cNvSpPr>
+          <p:nvPr>
+            <p:ph idx="1"/>
+          </p:nvPr>
+        </p:nvSpPr>
+        <p:spPr>
+          <a:xfrm>
+            <a:off x="0" y="1563638"/>
+            <a:ext cx="9144000" cy="1803647"/>
+          </a:xfrm>
+        </p:spPr>
+        <p:txBody>
+          <a:bodyPr anchor="ctr">
+            <a:normAutofit/>
+          </a:bodyPr>
+          <a:lstStyle/>
+          <a:p>
+            <a:pPr marL="0" indent="0" algn="ctr">
+              <a:buNone/>
+            </a:pPr>
+            <a:r>
+              <a:rPr lang="zh-TW" altLang="en-US" sz="4800" b="1" dirty="0">
+                <a:solidFill>
+                  <a:srgbClr val="660033"/>
+                </a:solidFill>
+                <a:effectLst/>
+                <a:latin typeface="Microsoft JhengHei" pitchFamily="34" charset="-120"/>
+                <a:ea typeface="Microsoft JhengHei" pitchFamily="34" charset="-120"/>
+              </a:rPr>
+              <a:t>諒我</a:t>
+            </a:r>
+            <a:r>
+              <a:rPr lang="zh-CN" altLang="en-US" sz="4800" b="1" dirty="0">
+                <a:solidFill>
+                  <a:srgbClr val="660033"/>
+                </a:solidFill>
+                <a:effectLst/>
+                <a:latin typeface="Microsoft JhengHei" pitchFamily="34" charset="-120"/>
+                <a:ea typeface="Microsoft JhengHei" pitchFamily="34" charset="-120"/>
+              </a:rPr>
+              <a:t>這</a:t>
+            </a:r>
+            <a:r>
+              <a:rPr lang="zh-TW" altLang="en-US" sz="4800" b="1" dirty="0">
+                <a:solidFill>
+                  <a:srgbClr val="660033"/>
+                </a:solidFill>
+                <a:effectLst/>
+                <a:latin typeface="Microsoft JhengHei" pitchFamily="34" charset="-120"/>
+                <a:ea typeface="Microsoft JhengHei" pitchFamily="34" charset="-120"/>
+              </a:rPr>
+              <a:t>罪人  情不能自禁</a:t>
+            </a:r>
+            <a:endParaRPr lang="en-US" altLang="zh-TW" sz="4800" b="1" dirty="0">
+              <a:solidFill>
+                <a:srgbClr val="660033"/>
+              </a:solidFill>
+              <a:effectLst/>
+              <a:latin typeface="Microsoft JhengHei" pitchFamily="34" charset="-120"/>
+              <a:ea typeface="Microsoft JhengHei" pitchFamily="34" charset="-120"/>
+            </a:endParaRPr>
+          </a:p>
+          <a:p>
+            <a:pPr marL="0" indent="0" algn="ctr">
+              <a:buNone/>
+            </a:pPr>
+            <a:r>
+              <a:rPr lang="zh-TW" altLang="en-US" sz="4800" b="1" dirty="0">
+                <a:solidFill>
+                  <a:srgbClr val="660033"/>
+                </a:solidFill>
+                <a:effectLst/>
+                <a:latin typeface="Microsoft JhengHei" pitchFamily="34" charset="-120"/>
+                <a:ea typeface="Microsoft JhengHei" pitchFamily="34" charset="-120"/>
+              </a:rPr>
+              <a:t>只因深愛主  喜樂滿我心</a:t>
+            </a:r>
+            <a:endParaRPr lang="en-US" altLang="zh-TW" sz="4800" b="1" dirty="0">
+              <a:solidFill>
+                <a:srgbClr val="660033"/>
+              </a:solidFill>
+              <a:effectLst/>
+              <a:latin typeface="Microsoft JhengHei" pitchFamily="34" charset="-120"/>
+              <a:ea typeface="Microsoft JhengHei" pitchFamily="34" charset="-120"/>
+            </a:endParaRPr>
+          </a:p>
+        </p:txBody>
+      </p:sp>
+      <p:sp>
+        <p:nvSpPr>
+          <p:cNvPr id="3" name="TextBox 2"/>
+          <p:cNvSpPr txBox="1"/>
+          <p:nvPr/>
+        </p:nvSpPr>
+        <p:spPr>
+          <a:xfrm>
+            <a:off x="0" y="3795886"/>
+            <a:ext cx="9144000" cy="646331"/>
+          </a:xfrm>
+          <a:prstGeom prst="rect">
+            <a:avLst/>
+          </a:prstGeom>
+          <a:noFill/>
+        </p:spPr>
+        <p:txBody>
+          <a:bodyPr wrap="square" rtlCol="0">
+            <a:spAutoFit/>
+          </a:bodyPr>
+          <a:lstStyle/>
+          <a:p>
+            <a:pPr algn="ctr"/>
+            <a:r>
+              <a:rPr lang="en-US" sz="3600" b="1" dirty="0">
+                <a:solidFill>
+                  <a:srgbClr val="660033"/>
+                </a:solidFill>
+                <a:effectLst/>
+              </a:rPr>
+              <a:t>( 4 )</a:t>
+            </a:r>
+            <a:endParaRPr lang="vi-VN" sz="3600" b="1" dirty="0">
+              <a:solidFill>
+                <a:srgbClr val="660033"/>
+              </a:solidFill>
+              <a:effectLst/>
+            </a:endParaRPr>
+          </a:p>
+        </p:txBody>
+      </p:sp>
+    </p:spTree>
+    <p:extLst>
+      <p:ext uri="{BB962C8B-B14F-4D97-AF65-F5344CB8AC3E}">
+        <p14:creationId xmlns:p14="http://schemas.microsoft.com/office/powerpoint/2010/main" val="2217073844"/>
+      </p:ext>
+    </p:extLst>
+  </p:cSld>
+  <p:clrMapOvr>
+    <a:masterClrMapping/>
+  </p:clrMapOvr>
+  <p:timing>
+    <p:tnLst>
+      <p:par>
+        <p:cTn id="1" dur="indefinite" restart="never" nodeType="tmRoot"/>
+      </p:par>
+    </p:tnLst>
+  </p:timing>
+</p:sld>
+</file>
+
+<file path=ppt/slides/slide15.xml><?xml version="1.0" encoding="utf-8"?>
+<p:sld xmlns:a="http://schemas.openxmlformats.org/drawingml/2006/main" xmlns:r="http://schemas.openxmlformats.org/officeDocument/2006/relationships" xmlns:p="http://schemas.openxmlformats.org/presentationml/2006/main">
+  <p:cSld>
+    <p:spTree>
+      <p:nvGrpSpPr>
+        <p:cNvPr id="1" name=""/>
+        <p:cNvGrpSpPr/>
+        <p:nvPr/>
+      </p:nvGrpSpPr>
+      <p:grpSpPr>
+        <a:xfrm>
+          <a:off x="0" y="0"/>
+          <a:ext cx="0" cy="0"/>
+          <a:chOff x="0" y="0"/>
+          <a:chExt cx="0" cy="0"/>
+        </a:xfrm>
+      </p:grpSpPr>
+      <p:sp>
+        <p:nvSpPr>
+          <p:cNvPr id="5" name="內容版面配置區 4"/>
+          <p:cNvSpPr>
+            <a:spLocks noGrp="1"/>
+          </p:cNvSpPr>
+          <p:nvPr>
+            <p:ph idx="1"/>
+          </p:nvPr>
+        </p:nvSpPr>
+        <p:spPr>
+          <a:xfrm>
+            <a:off x="0" y="1563638"/>
+            <a:ext cx="9144000" cy="1803647"/>
+          </a:xfrm>
+        </p:spPr>
+        <p:txBody>
+          <a:bodyPr anchor="ctr">
+            <a:normAutofit/>
+          </a:bodyPr>
+          <a:lstStyle/>
+          <a:p>
+            <a:pPr marL="0" indent="0" algn="ctr">
+              <a:buNone/>
+            </a:pPr>
+            <a:r>
+              <a:rPr lang="zh-TW" altLang="en-US" sz="4800" b="1" dirty="0">
+                <a:solidFill>
+                  <a:srgbClr val="660033"/>
+                </a:solidFill>
+                <a:effectLst/>
+                <a:latin typeface="Microsoft JhengHei" pitchFamily="34" charset="-120"/>
+                <a:ea typeface="Microsoft JhengHei" pitchFamily="34" charset="-120"/>
+              </a:rPr>
+              <a:t>讓我再說明  高聲謳吟</a:t>
+            </a:r>
+            <a:endParaRPr lang="en-US" altLang="zh-TW" sz="4800" b="1" dirty="0">
+              <a:solidFill>
+                <a:srgbClr val="660033"/>
+              </a:solidFill>
+              <a:effectLst/>
+              <a:latin typeface="Microsoft JhengHei" pitchFamily="34" charset="-120"/>
+              <a:ea typeface="Microsoft JhengHei" pitchFamily="34" charset="-120"/>
+            </a:endParaRPr>
+          </a:p>
+          <a:p>
+            <a:pPr marL="0" indent="0" algn="ctr">
+              <a:buNone/>
+            </a:pPr>
+            <a:r>
+              <a:rPr lang="zh-TW" altLang="en-US" sz="4800" b="1" dirty="0">
+                <a:solidFill>
+                  <a:srgbClr val="660033"/>
+                </a:solidFill>
+                <a:effectLst/>
+                <a:latin typeface="Microsoft JhengHei" pitchFamily="34" charset="-120"/>
+                <a:ea typeface="Microsoft JhengHei" pitchFamily="34" charset="-120"/>
+              </a:rPr>
+              <a:t>我只是個罪人  蒙</a:t>
+            </a:r>
+            <a:r>
+              <a:rPr lang="zh-CN" altLang="en-US" sz="4800" b="1" dirty="0">
+                <a:solidFill>
+                  <a:srgbClr val="660033"/>
+                </a:solidFill>
+                <a:effectLst/>
+                <a:latin typeface="Microsoft JhengHei" pitchFamily="34" charset="-120"/>
+                <a:ea typeface="Microsoft JhengHei" pitchFamily="34" charset="-120"/>
+              </a:rPr>
+              <a:t>救</a:t>
+            </a:r>
+            <a:r>
+              <a:rPr lang="zh-TW" altLang="en-US" sz="4800" b="1" dirty="0">
+                <a:solidFill>
+                  <a:srgbClr val="660033"/>
+                </a:solidFill>
+                <a:effectLst/>
+                <a:latin typeface="Microsoft JhengHei" pitchFamily="34" charset="-120"/>
+                <a:ea typeface="Microsoft JhengHei" pitchFamily="34" charset="-120"/>
+              </a:rPr>
+              <a:t>恩</a:t>
+            </a:r>
+          </a:p>
+        </p:txBody>
+      </p:sp>
+      <p:sp>
+        <p:nvSpPr>
+          <p:cNvPr id="3" name="TextBox 2"/>
+          <p:cNvSpPr txBox="1"/>
+          <p:nvPr/>
+        </p:nvSpPr>
+        <p:spPr>
+          <a:xfrm>
+            <a:off x="0" y="3795886"/>
+            <a:ext cx="9144000" cy="646331"/>
+          </a:xfrm>
+          <a:prstGeom prst="rect">
+            <a:avLst/>
+          </a:prstGeom>
+          <a:noFill/>
+        </p:spPr>
+        <p:txBody>
+          <a:bodyPr wrap="square" rtlCol="0">
+            <a:spAutoFit/>
+          </a:bodyPr>
+          <a:lstStyle/>
+          <a:p>
+            <a:pPr algn="ctr"/>
+            <a:r>
+              <a:rPr lang="en-US" sz="3600" b="1" dirty="0">
+                <a:solidFill>
+                  <a:srgbClr val="660033"/>
+                </a:solidFill>
+                <a:effectLst/>
+              </a:rPr>
+              <a:t>( 4 )</a:t>
+            </a:r>
+            <a:endParaRPr lang="vi-VN" sz="3600" b="1" dirty="0">
+              <a:solidFill>
+                <a:srgbClr val="660033"/>
+              </a:solidFill>
+              <a:effectLst/>
+            </a:endParaRPr>
+          </a:p>
+        </p:txBody>
+      </p:sp>
+    </p:spTree>
+    <p:extLst>
+      <p:ext uri="{BB962C8B-B14F-4D97-AF65-F5344CB8AC3E}">
+        <p14:creationId xmlns:p14="http://schemas.microsoft.com/office/powerpoint/2010/main" val="1453022063"/>
+      </p:ext>
+    </p:extLst>
+  </p:cSld>
+  <p:clrMapOvr>
+    <a:masterClrMapping/>
+  </p:clrMapOvr>
+  <p:timing>
+    <p:tnLst>
+      <p:par>
+        <p:cTn id="1" dur="indefinite" restart="never" nodeType="tmRoot"/>
+      </p:par>
+    </p:tnLst>
+  </p:timing>
+</p:sld>
+</file>
+
+<file path=ppt/slides/slide16.xml><?xml version="1.0" encoding="utf-8"?>
+<p:sld xmlns:a="http://schemas.openxmlformats.org/drawingml/2006/main" xmlns:r="http://schemas.openxmlformats.org/officeDocument/2006/relationships" xmlns:p="http://schemas.openxmlformats.org/presentationml/2006/main">
+  <p:cSld>
+    <p:spTree>
+      <p:nvGrpSpPr>
+        <p:cNvPr id="1" name=""/>
+        <p:cNvGrpSpPr/>
+        <p:nvPr/>
+      </p:nvGrpSpPr>
+      <p:grpSpPr>
+        <a:xfrm>
+          <a:off x="0" y="0"/>
+          <a:ext cx="0" cy="0"/>
+          <a:chOff x="0" y="0"/>
+          <a:chExt cx="0" cy="0"/>
+        </a:xfrm>
+      </p:grpSpPr>
+      <p:sp>
+        <p:nvSpPr>
+          <p:cNvPr id="5" name="內容版面配置區 4"/>
+          <p:cNvSpPr>
+            <a:spLocks noGrp="1"/>
+          </p:cNvSpPr>
+          <p:nvPr>
+            <p:ph idx="1"/>
+          </p:nvPr>
+        </p:nvSpPr>
+        <p:spPr>
+          <a:xfrm>
+            <a:off x="0" y="1563638"/>
+            <a:ext cx="9144000" cy="1803647"/>
+          </a:xfrm>
+        </p:spPr>
+        <p:txBody>
+          <a:bodyPr anchor="ctr">
+            <a:normAutofit/>
+          </a:bodyPr>
+          <a:lstStyle/>
+          <a:p>
+            <a:pPr marL="0" indent="0" algn="ctr">
+              <a:buNone/>
+            </a:pPr>
+            <a:r>
+              <a:rPr lang="zh-TW" altLang="en-US" sz="4800" b="1" dirty="0">
+                <a:solidFill>
+                  <a:srgbClr val="660033"/>
+                </a:solidFill>
+                <a:effectLst/>
+                <a:latin typeface="Microsoft JhengHei" pitchFamily="34" charset="-120"/>
+                <a:ea typeface="Microsoft JhengHei" pitchFamily="34" charset="-120"/>
+              </a:rPr>
+              <a:t>我是個罪人蒙恩典</a:t>
+            </a:r>
+            <a:endParaRPr lang="en-US" altLang="zh-TW" sz="4800" b="1" dirty="0">
+              <a:solidFill>
+                <a:srgbClr val="660033"/>
+              </a:solidFill>
+              <a:effectLst/>
+              <a:latin typeface="Microsoft JhengHei" pitchFamily="34" charset="-120"/>
+              <a:ea typeface="Microsoft JhengHei" pitchFamily="34" charset="-120"/>
+            </a:endParaRPr>
+          </a:p>
+          <a:p>
+            <a:pPr marL="0" indent="0" algn="ctr">
+              <a:buNone/>
+            </a:pPr>
+            <a:r>
+              <a:rPr lang="zh-TW" altLang="en-US" sz="4800" b="1" dirty="0">
+                <a:solidFill>
+                  <a:srgbClr val="660033"/>
+                </a:solidFill>
+                <a:effectLst/>
+                <a:latin typeface="Microsoft JhengHei" pitchFamily="34" charset="-120"/>
+                <a:ea typeface="Microsoft JhengHei" pitchFamily="34" charset="-120"/>
+              </a:rPr>
+              <a:t>一切的罪惡得赦免</a:t>
+            </a:r>
+            <a:endParaRPr lang="en-US" altLang="zh-TW" sz="4800" b="1" dirty="0">
+              <a:solidFill>
+                <a:srgbClr val="660033"/>
+              </a:solidFill>
+              <a:effectLst/>
+              <a:latin typeface="Microsoft JhengHei" pitchFamily="34" charset="-120"/>
+              <a:ea typeface="Microsoft JhengHei" pitchFamily="34" charset="-120"/>
+            </a:endParaRPr>
+          </a:p>
+        </p:txBody>
+      </p:sp>
+    </p:spTree>
+    <p:extLst>
+      <p:ext uri="{BB962C8B-B14F-4D97-AF65-F5344CB8AC3E}">
+        <p14:creationId xmlns:p14="http://schemas.microsoft.com/office/powerpoint/2010/main" val="1797308909"/>
+      </p:ext>
+    </p:extLst>
+  </p:cSld>
+  <p:clrMapOvr>
+    <a:masterClrMapping/>
+  </p:clrMapOvr>
+  <p:timing>
+    <p:tnLst>
+      <p:par>
+        <p:cTn id="1" dur="indefinite" restart="never" nodeType="tmRoot"/>
+      </p:par>
+    </p:tnLst>
+  </p:timing>
+</p:sld>
+</file>
+
+<file path=ppt/slides/slide17.xml><?xml version="1.0" encoding="utf-8"?>
+<p:sld xmlns:a="http://schemas.openxmlformats.org/drawingml/2006/main" xmlns:r="http://schemas.openxmlformats.org/officeDocument/2006/relationships" xmlns:p="http://schemas.openxmlformats.org/presentationml/2006/main">
+  <p:cSld>
+    <p:spTree>
+      <p:nvGrpSpPr>
+        <p:cNvPr id="1" name=""/>
+        <p:cNvGrpSpPr/>
+        <p:nvPr/>
+      </p:nvGrpSpPr>
+      <p:grpSpPr>
+        <a:xfrm>
+          <a:off x="0" y="0"/>
+          <a:ext cx="0" cy="0"/>
+          <a:chOff x="0" y="0"/>
+          <a:chExt cx="0" cy="0"/>
+        </a:xfrm>
+      </p:grpSpPr>
+      <p:sp>
+        <p:nvSpPr>
+          <p:cNvPr id="5" name="內容版面配置區 4"/>
+          <p:cNvSpPr>
+            <a:spLocks noGrp="1"/>
+          </p:cNvSpPr>
+          <p:nvPr>
+            <p:ph idx="1"/>
+          </p:nvPr>
+        </p:nvSpPr>
+        <p:spPr>
+          <a:xfrm>
+            <a:off x="0" y="1563638"/>
+            <a:ext cx="9144000" cy="1803647"/>
+          </a:xfrm>
+        </p:spPr>
+        <p:txBody>
+          <a:bodyPr anchor="ctr">
+            <a:normAutofit/>
+          </a:bodyPr>
+          <a:lstStyle/>
+          <a:p>
+            <a:pPr marL="0" indent="0" algn="ctr">
+              <a:buNone/>
+            </a:pPr>
+            <a:r>
+              <a:rPr lang="zh-TW" altLang="en-US" sz="4800" b="1" dirty="0">
+                <a:solidFill>
+                  <a:srgbClr val="660033"/>
+                </a:solidFill>
+                <a:effectLst/>
+                <a:latin typeface="Microsoft JhengHei" pitchFamily="34" charset="-120"/>
+                <a:ea typeface="Microsoft JhengHei" pitchFamily="34" charset="-120"/>
+              </a:rPr>
+              <a:t>讚美主耶穌   榮耀都歸</a:t>
+            </a:r>
+            <a:r>
+              <a:rPr lang="zh-CN" altLang="en-US" sz="4800" b="1" dirty="0">
+                <a:solidFill>
+                  <a:srgbClr val="660033"/>
+                </a:solidFill>
+                <a:effectLst/>
+                <a:latin typeface="Microsoft JhengHei" pitchFamily="34" charset="-120"/>
+                <a:ea typeface="Microsoft JhengHei" pitchFamily="34" charset="-120"/>
+              </a:rPr>
+              <a:t>天父</a:t>
+            </a:r>
+            <a:endParaRPr lang="en-US" altLang="zh-TW" sz="4800" b="1" dirty="0">
+              <a:solidFill>
+                <a:srgbClr val="660033"/>
+              </a:solidFill>
+              <a:effectLst/>
+              <a:latin typeface="Microsoft JhengHei" pitchFamily="34" charset="-120"/>
+              <a:ea typeface="Microsoft JhengHei" pitchFamily="34" charset="-120"/>
+            </a:endParaRPr>
+          </a:p>
+          <a:p>
+            <a:pPr marL="0" indent="0" algn="ctr">
+              <a:buNone/>
+            </a:pPr>
+            <a:r>
+              <a:rPr lang="zh-TW" altLang="en-US" sz="4800" b="1" dirty="0">
+                <a:solidFill>
+                  <a:srgbClr val="660033"/>
+                </a:solidFill>
+                <a:effectLst/>
+                <a:latin typeface="Microsoft JhengHei" pitchFamily="34" charset="-120"/>
+                <a:ea typeface="Microsoft JhengHei" pitchFamily="34" charset="-120"/>
+              </a:rPr>
+              <a:t>我只是個罪人   蒙救恩</a:t>
+            </a:r>
+          </a:p>
+        </p:txBody>
+      </p:sp>
+    </p:spTree>
+    <p:extLst>
+      <p:ext uri="{BB962C8B-B14F-4D97-AF65-F5344CB8AC3E}">
+        <p14:creationId xmlns:p14="http://schemas.microsoft.com/office/powerpoint/2010/main" val="1541493655"/>
       </p:ext>
     </p:extLst>
   </p:cSld>
@@ -3469,78 +4371,45 @@
       </p:grpSpPr>
       <p:sp>
         <p:nvSpPr>
-          <p:cNvPr id="2" name="Title 1"/>
-          <p:cNvSpPr>
-            <a:spLocks noGrp="1"/>
-          </p:cNvSpPr>
-          <p:nvPr>
-            <p:ph type="title"/>
-          </p:nvPr>
-        </p:nvSpPr>
-        <p:spPr/>
-        <p:txBody>
-          <a:bodyPr/>
-          <a:lstStyle/>
-          <a:p>
-            <a:r>
-              <a:rPr lang="zh-TW" altLang="en-US" b="1" dirty="0">
-                <a:solidFill>
-                  <a:srgbClr val="660033"/>
-                </a:solidFill>
+          <p:cNvPr id="5" name="內容版面配置區 4"/>
+          <p:cNvSpPr>
+            <a:spLocks noGrp="1"/>
+          </p:cNvSpPr>
+          <p:nvPr>
+            <p:ph idx="1"/>
+          </p:nvPr>
+        </p:nvSpPr>
+        <p:spPr>
+          <a:xfrm>
+            <a:off x="0" y="1563638"/>
+            <a:ext cx="9144000" cy="1803647"/>
+          </a:xfrm>
+        </p:spPr>
+        <p:txBody>
+          <a:bodyPr anchor="ctr">
+            <a:normAutofit/>
+          </a:bodyPr>
+          <a:lstStyle/>
+          <a:p>
+            <a:pPr marL="0" indent="0" algn="ctr">
+              <a:buNone/>
+            </a:pPr>
+            <a:r>
+              <a:rPr lang="zh-TW" altLang="en-US" sz="4800" b="1" dirty="0">
+                <a:solidFill>
+                  <a:srgbClr val="660033"/>
+                </a:solidFill>
+                <a:effectLst/>
                 <a:latin typeface="Microsoft JhengHei" pitchFamily="34" charset="-120"/>
                 <a:ea typeface="Microsoft JhengHei" pitchFamily="34" charset="-120"/>
               </a:rPr>
-              <a:t>我只是個罪人</a:t>
-            </a:r>
-            <a:endParaRPr lang="en-US" b="1" dirty="0">
-              <a:solidFill>
-                <a:srgbClr val="660033"/>
-              </a:solidFill>
-              <a:latin typeface="Microsoft JhengHei" pitchFamily="34" charset="-120"/>
-              <a:ea typeface="Microsoft JhengHei" pitchFamily="34" charset="-120"/>
-            </a:endParaRPr>
-          </a:p>
-        </p:txBody>
-      </p:sp>
-      <p:sp>
-        <p:nvSpPr>
-          <p:cNvPr id="3" name="Content Placeholder 2"/>
-          <p:cNvSpPr>
-            <a:spLocks noGrp="1"/>
-          </p:cNvSpPr>
-          <p:nvPr>
-            <p:ph idx="1"/>
-          </p:nvPr>
-        </p:nvSpPr>
-        <p:spPr>
-          <a:xfrm>
-            <a:off x="0" y="1200151"/>
-            <a:ext cx="9144000" cy="3394472"/>
-          </a:xfrm>
-        </p:spPr>
-        <p:txBody>
-          <a:bodyPr>
-            <a:noAutofit/>
-          </a:bodyPr>
-          <a:lstStyle/>
-          <a:p>
-            <a:pPr marL="0" indent="0" algn="ctr">
-              <a:buNone/>
-            </a:pPr>
-            <a:r>
-              <a:rPr lang="zh-TW" altLang="en-US" sz="4800" b="1" dirty="0">
-                <a:solidFill>
-                  <a:srgbClr val="660033"/>
-                </a:solidFill>
-                <a:latin typeface="Microsoft JhengHei" pitchFamily="34" charset="-120"/>
-                <a:ea typeface="Microsoft JhengHei" pitchFamily="34" charset="-120"/>
-              </a:rPr>
-              <a:t>我是個罪人蒙恩典</a:t>
+              <a:t>我一切所有  無非是接受</a:t>
             </a:r>
             <a:endParaRPr lang="en-US" altLang="zh-TW" sz="4800" b="1" dirty="0">
               <a:solidFill>
                 <a:srgbClr val="660033"/>
               </a:solidFill>
+              <a:effectLst/>
               <a:latin typeface="Microsoft JhengHei" pitchFamily="34" charset="-120"/>
               <a:ea typeface="Microsoft JhengHei" pitchFamily="34" charset="-120"/>
             </a:endParaRPr>
@@ -3554,131 +4423,60 @@
                 <a:solidFill>
                   <a:srgbClr val="660033"/>
                 </a:solidFill>
+                <a:effectLst/>
                 <a:latin typeface="Microsoft JhengHei" pitchFamily="34" charset="-120"/>
                 <a:ea typeface="Microsoft JhengHei" pitchFamily="34" charset="-120"/>
               </a:rPr>
-              <a:t>一切的罪惡得赦免</a:t>
+              <a:t>都是主賜下  在我信之後</a:t>
             </a:r>
             <a:endParaRPr lang="en-US" altLang="zh-TW" sz="4800" b="1" dirty="0">
               <a:solidFill>
                 <a:srgbClr val="660033"/>
               </a:solidFill>
+              <a:effectLst/>
               <a:latin typeface="Microsoft JhengHei" pitchFamily="34" charset="-120"/>
               <a:ea typeface="Microsoft JhengHei" pitchFamily="34" charset="-120"/>
             </a:endParaRPr>
           </a:p>
-          <a:p>
-            <a:pPr marL="0" indent="0" algn="ctr">
-              <a:buNone/>
-            </a:pPr>
-            <a:r>
-              <a:rPr lang="zh-TW" altLang="en-US" sz="4800" b="1" dirty="0">
-                <a:solidFill>
-                  <a:srgbClr val="660033"/>
-                </a:solidFill>
-                <a:latin typeface="Microsoft JhengHei" pitchFamily="34" charset="-120"/>
-                <a:ea typeface="Microsoft JhengHei" pitchFamily="34" charset="-120"/>
-              </a:rPr>
-              <a:t>讚美主耶穌 </a:t>
-            </a:r>
-            <a:r>
-              <a:rPr lang="zh-TW" altLang="en-US" sz="4800" b="1" dirty="0" smtClean="0">
-                <a:solidFill>
-                  <a:srgbClr val="660033"/>
-                </a:solidFill>
-                <a:latin typeface="Microsoft JhengHei" pitchFamily="34" charset="-120"/>
-                <a:ea typeface="Microsoft JhengHei" pitchFamily="34" charset="-120"/>
-              </a:rPr>
-              <a:t> </a:t>
-            </a:r>
-            <a:r>
-              <a:rPr lang="zh-TW" altLang="en-US" sz="4800" b="1" dirty="0">
-                <a:solidFill>
-                  <a:srgbClr val="660033"/>
-                </a:solidFill>
-                <a:latin typeface="Microsoft JhengHei" pitchFamily="34" charset="-120"/>
-                <a:ea typeface="Microsoft JhengHei" pitchFamily="34" charset="-120"/>
-              </a:rPr>
-              <a:t>榮耀都</a:t>
-            </a:r>
-            <a:r>
-              <a:rPr lang="zh-TW" altLang="en-US" sz="4800" b="1" dirty="0" smtClean="0">
-                <a:solidFill>
-                  <a:srgbClr val="660033"/>
-                </a:solidFill>
-                <a:latin typeface="Microsoft JhengHei" pitchFamily="34" charset="-120"/>
-                <a:ea typeface="Microsoft JhengHei" pitchFamily="34" charset="-120"/>
-              </a:rPr>
-              <a:t>歸</a:t>
-            </a:r>
-            <a:r>
-              <a:rPr lang="zh-CN" altLang="en-US" sz="4800" b="1" dirty="0">
-                <a:solidFill>
-                  <a:srgbClr val="660033"/>
-                </a:solidFill>
-                <a:latin typeface="Microsoft JhengHei" pitchFamily="34" charset="-120"/>
-                <a:ea typeface="Microsoft JhengHei" pitchFamily="34" charset="-120"/>
-              </a:rPr>
-              <a:t>天父</a:t>
-            </a:r>
-            <a:endParaRPr lang="en-US" altLang="zh-TW" sz="4800" b="1" dirty="0">
+        </p:txBody>
+      </p:sp>
+      <p:sp>
+        <p:nvSpPr>
+          <p:cNvPr id="3" name="TextBox 2"/>
+          <p:cNvSpPr txBox="1"/>
+          <p:nvPr/>
+        </p:nvSpPr>
+        <p:spPr>
+          <a:xfrm>
+            <a:off x="0" y="3795886"/>
+            <a:ext cx="9144000" cy="646331"/>
+          </a:xfrm>
+          <a:prstGeom prst="rect">
+            <a:avLst/>
+          </a:prstGeom>
+          <a:noFill/>
+        </p:spPr>
+        <p:txBody>
+          <a:bodyPr wrap="square" rtlCol="0">
+            <a:spAutoFit/>
+          </a:bodyPr>
+          <a:lstStyle/>
+          <a:p>
+            <a:pPr algn="ctr"/>
+            <a:r>
+              <a:rPr lang="en-US" sz="3600" b="1" dirty="0" smtClean="0">
+                <a:solidFill>
+                  <a:srgbClr val="660033"/>
+                </a:solidFill>
+                <a:effectLst/>
+              </a:rPr>
+              <a:t>( 1 )</a:t>
+            </a:r>
+            <a:endParaRPr lang="vi-VN" sz="3600" b="1" dirty="0">
               <a:solidFill>
                 <a:srgbClr val="660033"/>
               </a:solidFill>
-              <a:latin typeface="Microsoft JhengHei" pitchFamily="34" charset="-120"/>
-              <a:ea typeface="Microsoft JhengHei" pitchFamily="34" charset="-120"/>
-            </a:endParaRPr>
-          </a:p>
-          <a:p>
-            <a:pPr marL="0" indent="0" algn="ctr">
-              <a:buNone/>
-            </a:pPr>
-            <a:r>
-              <a:rPr lang="zh-TW" altLang="en-US" sz="4800" b="1" dirty="0">
-                <a:solidFill>
-                  <a:srgbClr val="660033"/>
-                </a:solidFill>
-                <a:latin typeface="Microsoft JhengHei" pitchFamily="34" charset="-120"/>
-                <a:ea typeface="Microsoft JhengHei" pitchFamily="34" charset="-120"/>
-              </a:rPr>
-              <a:t>我只是個罪</a:t>
-            </a:r>
-            <a:r>
-              <a:rPr lang="zh-TW" altLang="en-US" sz="4800" b="1" dirty="0" smtClean="0">
-                <a:solidFill>
-                  <a:srgbClr val="660033"/>
-                </a:solidFill>
-                <a:latin typeface="Microsoft JhengHei" pitchFamily="34" charset="-120"/>
-                <a:ea typeface="Microsoft JhengHei" pitchFamily="34" charset="-120"/>
-              </a:rPr>
-              <a:t>人  蒙</a:t>
-            </a:r>
-            <a:r>
-              <a:rPr lang="zh-TW" altLang="en-US" sz="4800" b="1" dirty="0">
-                <a:solidFill>
-                  <a:srgbClr val="660033"/>
-                </a:solidFill>
-                <a:latin typeface="Microsoft JhengHei" pitchFamily="34" charset="-120"/>
-                <a:ea typeface="Microsoft JhengHei" pitchFamily="34" charset="-120"/>
-              </a:rPr>
-              <a:t>救</a:t>
-            </a:r>
-            <a:r>
-              <a:rPr lang="zh-TW" altLang="en-US" sz="4800" b="1" dirty="0" smtClean="0">
-                <a:solidFill>
-                  <a:srgbClr val="660033"/>
-                </a:solidFill>
-                <a:latin typeface="Microsoft JhengHei" pitchFamily="34" charset="-120"/>
-                <a:ea typeface="Microsoft JhengHei" pitchFamily="34" charset="-120"/>
-              </a:rPr>
-              <a:t>恩</a:t>
-            </a:r>
-            <a:endParaRPr lang="zh-TW" altLang="en-US" sz="4800" b="1" dirty="0">
-              <a:solidFill>
-                <a:srgbClr val="660033"/>
-              </a:solidFill>
-              <a:latin typeface="Microsoft JhengHei" pitchFamily="34" charset="-120"/>
-              <a:ea typeface="Microsoft JhengHei" pitchFamily="34" charset="-120"/>
+              <a:effectLst/>
             </a:endParaRPr>
           </a:p>
         </p:txBody>
@@ -3686,7 +4484,7 @@
     </p:spTree>
     <p:extLst>
       <p:ext uri="{BB962C8B-B14F-4D97-AF65-F5344CB8AC3E}">
-        <p14:creationId xmlns:p14="http://schemas.microsoft.com/office/powerpoint/2010/main" val="1134103750"/>
+        <p14:creationId xmlns:p14="http://schemas.microsoft.com/office/powerpoint/2010/main" val="2032052464"/>
       </p:ext>
     </p:extLst>
   </p:cSld>
@@ -3722,170 +4520,45 @@
       </p:grpSpPr>
       <p:sp>
         <p:nvSpPr>
-          <p:cNvPr id="2" name="Title 1"/>
-          <p:cNvSpPr>
-            <a:spLocks noGrp="1"/>
-          </p:cNvSpPr>
-          <p:nvPr>
-            <p:ph type="title"/>
-          </p:nvPr>
-        </p:nvSpPr>
-        <p:spPr/>
-        <p:txBody>
-          <a:bodyPr/>
-          <a:lstStyle/>
-          <a:p>
-            <a:r>
-              <a:rPr lang="zh-TW" altLang="en-US" b="1" dirty="0">
-                <a:solidFill>
-                  <a:srgbClr val="660033"/>
-                </a:solidFill>
+          <p:cNvPr id="5" name="內容版面配置區 4"/>
+          <p:cNvSpPr>
+            <a:spLocks noGrp="1"/>
+          </p:cNvSpPr>
+          <p:nvPr>
+            <p:ph idx="1"/>
+          </p:nvPr>
+        </p:nvSpPr>
+        <p:spPr>
+          <a:xfrm>
+            <a:off x="0" y="1563638"/>
+            <a:ext cx="9144000" cy="1803647"/>
+          </a:xfrm>
+        </p:spPr>
+        <p:txBody>
+          <a:bodyPr anchor="ctr">
+            <a:normAutofit/>
+          </a:bodyPr>
+          <a:lstStyle/>
+          <a:p>
+            <a:pPr marL="0" indent="0" algn="ctr">
+              <a:buNone/>
+            </a:pPr>
+            <a:r>
+              <a:rPr lang="zh-TW" altLang="en-US" sz="4800" b="1" dirty="0">
+                <a:solidFill>
+                  <a:srgbClr val="660033"/>
+                </a:solidFill>
+                <a:effectLst/>
                 <a:latin typeface="Microsoft JhengHei" pitchFamily="34" charset="-120"/>
                 <a:ea typeface="Microsoft JhengHei" pitchFamily="34" charset="-120"/>
               </a:rPr>
-              <a:t>我只是個罪人</a:t>
-            </a:r>
-            <a:endParaRPr lang="en-US" b="1" dirty="0">
-              <a:solidFill>
-                <a:srgbClr val="660033"/>
-              </a:solidFill>
-              <a:latin typeface="Microsoft JhengHei" pitchFamily="34" charset="-120"/>
-              <a:ea typeface="Microsoft JhengHei" pitchFamily="34" charset="-120"/>
-            </a:endParaRPr>
-          </a:p>
-        </p:txBody>
-      </p:sp>
-      <p:sp>
-        <p:nvSpPr>
-          <p:cNvPr id="3" name="Content Placeholder 2"/>
-          <p:cNvSpPr>
-            <a:spLocks noGrp="1"/>
-          </p:cNvSpPr>
-          <p:nvPr>
-            <p:ph idx="1"/>
-          </p:nvPr>
-        </p:nvSpPr>
-        <p:spPr>
-          <a:xfrm>
-            <a:off x="0" y="1200151"/>
-            <a:ext cx="9144000" cy="3394472"/>
-          </a:xfrm>
-        </p:spPr>
-        <p:txBody>
-          <a:bodyPr>
-            <a:noAutofit/>
-          </a:bodyPr>
-          <a:lstStyle/>
-          <a:p>
-            <a:pPr marL="0" indent="0" algn="ctr">
-              <a:buNone/>
-            </a:pPr>
-            <a:r>
-              <a:rPr lang="zh-TW" altLang="en-US" sz="4800" b="1" dirty="0">
-                <a:solidFill>
-                  <a:srgbClr val="660033"/>
-                </a:solidFill>
-                <a:latin typeface="Microsoft JhengHei" pitchFamily="34" charset="-120"/>
-                <a:ea typeface="Microsoft JhengHei" pitchFamily="34" charset="-120"/>
-              </a:rPr>
-              <a:t>以前我愚</a:t>
-            </a:r>
-            <a:r>
-              <a:rPr lang="zh-TW" altLang="en-US" sz="4800" b="1" dirty="0" smtClean="0">
-                <a:solidFill>
-                  <a:srgbClr val="660033"/>
-                </a:solidFill>
-                <a:latin typeface="Microsoft JhengHei" pitchFamily="34" charset="-120"/>
-                <a:ea typeface="Microsoft JhengHei" pitchFamily="34" charset="-120"/>
-              </a:rPr>
-              <a:t>拙  罪</a:t>
-            </a:r>
-            <a:r>
-              <a:rPr lang="zh-TW" altLang="en-US" sz="4800" b="1" dirty="0">
-                <a:solidFill>
-                  <a:srgbClr val="660033"/>
-                </a:solidFill>
-                <a:latin typeface="Microsoft JhengHei" pitchFamily="34" charset="-120"/>
-                <a:ea typeface="Microsoft JhengHei" pitchFamily="34" charset="-120"/>
-              </a:rPr>
-              <a:t>惡管我</a:t>
-            </a:r>
-            <a:r>
-              <a:rPr lang="zh-TW" altLang="en-US" sz="4800" b="1" dirty="0" smtClean="0">
-                <a:solidFill>
-                  <a:srgbClr val="660033"/>
-                </a:solidFill>
-                <a:latin typeface="Microsoft JhengHei" pitchFamily="34" charset="-120"/>
-                <a:ea typeface="Microsoft JhengHei" pitchFamily="34" charset="-120"/>
-              </a:rPr>
-              <a:t>心</a:t>
-            </a:r>
-            <a:endParaRPr lang="en-US" altLang="zh-TW" sz="4800" b="1" dirty="0" smtClean="0">
-              <a:solidFill>
-                <a:srgbClr val="660033"/>
-              </a:solidFill>
-              <a:latin typeface="Microsoft JhengHei" pitchFamily="34" charset="-120"/>
-              <a:ea typeface="Microsoft JhengHei" pitchFamily="34" charset="-120"/>
-            </a:endParaRPr>
-          </a:p>
-          <a:p>
-            <a:pPr marL="0" indent="0" algn="ctr">
-              <a:buNone/>
-            </a:pPr>
-            <a:r>
-              <a:rPr lang="zh-TW" altLang="en-US" sz="4800" b="1" dirty="0" smtClean="0">
-                <a:solidFill>
-                  <a:srgbClr val="660033"/>
-                </a:solidFill>
-                <a:latin typeface="Microsoft JhengHei" pitchFamily="34" charset="-120"/>
-                <a:ea typeface="Microsoft JhengHei" pitchFamily="34" charset="-120"/>
-              </a:rPr>
-              <a:t>使</a:t>
-            </a:r>
-            <a:r>
-              <a:rPr lang="zh-TW" altLang="en-US" sz="4800" b="1" dirty="0">
-                <a:solidFill>
-                  <a:srgbClr val="660033"/>
-                </a:solidFill>
-                <a:latin typeface="Microsoft JhengHei" pitchFamily="34" charset="-120"/>
-                <a:ea typeface="Microsoft JhengHei" pitchFamily="34" charset="-120"/>
-              </a:rPr>
-              <a:t>我的腳</a:t>
-            </a:r>
-            <a:r>
-              <a:rPr lang="zh-TW" altLang="en-US" sz="4800" b="1" dirty="0" smtClean="0">
-                <a:solidFill>
-                  <a:srgbClr val="660033"/>
-                </a:solidFill>
-                <a:latin typeface="Microsoft JhengHei" pitchFamily="34" charset="-120"/>
-                <a:ea typeface="Microsoft JhengHei" pitchFamily="34" charset="-120"/>
-              </a:rPr>
-              <a:t>步  離</a:t>
-            </a:r>
-            <a:r>
-              <a:rPr lang="zh-TW" altLang="en-US" sz="4800" b="1" dirty="0">
-                <a:solidFill>
-                  <a:srgbClr val="660033"/>
-                </a:solidFill>
-                <a:latin typeface="Microsoft JhengHei" pitchFamily="34" charset="-120"/>
-                <a:ea typeface="Microsoft JhengHei" pitchFamily="34" charset="-120"/>
-              </a:rPr>
-              <a:t>天父遠</a:t>
-            </a:r>
-            <a:r>
-              <a:rPr lang="zh-TW" altLang="en-US" sz="4800" b="1" dirty="0" smtClean="0">
-                <a:solidFill>
-                  <a:srgbClr val="660033"/>
-                </a:solidFill>
-                <a:latin typeface="Microsoft JhengHei" pitchFamily="34" charset="-120"/>
-                <a:ea typeface="Microsoft JhengHei" pitchFamily="34" charset="-120"/>
-              </a:rPr>
-              <a:t>行</a:t>
+              <a:t>故我不自誇  驕傲亦憎</a:t>
             </a:r>
             <a:endParaRPr lang="en-US" altLang="zh-TW" sz="4800" b="1" dirty="0">
               <a:solidFill>
                 <a:srgbClr val="660033"/>
               </a:solidFill>
+              <a:effectLst/>
               <a:latin typeface="Microsoft JhengHei" pitchFamily="34" charset="-120"/>
               <a:ea typeface="Microsoft JhengHei" pitchFamily="34" charset="-120"/>
             </a:endParaRPr>
@@ -3895,147 +4568,51 @@
               <a:buNone/>
             </a:pPr>
             <a:r>
-              <a:rPr lang="zh-TW" altLang="en-US" sz="4800" b="1" dirty="0" smtClean="0">
-                <a:solidFill>
-                  <a:srgbClr val="660033"/>
-                </a:solidFill>
+              <a:rPr lang="zh-TW" altLang="en-US" sz="4800" b="1" dirty="0">
+                <a:solidFill>
+                  <a:srgbClr val="660033"/>
+                </a:solidFill>
+                <a:effectLst/>
                 <a:latin typeface="Microsoft JhengHei" pitchFamily="34" charset="-120"/>
                 <a:ea typeface="Microsoft JhengHei" pitchFamily="34" charset="-120"/>
               </a:rPr>
-              <a:t>幸</a:t>
-            </a:r>
-            <a:r>
-              <a:rPr lang="zh-TW" altLang="en-US" sz="4800" b="1" dirty="0">
-                <a:solidFill>
-                  <a:srgbClr val="660033"/>
-                </a:solidFill>
+              <a:t>我只是個罪人  蒙</a:t>
+            </a:r>
+            <a:r>
+              <a:rPr lang="zh-CN" altLang="en-US" sz="4800" b="1" dirty="0">
+                <a:solidFill>
+                  <a:srgbClr val="660033"/>
+                </a:solidFill>
+                <a:effectLst/>
                 <a:latin typeface="Microsoft JhengHei" pitchFamily="34" charset="-120"/>
                 <a:ea typeface="Microsoft JhengHei" pitchFamily="34" charset="-120"/>
               </a:rPr>
-              <a:t>主已尋</a:t>
-            </a:r>
-            <a:r>
-              <a:rPr lang="zh-TW" altLang="en-US" sz="4800" b="1" dirty="0" smtClean="0">
-                <a:solidFill>
-                  <a:srgbClr val="660033"/>
-                </a:solidFill>
+              <a:t>救</a:t>
+            </a:r>
+            <a:r>
+              <a:rPr lang="zh-TW" altLang="en-US" sz="4800" b="1" dirty="0">
+                <a:solidFill>
+                  <a:srgbClr val="660033"/>
+                </a:solidFill>
+                <a:effectLst/>
                 <a:latin typeface="Microsoft JhengHei" pitchFamily="34" charset="-120"/>
                 <a:ea typeface="Microsoft JhengHei" pitchFamily="34" charset="-120"/>
               </a:rPr>
-              <a:t>找  喜</a:t>
-            </a:r>
-            <a:r>
-              <a:rPr lang="zh-TW" altLang="en-US" sz="4800" b="1" dirty="0">
-                <a:solidFill>
-                  <a:srgbClr val="660033"/>
-                </a:solidFill>
-                <a:latin typeface="Microsoft JhengHei" pitchFamily="34" charset="-120"/>
-                <a:ea typeface="Microsoft JhengHei" pitchFamily="34" charset="-120"/>
-              </a:rPr>
-              <a:t>樂萬</a:t>
-            </a:r>
-            <a:r>
-              <a:rPr lang="zh-TW" altLang="en-US" sz="4800" b="1" dirty="0" smtClean="0">
-                <a:solidFill>
-                  <a:srgbClr val="660033"/>
-                </a:solidFill>
-                <a:latin typeface="Microsoft JhengHei" pitchFamily="34" charset="-120"/>
-                <a:ea typeface="Microsoft JhengHei" pitchFamily="34" charset="-120"/>
-              </a:rPr>
-              <a:t>分</a:t>
-            </a:r>
-            <a:endParaRPr lang="en-US" altLang="zh-TW" sz="4800" b="1" dirty="0" smtClean="0">
-              <a:solidFill>
-                <a:srgbClr val="660033"/>
-              </a:solidFill>
-              <a:latin typeface="Microsoft JhengHei" pitchFamily="34" charset="-120"/>
-              <a:ea typeface="Microsoft JhengHei" pitchFamily="34" charset="-120"/>
-            </a:endParaRPr>
-          </a:p>
-          <a:p>
-            <a:pPr marL="0" indent="0" algn="ctr">
-              <a:buNone/>
-            </a:pPr>
-            <a:r>
-              <a:rPr lang="zh-TW" altLang="en-US" sz="4800" b="1" dirty="0" smtClean="0">
-                <a:solidFill>
-                  <a:srgbClr val="660033"/>
-                </a:solidFill>
-                <a:latin typeface="Microsoft JhengHei" pitchFamily="34" charset="-120"/>
-                <a:ea typeface="Microsoft JhengHei" pitchFamily="34" charset="-120"/>
-              </a:rPr>
-              <a:t>我</a:t>
-            </a:r>
-            <a:r>
-              <a:rPr lang="zh-TW" altLang="en-US" sz="4800" b="1" dirty="0">
-                <a:solidFill>
-                  <a:srgbClr val="660033"/>
-                </a:solidFill>
-                <a:latin typeface="Microsoft JhengHei" pitchFamily="34" charset="-120"/>
-                <a:ea typeface="Microsoft JhengHei" pitchFamily="34" charset="-120"/>
-              </a:rPr>
-              <a:t>只是個罪</a:t>
-            </a:r>
-            <a:r>
-              <a:rPr lang="zh-TW" altLang="en-US" sz="4800" b="1" dirty="0" smtClean="0">
-                <a:solidFill>
-                  <a:srgbClr val="660033"/>
-                </a:solidFill>
-                <a:latin typeface="Microsoft JhengHei" pitchFamily="34" charset="-120"/>
-                <a:ea typeface="Microsoft JhengHei" pitchFamily="34" charset="-120"/>
-              </a:rPr>
-              <a:t>人  </a:t>
-            </a:r>
-            <a:r>
-              <a:rPr lang="zh-TW" altLang="en-US" sz="4800" b="1" dirty="0" smtClean="0">
-                <a:solidFill>
-                  <a:srgbClr val="660033"/>
-                </a:solidFill>
-                <a:latin typeface="Microsoft JhengHei" pitchFamily="34" charset="-120"/>
-                <a:ea typeface="Microsoft JhengHei" pitchFamily="34" charset="-120"/>
-              </a:rPr>
-              <a:t>蒙</a:t>
-            </a:r>
-            <a:r>
-              <a:rPr lang="zh-CN" altLang="en-US" sz="4800" b="1" dirty="0">
-                <a:solidFill>
-                  <a:srgbClr val="660033"/>
-                </a:solidFill>
-                <a:latin typeface="Microsoft JhengHei" pitchFamily="34" charset="-120"/>
-                <a:ea typeface="Microsoft JhengHei" pitchFamily="34" charset="-120"/>
-              </a:rPr>
-              <a:t>救</a:t>
-            </a:r>
-            <a:r>
-              <a:rPr lang="zh-TW" altLang="en-US" sz="4800" b="1" dirty="0" smtClean="0">
-                <a:solidFill>
-                  <a:srgbClr val="660033"/>
-                </a:solidFill>
-                <a:latin typeface="Microsoft JhengHei" pitchFamily="34" charset="-120"/>
-                <a:ea typeface="Microsoft JhengHei" pitchFamily="34" charset="-120"/>
-              </a:rPr>
               <a:t>恩</a:t>
             </a:r>
-            <a:endParaRPr lang="zh-TW" altLang="en-US" sz="4800" b="1" dirty="0">
-              <a:solidFill>
-                <a:srgbClr val="660033"/>
-              </a:solidFill>
-              <a:latin typeface="Microsoft JhengHei" pitchFamily="34" charset="-120"/>
-              <a:ea typeface="Microsoft JhengHei" pitchFamily="34" charset="-120"/>
-            </a:endParaRPr>
-          </a:p>
-        </p:txBody>
-      </p:sp>
-      <p:sp>
-        <p:nvSpPr>
-          <p:cNvPr id="4" name="TextBox 3"/>
+          </a:p>
+        </p:txBody>
+      </p:sp>
+      <p:sp>
+        <p:nvSpPr>
+          <p:cNvPr id="3" name="TextBox 2"/>
           <p:cNvSpPr txBox="1"/>
           <p:nvPr/>
         </p:nvSpPr>
         <p:spPr>
           <a:xfrm>
-            <a:off x="323528" y="1275606"/>
-            <a:ext cx="792088" cy="830997"/>
+            <a:off x="0" y="3795886"/>
+            <a:ext cx="9144000" cy="646331"/>
           </a:xfrm>
           <a:prstGeom prst="rect">
             <a:avLst/>
@@ -4048,26 +4625,21 @@
           </a:bodyPr>
           <a:lstStyle/>
           <a:p>
-            <a:r>
-              <a:rPr lang="en-US" sz="4800" b="1" dirty="0">
-                <a:solidFill>
-                  <a:srgbClr val="660033"/>
-                </a:solidFill>
-              </a:rPr>
-              <a:t>2</a:t>
-            </a:r>
-            <a:r>
-              <a:rPr lang="en-US" sz="4800" b="1" dirty="0" smtClean="0">
-                <a:solidFill>
-                  <a:srgbClr val="660033"/>
-                </a:solidFill>
-              </a:rPr>
-              <a:t>.</a:t>
-            </a:r>
-            <a:endParaRPr lang="vi-VN" sz="4800" b="1" dirty="0">
+            <a:pPr algn="ctr"/>
+            <a:r>
+              <a:rPr lang="en-US" sz="3600" b="1" dirty="0">
+                <a:solidFill>
+                  <a:srgbClr val="660033"/>
+                </a:solidFill>
+                <a:effectLst/>
+              </a:rPr>
+              <a:t>( 1 )</a:t>
+            </a:r>
+            <a:endParaRPr lang="vi-VN" sz="3600" b="1" dirty="0">
               <a:solidFill>
                 <a:srgbClr val="660033"/>
               </a:solidFill>
+              <a:effectLst/>
             </a:endParaRPr>
           </a:p>
         </p:txBody>
@@ -4075,13 +4647,20 @@
     </p:spTree>
     <p:extLst>
       <p:ext uri="{BB962C8B-B14F-4D97-AF65-F5344CB8AC3E}">
-        <p14:creationId xmlns:p14="http://schemas.microsoft.com/office/powerpoint/2010/main" val="3627175802"/>
+        <p14:creationId xmlns:p14="http://schemas.microsoft.com/office/powerpoint/2010/main" val="2630110846"/>
       </p:ext>
     </p:extLst>
   </p:cSld>
   <p:clrMapOvr>
     <a:masterClrMapping/>
   </p:clrMapOvr>
+  <p:timing>
+    <p:tnLst>
+      <p:par>
+        <p:cTn id="1" dur="indefinite" restart="never" nodeType="tmRoot"/>
+      </p:par>
+    </p:tnLst>
+  </p:timing>
 </p:sld>
 </file>
 
@@ -4104,42 +4683,7 @@
       </p:grpSpPr>
       <p:sp>
         <p:nvSpPr>
-          <p:cNvPr id="2" name="Title 1"/>
-          <p:cNvSpPr>
-            <a:spLocks noGrp="1"/>
-          </p:cNvSpPr>
-          <p:nvPr>
-            <p:ph type="title"/>
-          </p:nvPr>
-        </p:nvSpPr>
-        <p:spPr/>
-        <p:txBody>
-          <a:bodyPr/>
-          <a:lstStyle/>
-          <a:p>
-            <a:r>
-              <a:rPr lang="zh-TW" altLang="en-US" b="1" dirty="0">
-                <a:solidFill>
-                  <a:srgbClr val="660033"/>
-                </a:solidFill>
-                <a:latin typeface="Microsoft JhengHei" pitchFamily="34" charset="-120"/>
-                <a:ea typeface="Microsoft JhengHei" pitchFamily="34" charset="-120"/>
-              </a:rPr>
-              <a:t>我只是個罪人</a:t>
-            </a:r>
-            <a:endParaRPr lang="en-US" b="1" dirty="0">
-              <a:solidFill>
-                <a:srgbClr val="660033"/>
-              </a:solidFill>
-              <a:latin typeface="Microsoft JhengHei" pitchFamily="34" charset="-120"/>
-              <a:ea typeface="Microsoft JhengHei" pitchFamily="34" charset="-120"/>
-            </a:endParaRPr>
-          </a:p>
-        </p:txBody>
-      </p:sp>
-      <p:sp>
-        <p:nvSpPr>
-          <p:cNvPr id="3" name="Content Placeholder 2"/>
+          <p:cNvPr id="5" name="內容版面配置區 4"/>
           <p:cNvSpPr>
             <a:spLocks noGrp="1"/>
           </p:cNvSpPr>
@@ -4149,13 +4693,13 @@
         </p:nvSpPr>
         <p:spPr>
           <a:xfrm>
-            <a:off x="0" y="1200151"/>
-            <a:ext cx="9144000" cy="3394472"/>
+            <a:off x="0" y="1563638"/>
+            <a:ext cx="9144000" cy="1803647"/>
           </a:xfrm>
         </p:spPr>
         <p:txBody>
-          <a:bodyPr>
-            <a:noAutofit/>
+          <a:bodyPr anchor="ctr">
+            <a:normAutofit/>
           </a:bodyPr>
           <a:lstStyle/>
           <a:p>
@@ -4167,6 +4711,7 @@
                 <a:solidFill>
                   <a:srgbClr val="660033"/>
                 </a:solidFill>
+                <a:effectLst/>
                 <a:latin typeface="Microsoft JhengHei" pitchFamily="34" charset="-120"/>
                 <a:ea typeface="Microsoft JhengHei" pitchFamily="34" charset="-120"/>
               </a:rPr>
@@ -4176,6 +4721,7 @@
               <a:solidFill>
                 <a:srgbClr val="660033"/>
               </a:solidFill>
+              <a:effectLst/>
               <a:latin typeface="Microsoft JhengHei" pitchFamily="34" charset="-120"/>
               <a:ea typeface="Microsoft JhengHei" pitchFamily="34" charset="-120"/>
             </a:endParaRPr>
@@ -4189,6 +4735,7 @@
                 <a:solidFill>
                   <a:srgbClr val="660033"/>
                 </a:solidFill>
+                <a:effectLst/>
                 <a:latin typeface="Microsoft JhengHei" pitchFamily="34" charset="-120"/>
                 <a:ea typeface="Microsoft JhengHei" pitchFamily="34" charset="-120"/>
               </a:rPr>
@@ -4198,116 +4745,30 @@
               <a:solidFill>
                 <a:srgbClr val="660033"/>
               </a:solidFill>
+              <a:effectLst/>
               <a:latin typeface="Microsoft JhengHei" pitchFamily="34" charset="-120"/>
               <a:ea typeface="Microsoft JhengHei" pitchFamily="34" charset="-120"/>
             </a:endParaRPr>
           </a:p>
-          <a:p>
-            <a:pPr marL="0" indent="0" algn="ctr">
-              <a:buNone/>
-            </a:pPr>
-            <a:r>
-              <a:rPr lang="zh-TW" altLang="en-US" sz="4800" b="1" dirty="0">
-                <a:solidFill>
-                  <a:srgbClr val="660033"/>
-                </a:solidFill>
-                <a:latin typeface="Microsoft JhengHei" pitchFamily="34" charset="-120"/>
-                <a:ea typeface="Microsoft JhengHei" pitchFamily="34" charset="-120"/>
-              </a:rPr>
-              <a:t>讚美主耶穌   榮耀都</a:t>
-            </a:r>
-            <a:r>
-              <a:rPr lang="zh-TW" altLang="en-US" sz="4800" b="1" dirty="0" smtClean="0">
-                <a:solidFill>
-                  <a:srgbClr val="660033"/>
-                </a:solidFill>
-                <a:latin typeface="Microsoft JhengHei" pitchFamily="34" charset="-120"/>
-                <a:ea typeface="Microsoft JhengHei" pitchFamily="34" charset="-120"/>
-              </a:rPr>
-              <a:t>歸</a:t>
-            </a:r>
-            <a:r>
-              <a:rPr lang="zh-CN" altLang="en-US" sz="4800" b="1" dirty="0">
-                <a:solidFill>
-                  <a:srgbClr val="660033"/>
-                </a:solidFill>
-                <a:latin typeface="Microsoft JhengHei" pitchFamily="34" charset="-120"/>
-                <a:ea typeface="Microsoft JhengHei" pitchFamily="34" charset="-120"/>
-              </a:rPr>
-              <a:t>天父</a:t>
-            </a:r>
-            <a:endParaRPr lang="en-US" altLang="zh-TW" sz="4800" b="1" dirty="0">
-              <a:solidFill>
-                <a:srgbClr val="660033"/>
-              </a:solidFill>
-              <a:latin typeface="Microsoft JhengHei" pitchFamily="34" charset="-120"/>
-              <a:ea typeface="Microsoft JhengHei" pitchFamily="34" charset="-120"/>
-            </a:endParaRPr>
-          </a:p>
-          <a:p>
-            <a:pPr marL="0" indent="0" algn="ctr">
-              <a:buNone/>
-            </a:pPr>
-            <a:r>
-              <a:rPr lang="zh-TW" altLang="en-US" sz="4800" b="1" dirty="0">
-                <a:solidFill>
-                  <a:srgbClr val="660033"/>
-                </a:solidFill>
-                <a:latin typeface="Microsoft JhengHei" pitchFamily="34" charset="-120"/>
-                <a:ea typeface="Microsoft JhengHei" pitchFamily="34" charset="-120"/>
-              </a:rPr>
-              <a:t>我只是個罪</a:t>
-            </a:r>
-            <a:r>
-              <a:rPr lang="zh-TW" altLang="en-US" sz="4800" b="1" dirty="0" smtClean="0">
-                <a:solidFill>
-                  <a:srgbClr val="660033"/>
-                </a:solidFill>
-                <a:latin typeface="Microsoft JhengHei" pitchFamily="34" charset="-120"/>
-                <a:ea typeface="Microsoft JhengHei" pitchFamily="34" charset="-120"/>
-              </a:rPr>
-              <a:t>人  蒙</a:t>
-            </a:r>
-            <a:r>
-              <a:rPr lang="zh-TW" altLang="en-US" sz="4800" b="1" dirty="0">
-                <a:solidFill>
-                  <a:srgbClr val="660033"/>
-                </a:solidFill>
-                <a:latin typeface="Microsoft JhengHei" pitchFamily="34" charset="-120"/>
-                <a:ea typeface="Microsoft JhengHei" pitchFamily="34" charset="-120"/>
-              </a:rPr>
-              <a:t>救</a:t>
-            </a:r>
-            <a:r>
-              <a:rPr lang="zh-TW" altLang="en-US" sz="4800" b="1" dirty="0" smtClean="0">
-                <a:solidFill>
-                  <a:srgbClr val="660033"/>
-                </a:solidFill>
-                <a:latin typeface="Microsoft JhengHei" pitchFamily="34" charset="-120"/>
-                <a:ea typeface="Microsoft JhengHei" pitchFamily="34" charset="-120"/>
-              </a:rPr>
-              <a:t>恩</a:t>
-            </a:r>
-            <a:endParaRPr lang="zh-TW" altLang="en-US" sz="4800" b="1" dirty="0">
-              <a:solidFill>
-                <a:srgbClr val="660033"/>
-              </a:solidFill>
-              <a:latin typeface="Microsoft JhengHei" pitchFamily="34" charset="-120"/>
-              <a:ea typeface="Microsoft JhengHei" pitchFamily="34" charset="-120"/>
-            </a:endParaRPr>
-          </a:p>
         </p:txBody>
       </p:sp>
     </p:spTree>
     <p:extLst>
       <p:ext uri="{BB962C8B-B14F-4D97-AF65-F5344CB8AC3E}">
-        <p14:creationId xmlns:p14="http://schemas.microsoft.com/office/powerpoint/2010/main" val="3275095645"/>
+        <p14:creationId xmlns:p14="http://schemas.microsoft.com/office/powerpoint/2010/main" val="1849036194"/>
       </p:ext>
     </p:extLst>
   </p:cSld>
   <p:clrMapOvr>
     <a:masterClrMapping/>
   </p:clrMapOvr>
+  <p:timing>
+    <p:tnLst>
+      <p:par>
+        <p:cTn id="1" dur="indefinite" restart="never" nodeType="tmRoot"/>
+      </p:par>
+    </p:tnLst>
+  </p:timing>
 </p:sld>
 </file>
 
@@ -4330,118 +4791,56 @@
       </p:grpSpPr>
       <p:sp>
         <p:nvSpPr>
-          <p:cNvPr id="2" name="Title 1"/>
-          <p:cNvSpPr>
-            <a:spLocks noGrp="1"/>
-          </p:cNvSpPr>
-          <p:nvPr>
-            <p:ph type="title"/>
-          </p:nvPr>
-        </p:nvSpPr>
-        <p:spPr/>
-        <p:txBody>
-          <a:bodyPr/>
-          <a:lstStyle/>
-          <a:p>
-            <a:r>
-              <a:rPr lang="zh-TW" altLang="en-US" b="1" dirty="0">
-                <a:solidFill>
-                  <a:srgbClr val="660033"/>
-                </a:solidFill>
+          <p:cNvPr id="5" name="內容版面配置區 4"/>
+          <p:cNvSpPr>
+            <a:spLocks noGrp="1"/>
+          </p:cNvSpPr>
+          <p:nvPr>
+            <p:ph idx="1"/>
+          </p:nvPr>
+        </p:nvSpPr>
+        <p:spPr>
+          <a:xfrm>
+            <a:off x="0" y="1563638"/>
+            <a:ext cx="9144000" cy="1803647"/>
+          </a:xfrm>
+        </p:spPr>
+        <p:txBody>
+          <a:bodyPr anchor="ctr">
+            <a:normAutofit/>
+          </a:bodyPr>
+          <a:lstStyle/>
+          <a:p>
+            <a:pPr marL="0" indent="0" algn="ctr">
+              <a:buNone/>
+            </a:pPr>
+            <a:r>
+              <a:rPr lang="zh-TW" altLang="en-US" sz="4800" b="1" dirty="0">
+                <a:solidFill>
+                  <a:srgbClr val="660033"/>
+                </a:solidFill>
+                <a:effectLst/>
                 <a:latin typeface="Microsoft JhengHei" pitchFamily="34" charset="-120"/>
                 <a:ea typeface="Microsoft JhengHei" pitchFamily="34" charset="-120"/>
               </a:rPr>
-              <a:t>我只是個罪人</a:t>
-            </a:r>
-            <a:endParaRPr lang="en-US" b="1" dirty="0">
-              <a:solidFill>
-                <a:srgbClr val="660033"/>
-              </a:solidFill>
-              <a:latin typeface="Microsoft JhengHei" pitchFamily="34" charset="-120"/>
-              <a:ea typeface="Microsoft JhengHei" pitchFamily="34" charset="-120"/>
-            </a:endParaRPr>
-          </a:p>
-        </p:txBody>
-      </p:sp>
-      <p:sp>
-        <p:nvSpPr>
-          <p:cNvPr id="3" name="Content Placeholder 2"/>
-          <p:cNvSpPr>
-            <a:spLocks noGrp="1"/>
-          </p:cNvSpPr>
-          <p:nvPr>
-            <p:ph idx="1"/>
-          </p:nvPr>
-        </p:nvSpPr>
-        <p:spPr>
-          <a:xfrm>
-            <a:off x="0" y="1200151"/>
-            <a:ext cx="9144000" cy="3394472"/>
-          </a:xfrm>
-        </p:spPr>
-        <p:txBody>
-          <a:bodyPr>
-            <a:noAutofit/>
-          </a:bodyPr>
-          <a:lstStyle/>
-          <a:p>
-            <a:pPr marL="0" indent="0" algn="ctr">
-              <a:buNone/>
-            </a:pPr>
-            <a:r>
-              <a:rPr lang="zh-TW" altLang="en-US" sz="4800" b="1" dirty="0">
-                <a:solidFill>
-                  <a:srgbClr val="660033"/>
-                </a:solidFill>
+              <a:t>讚美主耶穌   榮耀都歸</a:t>
+            </a:r>
+            <a:r>
+              <a:rPr lang="zh-CN" altLang="en-US" sz="4800" b="1" dirty="0">
+                <a:solidFill>
+                  <a:srgbClr val="660033"/>
+                </a:solidFill>
+                <a:effectLst/>
                 <a:latin typeface="Microsoft JhengHei" pitchFamily="34" charset="-120"/>
                 <a:ea typeface="Microsoft JhengHei" pitchFamily="34" charset="-120"/>
               </a:rPr>
-              <a:t>流淚無功效 </a:t>
-            </a:r>
-            <a:r>
-              <a:rPr lang="zh-TW" altLang="en-US" sz="4800" b="1" dirty="0" smtClean="0">
-                <a:solidFill>
-                  <a:srgbClr val="660033"/>
-                </a:solidFill>
-                <a:latin typeface="Microsoft JhengHei" pitchFamily="34" charset="-120"/>
-                <a:ea typeface="Microsoft JhengHei" pitchFamily="34" charset="-120"/>
-              </a:rPr>
-              <a:t> </a:t>
-            </a:r>
-            <a:r>
-              <a:rPr lang="zh-CN" altLang="en-US" sz="4800" b="1" dirty="0">
-                <a:solidFill>
-                  <a:srgbClr val="660033"/>
-                </a:solidFill>
-                <a:latin typeface="Microsoft JhengHei" pitchFamily="34" charset="-120"/>
-                <a:ea typeface="Microsoft JhengHei" pitchFamily="34" charset="-120"/>
-              </a:rPr>
-              <a:t>功勞</a:t>
-            </a:r>
-            <a:r>
-              <a:rPr lang="zh-TW" altLang="en-US" sz="4800" b="1" dirty="0" smtClean="0">
-                <a:solidFill>
-                  <a:srgbClr val="660033"/>
-                </a:solidFill>
-                <a:latin typeface="Microsoft JhengHei" pitchFamily="34" charset="-120"/>
-                <a:ea typeface="Microsoft JhengHei" pitchFamily="34" charset="-120"/>
-              </a:rPr>
-              <a:t>也</a:t>
-            </a:r>
-            <a:r>
-              <a:rPr lang="zh-TW" altLang="en-US" sz="4800" b="1" dirty="0">
-                <a:solidFill>
-                  <a:srgbClr val="660033"/>
-                </a:solidFill>
-                <a:latin typeface="Microsoft JhengHei" pitchFamily="34" charset="-120"/>
-                <a:ea typeface="Microsoft JhengHei" pitchFamily="34" charset="-120"/>
-              </a:rPr>
-              <a:t>無份</a:t>
+              <a:t>天父</a:t>
             </a:r>
             <a:endParaRPr lang="en-US" altLang="zh-TW" sz="4800" b="1" dirty="0">
               <a:solidFill>
                 <a:srgbClr val="660033"/>
               </a:solidFill>
+              <a:effectLst/>
               <a:latin typeface="Microsoft JhengHei" pitchFamily="34" charset="-120"/>
               <a:ea typeface="Microsoft JhengHei" pitchFamily="34" charset="-120"/>
             </a:endParaRPr>
@@ -4455,201 +4854,32 @@
                 <a:solidFill>
                   <a:srgbClr val="660033"/>
                 </a:solidFill>
+                <a:effectLst/>
                 <a:latin typeface="Microsoft JhengHei" pitchFamily="34" charset="-120"/>
                 <a:ea typeface="Microsoft JhengHei" pitchFamily="34" charset="-120"/>
               </a:rPr>
-              <a:t>主若不救</a:t>
-            </a:r>
-            <a:r>
-              <a:rPr lang="zh-TW" altLang="en-US" sz="4800" b="1" dirty="0" smtClean="0">
-                <a:solidFill>
-                  <a:srgbClr val="660033"/>
-                </a:solidFill>
-                <a:latin typeface="Microsoft JhengHei" pitchFamily="34" charset="-120"/>
-                <a:ea typeface="Microsoft JhengHei" pitchFamily="34" charset="-120"/>
-              </a:rPr>
-              <a:t>我  </a:t>
-            </a:r>
-            <a:r>
-              <a:rPr lang="zh-TW" altLang="en-US" sz="4800" b="1" dirty="0">
-                <a:solidFill>
-                  <a:srgbClr val="660033"/>
-                </a:solidFill>
-                <a:latin typeface="Microsoft JhengHei" pitchFamily="34" charset="-120"/>
-                <a:ea typeface="Microsoft JhengHei" pitchFamily="34" charset="-120"/>
-              </a:rPr>
-              <a:t>必定要沉淪</a:t>
-            </a:r>
-            <a:endParaRPr lang="en-US" altLang="zh-TW" sz="4800" b="1" dirty="0">
-              <a:solidFill>
-                <a:srgbClr val="660033"/>
-              </a:solidFill>
-              <a:latin typeface="Microsoft JhengHei" pitchFamily="34" charset="-120"/>
-              <a:ea typeface="Microsoft JhengHei" pitchFamily="34" charset="-120"/>
-            </a:endParaRPr>
-          </a:p>
-          <a:p>
-            <a:pPr marL="0" indent="0" algn="ctr">
-              <a:buNone/>
-            </a:pPr>
-            <a:r>
-              <a:rPr lang="zh-TW" altLang="en-US" sz="4800" b="1" dirty="0">
-                <a:solidFill>
-                  <a:srgbClr val="660033"/>
-                </a:solidFill>
-                <a:latin typeface="Microsoft JhengHei" pitchFamily="34" charset="-120"/>
-                <a:ea typeface="Microsoft JhengHei" pitchFamily="34" charset="-120"/>
-              </a:rPr>
-              <a:t>罪惡常恐嚇  </a:t>
-            </a:r>
-            <a:r>
-              <a:rPr lang="zh-TW" altLang="en-US" sz="4800" b="1" dirty="0" smtClean="0">
-                <a:solidFill>
-                  <a:srgbClr val="660033"/>
-                </a:solidFill>
-                <a:latin typeface="Microsoft JhengHei" pitchFamily="34" charset="-120"/>
-                <a:ea typeface="Microsoft JhengHei" pitchFamily="34" charset="-120"/>
-              </a:rPr>
-              <a:t>怕</a:t>
-            </a:r>
-            <a:r>
-              <a:rPr lang="zh-TW" altLang="en-US" sz="4800" b="1" dirty="0">
-                <a:solidFill>
-                  <a:srgbClr val="660033"/>
-                </a:solidFill>
-                <a:latin typeface="Microsoft JhengHei" pitchFamily="34" charset="-120"/>
-                <a:ea typeface="Microsoft JhengHei" pitchFamily="34" charset="-120"/>
-              </a:rPr>
-              <a:t>見神面</a:t>
-            </a:r>
-            <a:endParaRPr lang="en-US" altLang="zh-TW" sz="4800" b="1" dirty="0">
-              <a:solidFill>
-                <a:srgbClr val="660033"/>
-              </a:solidFill>
-              <a:latin typeface="Microsoft JhengHei" pitchFamily="34" charset="-120"/>
-              <a:ea typeface="Microsoft JhengHei" pitchFamily="34" charset="-120"/>
-            </a:endParaRPr>
-          </a:p>
-          <a:p>
-            <a:pPr marL="0" indent="0" algn="ctr">
-              <a:buNone/>
-            </a:pPr>
-            <a:r>
-              <a:rPr lang="zh-TW" altLang="en-US" sz="4800" b="1" dirty="0">
-                <a:solidFill>
-                  <a:srgbClr val="660033"/>
-                </a:solidFill>
-                <a:latin typeface="Microsoft JhengHei" pitchFamily="34" charset="-120"/>
-                <a:ea typeface="Microsoft JhengHei" pitchFamily="34" charset="-120"/>
-              </a:rPr>
-              <a:t>我只是個罪</a:t>
-            </a:r>
-            <a:r>
-              <a:rPr lang="zh-TW" altLang="en-US" sz="4800" b="1" dirty="0" smtClean="0">
-                <a:solidFill>
-                  <a:srgbClr val="660033"/>
-                </a:solidFill>
-                <a:latin typeface="Microsoft JhengHei" pitchFamily="34" charset="-120"/>
-                <a:ea typeface="Microsoft JhengHei" pitchFamily="34" charset="-120"/>
-              </a:rPr>
-              <a:t>人  </a:t>
-            </a:r>
-            <a:r>
-              <a:rPr lang="zh-TW" altLang="en-US" sz="4800" b="1" dirty="0" smtClean="0">
-                <a:solidFill>
-                  <a:srgbClr val="660033"/>
-                </a:solidFill>
-                <a:latin typeface="Microsoft JhengHei" pitchFamily="34" charset="-120"/>
-                <a:ea typeface="Microsoft JhengHei" pitchFamily="34" charset="-120"/>
-              </a:rPr>
-              <a:t>蒙</a:t>
-            </a:r>
-            <a:r>
-              <a:rPr lang="zh-CN" altLang="en-US" sz="4800" b="1" dirty="0">
-                <a:solidFill>
-                  <a:srgbClr val="660033"/>
-                </a:solidFill>
-                <a:latin typeface="Microsoft JhengHei" pitchFamily="34" charset="-120"/>
-                <a:ea typeface="Microsoft JhengHei" pitchFamily="34" charset="-120"/>
-              </a:rPr>
-              <a:t>救</a:t>
-            </a:r>
-            <a:r>
-              <a:rPr lang="zh-TW" altLang="en-US" sz="4800" b="1" dirty="0" smtClean="0">
-                <a:solidFill>
-                  <a:srgbClr val="660033"/>
-                </a:solidFill>
-                <a:latin typeface="Microsoft JhengHei" pitchFamily="34" charset="-120"/>
-                <a:ea typeface="Microsoft JhengHei" pitchFamily="34" charset="-120"/>
-              </a:rPr>
-              <a:t>恩</a:t>
-            </a:r>
-            <a:endParaRPr lang="zh-TW" altLang="en-US" sz="4800" b="1" dirty="0">
-              <a:solidFill>
-                <a:srgbClr val="660033"/>
-              </a:solidFill>
-              <a:latin typeface="Microsoft JhengHei" pitchFamily="34" charset="-120"/>
-              <a:ea typeface="Microsoft JhengHei" pitchFamily="34" charset="-120"/>
-            </a:endParaRPr>
-          </a:p>
-        </p:txBody>
-      </p:sp>
-      <p:sp>
-        <p:nvSpPr>
-          <p:cNvPr id="4" name="TextBox 3"/>
-          <p:cNvSpPr txBox="1"/>
-          <p:nvPr/>
-        </p:nvSpPr>
-        <p:spPr>
-          <a:xfrm>
-            <a:off x="323528" y="1275606"/>
-            <a:ext cx="792088" cy="830997"/>
-          </a:xfrm>
-          <a:prstGeom prst="rect">
-            <a:avLst/>
-          </a:prstGeom>
-          <a:noFill/>
-        </p:spPr>
-        <p:txBody>
-          <a:bodyPr wrap="square" rtlCol="0">
-            <a:spAutoFit/>
-          </a:bodyPr>
-          <a:lstStyle/>
-          <a:p>
-            <a:r>
-              <a:rPr lang="en-US" sz="4800" b="1" dirty="0">
-                <a:solidFill>
-                  <a:srgbClr val="660033"/>
-                </a:solidFill>
-              </a:rPr>
-              <a:t>3</a:t>
-            </a:r>
-            <a:r>
-              <a:rPr lang="en-US" sz="4800" b="1" dirty="0" smtClean="0">
-                <a:solidFill>
-                  <a:srgbClr val="660033"/>
-                </a:solidFill>
-              </a:rPr>
-              <a:t>.</a:t>
-            </a:r>
-            <a:endParaRPr lang="vi-VN" sz="4800" b="1" dirty="0">
-              <a:solidFill>
-                <a:srgbClr val="660033"/>
-              </a:solidFill>
-            </a:endParaRPr>
+              <a:t>我只是個罪人   蒙救恩</a:t>
+            </a:r>
           </a:p>
         </p:txBody>
       </p:sp>
     </p:spTree>
     <p:extLst>
       <p:ext uri="{BB962C8B-B14F-4D97-AF65-F5344CB8AC3E}">
-        <p14:creationId xmlns:p14="http://schemas.microsoft.com/office/powerpoint/2010/main" val="2115017233"/>
+        <p14:creationId xmlns:p14="http://schemas.microsoft.com/office/powerpoint/2010/main" val="2881057639"/>
       </p:ext>
     </p:extLst>
   </p:cSld>
   <p:clrMapOvr>
     <a:masterClrMapping/>
   </p:clrMapOvr>
+  <p:timing>
+    <p:tnLst>
+      <p:par>
+        <p:cTn id="1" dur="indefinite" restart="never" nodeType="tmRoot"/>
+      </p:par>
+    </p:tnLst>
+  </p:timing>
 </p:sld>
 </file>
 
@@ -4672,78 +4902,45 @@
       </p:grpSpPr>
       <p:sp>
         <p:nvSpPr>
-          <p:cNvPr id="2" name="Title 1"/>
-          <p:cNvSpPr>
-            <a:spLocks noGrp="1"/>
-          </p:cNvSpPr>
-          <p:nvPr>
-            <p:ph type="title"/>
-          </p:nvPr>
-        </p:nvSpPr>
-        <p:spPr/>
-        <p:txBody>
-          <a:bodyPr/>
-          <a:lstStyle/>
-          <a:p>
-            <a:r>
-              <a:rPr lang="zh-TW" altLang="en-US" b="1" dirty="0">
-                <a:solidFill>
-                  <a:srgbClr val="660033"/>
-                </a:solidFill>
+          <p:cNvPr id="5" name="內容版面配置區 4"/>
+          <p:cNvSpPr>
+            <a:spLocks noGrp="1"/>
+          </p:cNvSpPr>
+          <p:nvPr>
+            <p:ph idx="1"/>
+          </p:nvPr>
+        </p:nvSpPr>
+        <p:spPr>
+          <a:xfrm>
+            <a:off x="0" y="1563638"/>
+            <a:ext cx="9144000" cy="1803647"/>
+          </a:xfrm>
+        </p:spPr>
+        <p:txBody>
+          <a:bodyPr anchor="ctr">
+            <a:normAutofit/>
+          </a:bodyPr>
+          <a:lstStyle/>
+          <a:p>
+            <a:pPr marL="0" indent="0" algn="ctr">
+              <a:buNone/>
+            </a:pPr>
+            <a:r>
+              <a:rPr lang="zh-TW" altLang="en-US" sz="4800" b="1" dirty="0">
+                <a:solidFill>
+                  <a:srgbClr val="660033"/>
+                </a:solidFill>
+                <a:effectLst/>
                 <a:latin typeface="Microsoft JhengHei" pitchFamily="34" charset="-120"/>
                 <a:ea typeface="Microsoft JhengHei" pitchFamily="34" charset="-120"/>
               </a:rPr>
-              <a:t>我只是個罪人</a:t>
-            </a:r>
-            <a:endParaRPr lang="en-US" b="1" dirty="0">
-              <a:solidFill>
-                <a:srgbClr val="660033"/>
-              </a:solidFill>
-              <a:latin typeface="Microsoft JhengHei" pitchFamily="34" charset="-120"/>
-              <a:ea typeface="Microsoft JhengHei" pitchFamily="34" charset="-120"/>
-            </a:endParaRPr>
-          </a:p>
-        </p:txBody>
-      </p:sp>
-      <p:sp>
-        <p:nvSpPr>
-          <p:cNvPr id="3" name="Content Placeholder 2"/>
-          <p:cNvSpPr>
-            <a:spLocks noGrp="1"/>
-          </p:cNvSpPr>
-          <p:nvPr>
-            <p:ph idx="1"/>
-          </p:nvPr>
-        </p:nvSpPr>
-        <p:spPr>
-          <a:xfrm>
-            <a:off x="0" y="1200151"/>
-            <a:ext cx="9144000" cy="3394472"/>
-          </a:xfrm>
-        </p:spPr>
-        <p:txBody>
-          <a:bodyPr>
-            <a:noAutofit/>
-          </a:bodyPr>
-          <a:lstStyle/>
-          <a:p>
-            <a:pPr marL="0" indent="0" algn="ctr">
-              <a:buNone/>
-            </a:pPr>
-            <a:r>
-              <a:rPr lang="zh-TW" altLang="en-US" sz="4800" b="1" dirty="0">
-                <a:solidFill>
-                  <a:srgbClr val="660033"/>
-                </a:solidFill>
-                <a:latin typeface="Microsoft JhengHei" pitchFamily="34" charset="-120"/>
-                <a:ea typeface="Microsoft JhengHei" pitchFamily="34" charset="-120"/>
-              </a:rPr>
-              <a:t>我是個罪人蒙恩典</a:t>
+              <a:t>以前我愚拙  罪惡管我心</a:t>
             </a:r>
             <a:endParaRPr lang="en-US" altLang="zh-TW" sz="4800" b="1" dirty="0">
               <a:solidFill>
                 <a:srgbClr val="660033"/>
               </a:solidFill>
+              <a:effectLst/>
               <a:latin typeface="Microsoft JhengHei" pitchFamily="34" charset="-120"/>
               <a:ea typeface="Microsoft JhengHei" pitchFamily="34" charset="-120"/>
             </a:endParaRPr>
@@ -4757,71 +4954,60 @@
                 <a:solidFill>
                   <a:srgbClr val="660033"/>
                 </a:solidFill>
+                <a:effectLst/>
                 <a:latin typeface="Microsoft JhengHei" pitchFamily="34" charset="-120"/>
                 <a:ea typeface="Microsoft JhengHei" pitchFamily="34" charset="-120"/>
               </a:rPr>
-              <a:t>一切的罪惡得赦免</a:t>
+              <a:t>使我的腳步  離天父遠行</a:t>
             </a:r>
             <a:endParaRPr lang="en-US" altLang="zh-TW" sz="4800" b="1" dirty="0">
               <a:solidFill>
                 <a:srgbClr val="660033"/>
               </a:solidFill>
+              <a:effectLst/>
               <a:latin typeface="Microsoft JhengHei" pitchFamily="34" charset="-120"/>
               <a:ea typeface="Microsoft JhengHei" pitchFamily="34" charset="-120"/>
             </a:endParaRPr>
           </a:p>
-          <a:p>
-            <a:pPr marL="0" indent="0" algn="ctr">
-              <a:buNone/>
-            </a:pPr>
-            <a:r>
-              <a:rPr lang="zh-TW" altLang="en-US" sz="4800" b="1" dirty="0">
-                <a:solidFill>
-                  <a:srgbClr val="660033"/>
-                </a:solidFill>
-                <a:latin typeface="Microsoft JhengHei" pitchFamily="34" charset="-120"/>
-                <a:ea typeface="Microsoft JhengHei" pitchFamily="34" charset="-120"/>
-              </a:rPr>
-              <a:t>讚美主耶穌   榮耀都歸</a:t>
-            </a:r>
-            <a:r>
-              <a:rPr lang="zh-CN" altLang="en-US" sz="4800" b="1" dirty="0">
-                <a:solidFill>
-                  <a:srgbClr val="660033"/>
-                </a:solidFill>
-                <a:latin typeface="Microsoft JhengHei" pitchFamily="34" charset="-120"/>
-                <a:ea typeface="Microsoft JhengHei" pitchFamily="34" charset="-120"/>
-              </a:rPr>
-              <a:t>天父</a:t>
-            </a:r>
-            <a:endParaRPr lang="en-US" altLang="zh-TW" sz="4800" b="1" dirty="0">
+        </p:txBody>
+      </p:sp>
+      <p:sp>
+        <p:nvSpPr>
+          <p:cNvPr id="3" name="TextBox 2"/>
+          <p:cNvSpPr txBox="1"/>
+          <p:nvPr/>
+        </p:nvSpPr>
+        <p:spPr>
+          <a:xfrm>
+            <a:off x="0" y="3795886"/>
+            <a:ext cx="9144000" cy="646331"/>
+          </a:xfrm>
+          <a:prstGeom prst="rect">
+            <a:avLst/>
+          </a:prstGeom>
+          <a:noFill/>
+        </p:spPr>
+        <p:txBody>
+          <a:bodyPr wrap="square" rtlCol="0">
+            <a:spAutoFit/>
+          </a:bodyPr>
+          <a:lstStyle/>
+          <a:p>
+            <a:pPr algn="ctr"/>
+            <a:r>
+              <a:rPr lang="en-US" sz="3600" b="1" dirty="0">
+                <a:solidFill>
+                  <a:srgbClr val="660033"/>
+                </a:solidFill>
+                <a:effectLst/>
+              </a:rPr>
+              <a:t>( 2 )</a:t>
+            </a:r>
+            <a:endParaRPr lang="vi-VN" sz="3600" b="1" dirty="0">
               <a:solidFill>
                 <a:srgbClr val="660033"/>
               </a:solidFill>
-              <a:latin typeface="Microsoft JhengHei" pitchFamily="34" charset="-120"/>
-              <a:ea typeface="Microsoft JhengHei" pitchFamily="34" charset="-120"/>
-            </a:endParaRPr>
-          </a:p>
-          <a:p>
-            <a:pPr marL="0" indent="0" algn="ctr">
-              <a:buNone/>
-            </a:pPr>
-            <a:r>
-              <a:rPr lang="zh-TW" altLang="en-US" sz="4800" b="1" dirty="0">
-                <a:solidFill>
-                  <a:srgbClr val="660033"/>
-                </a:solidFill>
-                <a:latin typeface="Microsoft JhengHei" pitchFamily="34" charset="-120"/>
-                <a:ea typeface="Microsoft JhengHei" pitchFamily="34" charset="-120"/>
-              </a:rPr>
-              <a:t>我只是個罪人  蒙救恩</a:t>
-            </a:r>
-            <a:endParaRPr lang="zh-TW" altLang="en-US" sz="4800" b="1" dirty="0">
-              <a:solidFill>
-                <a:srgbClr val="660033"/>
-              </a:solidFill>
-              <a:latin typeface="Microsoft JhengHei" pitchFamily="34" charset="-120"/>
-              <a:ea typeface="Microsoft JhengHei" pitchFamily="34" charset="-120"/>
+              <a:effectLst/>
             </a:endParaRPr>
           </a:p>
         </p:txBody>
@@ -4829,13 +5015,20 @@
     </p:spTree>
     <p:extLst>
       <p:ext uri="{BB962C8B-B14F-4D97-AF65-F5344CB8AC3E}">
-        <p14:creationId xmlns:p14="http://schemas.microsoft.com/office/powerpoint/2010/main" val="2895884710"/>
+        <p14:creationId xmlns:p14="http://schemas.microsoft.com/office/powerpoint/2010/main" val="593420600"/>
       </p:ext>
     </p:extLst>
   </p:cSld>
   <p:clrMapOvr>
     <a:masterClrMapping/>
   </p:clrMapOvr>
+  <p:timing>
+    <p:tnLst>
+      <p:par>
+        <p:cTn id="1" dur="indefinite" restart="never" nodeType="tmRoot"/>
+      </p:par>
+    </p:tnLst>
+  </p:timing>
 </p:sld>
 </file>
 
@@ -4858,108 +5051,45 @@
       </p:grpSpPr>
       <p:sp>
         <p:nvSpPr>
-          <p:cNvPr id="2" name="Title 1"/>
-          <p:cNvSpPr>
-            <a:spLocks noGrp="1"/>
-          </p:cNvSpPr>
-          <p:nvPr>
-            <p:ph type="title"/>
-          </p:nvPr>
-        </p:nvSpPr>
-        <p:spPr/>
-        <p:txBody>
-          <a:bodyPr/>
-          <a:lstStyle/>
-          <a:p>
-            <a:r>
-              <a:rPr lang="zh-TW" altLang="en-US" b="1" dirty="0">
-                <a:solidFill>
-                  <a:srgbClr val="660033"/>
-                </a:solidFill>
+          <p:cNvPr id="5" name="內容版面配置區 4"/>
+          <p:cNvSpPr>
+            <a:spLocks noGrp="1"/>
+          </p:cNvSpPr>
+          <p:nvPr>
+            <p:ph idx="1"/>
+          </p:nvPr>
+        </p:nvSpPr>
+        <p:spPr>
+          <a:xfrm>
+            <a:off x="0" y="1563638"/>
+            <a:ext cx="9144000" cy="1803647"/>
+          </a:xfrm>
+        </p:spPr>
+        <p:txBody>
+          <a:bodyPr anchor="ctr">
+            <a:normAutofit/>
+          </a:bodyPr>
+          <a:lstStyle/>
+          <a:p>
+            <a:pPr marL="0" indent="0" algn="ctr">
+              <a:buNone/>
+            </a:pPr>
+            <a:r>
+              <a:rPr lang="zh-TW" altLang="en-US" sz="4800" b="1" dirty="0">
+                <a:solidFill>
+                  <a:srgbClr val="660033"/>
+                </a:solidFill>
+                <a:effectLst/>
                 <a:latin typeface="Microsoft JhengHei" pitchFamily="34" charset="-120"/>
                 <a:ea typeface="Microsoft JhengHei" pitchFamily="34" charset="-120"/>
               </a:rPr>
-              <a:t>我只是個罪人</a:t>
-            </a:r>
-            <a:endParaRPr lang="en-US" b="1" dirty="0">
-              <a:solidFill>
-                <a:srgbClr val="660033"/>
-              </a:solidFill>
-              <a:latin typeface="Microsoft JhengHei" pitchFamily="34" charset="-120"/>
-              <a:ea typeface="Microsoft JhengHei" pitchFamily="34" charset="-120"/>
-            </a:endParaRPr>
-          </a:p>
-        </p:txBody>
-      </p:sp>
-      <p:sp>
-        <p:nvSpPr>
-          <p:cNvPr id="3" name="Content Placeholder 2"/>
-          <p:cNvSpPr>
-            <a:spLocks noGrp="1"/>
-          </p:cNvSpPr>
-          <p:nvPr>
-            <p:ph idx="1"/>
-          </p:nvPr>
-        </p:nvSpPr>
-        <p:spPr>
-          <a:xfrm>
-            <a:off x="0" y="1200151"/>
-            <a:ext cx="9144000" cy="3394472"/>
-          </a:xfrm>
-        </p:spPr>
-        <p:txBody>
-          <a:bodyPr>
-            <a:noAutofit/>
-          </a:bodyPr>
-          <a:lstStyle/>
-          <a:p>
-            <a:pPr marL="0" indent="0" algn="ctr">
-              <a:buNone/>
-            </a:pPr>
-            <a:r>
-              <a:rPr lang="zh-TW" altLang="en-US" sz="4800" b="1" dirty="0" smtClean="0">
-                <a:solidFill>
-                  <a:srgbClr val="660033"/>
-                </a:solidFill>
-                <a:latin typeface="Microsoft JhengHei" pitchFamily="34" charset="-120"/>
-                <a:ea typeface="Microsoft JhengHei" pitchFamily="34" charset="-120"/>
-              </a:rPr>
-              <a:t>諒我</a:t>
-            </a:r>
-            <a:r>
-              <a:rPr lang="zh-CN" altLang="en-US" sz="4800" b="1" dirty="0" smtClean="0">
-                <a:solidFill>
-                  <a:srgbClr val="660033"/>
-                </a:solidFill>
-                <a:latin typeface="Microsoft JhengHei" pitchFamily="34" charset="-120"/>
-                <a:ea typeface="Microsoft JhengHei" pitchFamily="34" charset="-120"/>
-              </a:rPr>
-              <a:t>這</a:t>
-            </a:r>
-            <a:r>
-              <a:rPr lang="zh-TW" altLang="en-US" sz="4800" b="1" dirty="0" smtClean="0">
-                <a:solidFill>
-                  <a:srgbClr val="660033"/>
-                </a:solidFill>
-                <a:latin typeface="Microsoft JhengHei" pitchFamily="34" charset="-120"/>
-                <a:ea typeface="Microsoft JhengHei" pitchFamily="34" charset="-120"/>
-              </a:rPr>
-              <a:t>罪人  </a:t>
-            </a:r>
-            <a:r>
-              <a:rPr lang="zh-TW" altLang="en-US" sz="4800" b="1" dirty="0">
-                <a:solidFill>
-                  <a:srgbClr val="660033"/>
-                </a:solidFill>
-                <a:latin typeface="Microsoft JhengHei" pitchFamily="34" charset="-120"/>
-                <a:ea typeface="Microsoft JhengHei" pitchFamily="34" charset="-120"/>
-              </a:rPr>
-              <a:t>情不能自禁</a:t>
+              <a:t>幸主已尋找  喜樂萬分</a:t>
             </a:r>
             <a:endParaRPr lang="en-US" altLang="zh-TW" sz="4800" b="1" dirty="0">
               <a:solidFill>
                 <a:srgbClr val="660033"/>
               </a:solidFill>
+              <a:effectLst/>
               <a:latin typeface="Microsoft JhengHei" pitchFamily="34" charset="-120"/>
               <a:ea typeface="Microsoft JhengHei" pitchFamily="34" charset="-120"/>
             </a:endParaRPr>
@@ -4973,155 +5103,47 @@
                 <a:solidFill>
                   <a:srgbClr val="660033"/>
                 </a:solidFill>
+                <a:effectLst/>
                 <a:latin typeface="Microsoft JhengHei" pitchFamily="34" charset="-120"/>
                 <a:ea typeface="Microsoft JhengHei" pitchFamily="34" charset="-120"/>
               </a:rPr>
-              <a:t>只</a:t>
-            </a:r>
-            <a:r>
-              <a:rPr lang="zh-TW" altLang="en-US" sz="4800" b="1" dirty="0" smtClean="0">
-                <a:solidFill>
-                  <a:srgbClr val="660033"/>
-                </a:solidFill>
+              <a:t>我只是個罪人  蒙</a:t>
+            </a:r>
+            <a:r>
+              <a:rPr lang="zh-CN" altLang="en-US" sz="4800" b="1" dirty="0">
+                <a:solidFill>
+                  <a:srgbClr val="660033"/>
+                </a:solidFill>
+                <a:effectLst/>
                 <a:latin typeface="Microsoft JhengHei" pitchFamily="34" charset="-120"/>
                 <a:ea typeface="Microsoft JhengHei" pitchFamily="34" charset="-120"/>
               </a:rPr>
-              <a:t>因深愛主  喜樂</a:t>
+              <a:t>救</a:t>
             </a:r>
             <a:r>
               <a:rPr lang="zh-TW" altLang="en-US" sz="4800" b="1" dirty="0">
                 <a:solidFill>
                   <a:srgbClr val="660033"/>
                 </a:solidFill>
+                <a:effectLst/>
                 <a:latin typeface="Microsoft JhengHei" pitchFamily="34" charset="-120"/>
                 <a:ea typeface="Microsoft JhengHei" pitchFamily="34" charset="-120"/>
               </a:rPr>
-              <a:t>滿我心</a:t>
-            </a:r>
-            <a:endParaRPr lang="en-US" altLang="zh-TW" sz="4800" b="1" dirty="0">
-              <a:solidFill>
-                <a:srgbClr val="660033"/>
-              </a:solidFill>
-              <a:latin typeface="Microsoft JhengHei" pitchFamily="34" charset="-120"/>
-              <a:ea typeface="Microsoft JhengHei" pitchFamily="34" charset="-120"/>
-            </a:endParaRPr>
-          </a:p>
-          <a:p>
-            <a:pPr marL="0" indent="0" algn="ctr">
-              <a:buNone/>
-            </a:pPr>
-            <a:r>
-              <a:rPr lang="zh-TW" altLang="en-US" sz="4800" b="1" dirty="0">
-                <a:solidFill>
-                  <a:srgbClr val="660033"/>
-                </a:solidFill>
-                <a:latin typeface="Microsoft JhengHei" pitchFamily="34" charset="-120"/>
-                <a:ea typeface="Microsoft JhengHei" pitchFamily="34" charset="-120"/>
-              </a:rPr>
-              <a:t>讓我再說</a:t>
-            </a:r>
-            <a:r>
-              <a:rPr lang="zh-TW" altLang="en-US" sz="4800" b="1" dirty="0" smtClean="0">
-                <a:solidFill>
-                  <a:srgbClr val="660033"/>
-                </a:solidFill>
-                <a:latin typeface="Microsoft JhengHei" pitchFamily="34" charset="-120"/>
-                <a:ea typeface="Microsoft JhengHei" pitchFamily="34" charset="-120"/>
-              </a:rPr>
-              <a:t>明  </a:t>
-            </a:r>
-            <a:r>
-              <a:rPr lang="zh-TW" altLang="en-US" sz="4800" b="1" dirty="0">
-                <a:solidFill>
-                  <a:srgbClr val="660033"/>
-                </a:solidFill>
-                <a:latin typeface="Microsoft JhengHei" pitchFamily="34" charset="-120"/>
-                <a:ea typeface="Microsoft JhengHei" pitchFamily="34" charset="-120"/>
-              </a:rPr>
-              <a:t>高聲謳吟</a:t>
-            </a:r>
-            <a:endParaRPr lang="en-US" altLang="zh-TW" sz="4800" b="1" dirty="0">
-              <a:solidFill>
-                <a:srgbClr val="660033"/>
-              </a:solidFill>
-              <a:latin typeface="Microsoft JhengHei" pitchFamily="34" charset="-120"/>
-              <a:ea typeface="Microsoft JhengHei" pitchFamily="34" charset="-120"/>
-            </a:endParaRPr>
-          </a:p>
-          <a:p>
-            <a:pPr marL="0" indent="0" algn="ctr">
-              <a:buNone/>
-            </a:pPr>
-            <a:r>
-              <a:rPr lang="zh-TW" altLang="en-US" sz="4800" b="1" dirty="0">
-                <a:solidFill>
-                  <a:srgbClr val="660033"/>
-                </a:solidFill>
-                <a:latin typeface="Microsoft JhengHei" pitchFamily="34" charset="-120"/>
-                <a:ea typeface="Microsoft JhengHei" pitchFamily="34" charset="-120"/>
-              </a:rPr>
-              <a:t>我只是個罪</a:t>
-            </a:r>
-            <a:r>
-              <a:rPr lang="zh-TW" altLang="en-US" sz="4800" b="1" dirty="0" smtClean="0">
-                <a:solidFill>
-                  <a:srgbClr val="660033"/>
-                </a:solidFill>
-                <a:latin typeface="Microsoft JhengHei" pitchFamily="34" charset="-120"/>
-                <a:ea typeface="Microsoft JhengHei" pitchFamily="34" charset="-120"/>
-              </a:rPr>
-              <a:t>人  </a:t>
-            </a:r>
-            <a:r>
-              <a:rPr lang="zh-TW" altLang="en-US" sz="4800" b="1" dirty="0" smtClean="0">
-                <a:solidFill>
-                  <a:srgbClr val="660033"/>
-                </a:solidFill>
-                <a:latin typeface="Microsoft JhengHei" pitchFamily="34" charset="-120"/>
-                <a:ea typeface="Microsoft JhengHei" pitchFamily="34" charset="-120"/>
-              </a:rPr>
-              <a:t>蒙</a:t>
-            </a:r>
-            <a:r>
-              <a:rPr lang="zh-CN" altLang="en-US" sz="4800" b="1" dirty="0">
-                <a:solidFill>
-                  <a:srgbClr val="660033"/>
-                </a:solidFill>
-                <a:latin typeface="Microsoft JhengHei" pitchFamily="34" charset="-120"/>
-                <a:ea typeface="Microsoft JhengHei" pitchFamily="34" charset="-120"/>
-              </a:rPr>
-              <a:t>救</a:t>
-            </a:r>
-            <a:r>
-              <a:rPr lang="zh-TW" altLang="en-US" sz="4800" b="1" dirty="0" smtClean="0">
-                <a:solidFill>
-                  <a:srgbClr val="660033"/>
-                </a:solidFill>
-                <a:latin typeface="Microsoft JhengHei" pitchFamily="34" charset="-120"/>
-                <a:ea typeface="Microsoft JhengHei" pitchFamily="34" charset="-120"/>
-              </a:rPr>
               <a:t>恩</a:t>
             </a:r>
-            <a:endParaRPr lang="zh-TW" altLang="en-US" sz="4800" b="1" dirty="0">
-              <a:solidFill>
-                <a:srgbClr val="660033"/>
-              </a:solidFill>
-              <a:latin typeface="Microsoft JhengHei" pitchFamily="34" charset="-120"/>
-              <a:ea typeface="Microsoft JhengHei" pitchFamily="34" charset="-120"/>
-            </a:endParaRPr>
-          </a:p>
-        </p:txBody>
-      </p:sp>
-      <p:sp>
-        <p:nvSpPr>
-          <p:cNvPr id="4" name="TextBox 3"/>
+          </a:p>
+        </p:txBody>
+      </p:sp>
+      <p:sp>
+        <p:nvSpPr>
+          <p:cNvPr id="3" name="TextBox 2"/>
           <p:cNvSpPr txBox="1"/>
           <p:nvPr/>
         </p:nvSpPr>
         <p:spPr>
           <a:xfrm>
-            <a:off x="323528" y="1275606"/>
-            <a:ext cx="792088" cy="830997"/>
+            <a:off x="0" y="3795886"/>
+            <a:ext cx="9144000" cy="646331"/>
           </a:xfrm>
           <a:prstGeom prst="rect">
             <a:avLst/>
@@ -5134,26 +5156,21 @@
           </a:bodyPr>
           <a:lstStyle/>
           <a:p>
-            <a:r>
-              <a:rPr lang="en-US" sz="4800" b="1" dirty="0">
-                <a:solidFill>
-                  <a:srgbClr val="660033"/>
-                </a:solidFill>
-              </a:rPr>
-              <a:t>4</a:t>
-            </a:r>
-            <a:r>
-              <a:rPr lang="en-US" sz="4800" b="1" dirty="0" smtClean="0">
-                <a:solidFill>
-                  <a:srgbClr val="660033"/>
-                </a:solidFill>
-              </a:rPr>
-              <a:t>.</a:t>
-            </a:r>
-            <a:endParaRPr lang="vi-VN" sz="4800" b="1" dirty="0">
+            <a:pPr algn="ctr"/>
+            <a:r>
+              <a:rPr lang="en-US" sz="3600" b="1" dirty="0">
+                <a:solidFill>
+                  <a:srgbClr val="660033"/>
+                </a:solidFill>
+                <a:effectLst/>
+              </a:rPr>
+              <a:t>( 2 )</a:t>
+            </a:r>
+            <a:endParaRPr lang="vi-VN" sz="3600" b="1" dirty="0">
               <a:solidFill>
                 <a:srgbClr val="660033"/>
               </a:solidFill>
+              <a:effectLst/>
             </a:endParaRPr>
           </a:p>
         </p:txBody>
@@ -5161,13 +5178,20 @@
     </p:spTree>
     <p:extLst>
       <p:ext uri="{BB962C8B-B14F-4D97-AF65-F5344CB8AC3E}">
-        <p14:creationId xmlns:p14="http://schemas.microsoft.com/office/powerpoint/2010/main" val="1438324991"/>
+        <p14:creationId xmlns:p14="http://schemas.microsoft.com/office/powerpoint/2010/main" val="4265259758"/>
       </p:ext>
     </p:extLst>
   </p:cSld>
   <p:clrMapOvr>
     <a:masterClrMapping/>
   </p:clrMapOvr>
+  <p:timing>
+    <p:tnLst>
+      <p:par>
+        <p:cTn id="1" dur="indefinite" restart="never" nodeType="tmRoot"/>
+      </p:par>
+    </p:tnLst>
+  </p:timing>
 </p:sld>
 </file>
 
@@ -5190,42 +5214,7 @@
       </p:grpSpPr>
       <p:sp>
         <p:nvSpPr>
-          <p:cNvPr id="2" name="Title 1"/>
-          <p:cNvSpPr>
-            <a:spLocks noGrp="1"/>
-          </p:cNvSpPr>
-          <p:nvPr>
-            <p:ph type="title"/>
-          </p:nvPr>
-        </p:nvSpPr>
-        <p:spPr/>
-        <p:txBody>
-          <a:bodyPr/>
-          <a:lstStyle/>
-          <a:p>
-            <a:r>
-              <a:rPr lang="zh-TW" altLang="en-US" b="1" dirty="0">
-                <a:solidFill>
-                  <a:srgbClr val="660033"/>
-                </a:solidFill>
-                <a:latin typeface="Microsoft JhengHei" pitchFamily="34" charset="-120"/>
-                <a:ea typeface="Microsoft JhengHei" pitchFamily="34" charset="-120"/>
-              </a:rPr>
-              <a:t>我只是個罪人</a:t>
-            </a:r>
-            <a:endParaRPr lang="en-US" b="1" dirty="0">
-              <a:solidFill>
-                <a:srgbClr val="660033"/>
-              </a:solidFill>
-              <a:latin typeface="Microsoft JhengHei" pitchFamily="34" charset="-120"/>
-              <a:ea typeface="Microsoft JhengHei" pitchFamily="34" charset="-120"/>
-            </a:endParaRPr>
-          </a:p>
-        </p:txBody>
-      </p:sp>
-      <p:sp>
-        <p:nvSpPr>
-          <p:cNvPr id="3" name="Content Placeholder 2"/>
+          <p:cNvPr id="5" name="內容版面配置區 4"/>
           <p:cNvSpPr>
             <a:spLocks noGrp="1"/>
           </p:cNvSpPr>
@@ -5235,13 +5224,13 @@
         </p:nvSpPr>
         <p:spPr>
           <a:xfrm>
-            <a:off x="0" y="1200151"/>
-            <a:ext cx="9144000" cy="3394472"/>
+            <a:off x="0" y="1563638"/>
+            <a:ext cx="9144000" cy="1803647"/>
           </a:xfrm>
         </p:spPr>
         <p:txBody>
-          <a:bodyPr>
-            <a:noAutofit/>
+          <a:bodyPr anchor="ctr">
+            <a:normAutofit/>
           </a:bodyPr>
           <a:lstStyle/>
           <a:p>
@@ -5253,6 +5242,7 @@
                 <a:solidFill>
                   <a:srgbClr val="660033"/>
                 </a:solidFill>
+                <a:effectLst/>
                 <a:latin typeface="Microsoft JhengHei" pitchFamily="34" charset="-120"/>
                 <a:ea typeface="Microsoft JhengHei" pitchFamily="34" charset="-120"/>
               </a:rPr>
@@ -5262,6 +5252,7 @@
               <a:solidFill>
                 <a:srgbClr val="660033"/>
               </a:solidFill>
+              <a:effectLst/>
               <a:latin typeface="Microsoft JhengHei" pitchFamily="34" charset="-120"/>
               <a:ea typeface="Microsoft JhengHei" pitchFamily="34" charset="-120"/>
             </a:endParaRPr>
@@ -5275,6 +5266,7 @@
                 <a:solidFill>
                   <a:srgbClr val="660033"/>
                 </a:solidFill>
+                <a:effectLst/>
                 <a:latin typeface="Microsoft JhengHei" pitchFamily="34" charset="-120"/>
                 <a:ea typeface="Microsoft JhengHei" pitchFamily="34" charset="-120"/>
               </a:rPr>
@@ -5284,76 +5276,141 @@
               <a:solidFill>
                 <a:srgbClr val="660033"/>
               </a:solidFill>
+              <a:effectLst/>
               <a:latin typeface="Microsoft JhengHei" pitchFamily="34" charset="-120"/>
               <a:ea typeface="Microsoft JhengHei" pitchFamily="34" charset="-120"/>
             </a:endParaRPr>
           </a:p>
-          <a:p>
-            <a:pPr marL="0" indent="0" algn="ctr">
-              <a:buNone/>
-            </a:pPr>
-            <a:r>
-              <a:rPr lang="zh-TW" altLang="en-US" sz="4800" b="1" dirty="0">
-                <a:solidFill>
-                  <a:srgbClr val="660033"/>
-                </a:solidFill>
-                <a:latin typeface="Microsoft JhengHei" pitchFamily="34" charset="-120"/>
-                <a:ea typeface="Microsoft JhengHei" pitchFamily="34" charset="-120"/>
-              </a:rPr>
-              <a:t>讚美主耶穌   榮耀都歸</a:t>
-            </a:r>
-            <a:r>
-              <a:rPr lang="zh-CN" altLang="en-US" sz="4800" b="1" dirty="0">
-                <a:solidFill>
-                  <a:srgbClr val="660033"/>
-                </a:solidFill>
-                <a:latin typeface="Microsoft JhengHei" pitchFamily="34" charset="-120"/>
-                <a:ea typeface="Microsoft JhengHei" pitchFamily="34" charset="-120"/>
-              </a:rPr>
-              <a:t>天父</a:t>
-            </a:r>
-            <a:endParaRPr lang="en-US" altLang="zh-TW" sz="4800" b="1" dirty="0">
-              <a:solidFill>
-                <a:srgbClr val="660033"/>
-              </a:solidFill>
-              <a:latin typeface="Microsoft JhengHei" pitchFamily="34" charset="-120"/>
-              <a:ea typeface="Microsoft JhengHei" pitchFamily="34" charset="-120"/>
-            </a:endParaRPr>
-          </a:p>
-          <a:p>
-            <a:pPr marL="0" indent="0" algn="ctr">
-              <a:buNone/>
-            </a:pPr>
-            <a:r>
-              <a:rPr lang="zh-TW" altLang="en-US" sz="4800" b="1" dirty="0">
-                <a:solidFill>
-                  <a:srgbClr val="660033"/>
-                </a:solidFill>
-                <a:latin typeface="Microsoft JhengHei" pitchFamily="34" charset="-120"/>
-                <a:ea typeface="Microsoft JhengHei" pitchFamily="34" charset="-120"/>
-              </a:rPr>
-              <a:t>我只是個罪人  蒙救恩</a:t>
-            </a:r>
-            <a:endParaRPr lang="zh-TW" altLang="en-US" sz="4800" b="1" dirty="0">
-              <a:solidFill>
-                <a:srgbClr val="660033"/>
-              </a:solidFill>
-              <a:latin typeface="Microsoft JhengHei" pitchFamily="34" charset="-120"/>
-              <a:ea typeface="Microsoft JhengHei" pitchFamily="34" charset="-120"/>
-            </a:endParaRPr>
-          </a:p>
         </p:txBody>
       </p:sp>
     </p:spTree>
     <p:extLst>
       <p:ext uri="{BB962C8B-B14F-4D97-AF65-F5344CB8AC3E}">
-        <p14:creationId xmlns:p14="http://schemas.microsoft.com/office/powerpoint/2010/main" val="2589090438"/>
+        <p14:creationId xmlns:p14="http://schemas.microsoft.com/office/powerpoint/2010/main" val="703247472"/>
       </p:ext>
     </p:extLst>
   </p:cSld>
   <p:clrMapOvr>
     <a:masterClrMapping/>
   </p:clrMapOvr>
+  <p:timing>
+    <p:tnLst>
+      <p:par>
+        <p:cTn id="1" dur="indefinite" restart="never" nodeType="tmRoot"/>
+      </p:par>
+    </p:tnLst>
+  </p:timing>
+</p:sld>
+</file>
+
+<file path=ppt/slides/slide9.xml><?xml version="1.0" encoding="utf-8"?>
+<p:sld xmlns:a="http://schemas.openxmlformats.org/drawingml/2006/main" xmlns:r="http://schemas.openxmlformats.org/officeDocument/2006/relationships" xmlns:p="http://schemas.openxmlformats.org/presentationml/2006/main">
+  <p:cSld>
+    <p:spTree>
+      <p:nvGrpSpPr>
+        <p:cNvPr id="1" name=""/>
+        <p:cNvGrpSpPr/>
+        <p:nvPr/>
+      </p:nvGrpSpPr>
+      <p:grpSpPr>
+        <a:xfrm>
+          <a:off x="0" y="0"/>
+          <a:ext cx="0" cy="0"/>
+          <a:chOff x="0" y="0"/>
+          <a:chExt cx="0" cy="0"/>
+        </a:xfrm>
+      </p:grpSpPr>
+      <p:sp>
+        <p:nvSpPr>
+          <p:cNvPr id="5" name="內容版面配置區 4"/>
+          <p:cNvSpPr>
+            <a:spLocks noGrp="1"/>
+          </p:cNvSpPr>
+          <p:nvPr>
+            <p:ph idx="1"/>
+          </p:nvPr>
+        </p:nvSpPr>
+        <p:spPr>
+          <a:xfrm>
+            <a:off x="0" y="1563638"/>
+            <a:ext cx="9144000" cy="1803647"/>
+          </a:xfrm>
+        </p:spPr>
+        <p:txBody>
+          <a:bodyPr anchor="ctr">
+            <a:normAutofit/>
+          </a:bodyPr>
+          <a:lstStyle/>
+          <a:p>
+            <a:pPr marL="0" indent="0" algn="ctr">
+              <a:buNone/>
+            </a:pPr>
+            <a:r>
+              <a:rPr lang="zh-TW" altLang="en-US" sz="4800" b="1" dirty="0">
+                <a:solidFill>
+                  <a:srgbClr val="660033"/>
+                </a:solidFill>
+                <a:effectLst/>
+                <a:latin typeface="Microsoft JhengHei" pitchFamily="34" charset="-120"/>
+                <a:ea typeface="Microsoft JhengHei" pitchFamily="34" charset="-120"/>
+              </a:rPr>
+              <a:t>讚美主耶穌   榮耀都歸</a:t>
+            </a:r>
+            <a:r>
+              <a:rPr lang="zh-CN" altLang="en-US" sz="4800" b="1" dirty="0">
+                <a:solidFill>
+                  <a:srgbClr val="660033"/>
+                </a:solidFill>
+                <a:effectLst/>
+                <a:latin typeface="Microsoft JhengHei" pitchFamily="34" charset="-120"/>
+                <a:ea typeface="Microsoft JhengHei" pitchFamily="34" charset="-120"/>
+              </a:rPr>
+              <a:t>天父</a:t>
+            </a:r>
+            <a:endParaRPr lang="en-US" altLang="zh-TW" sz="4800" b="1" dirty="0">
+              <a:solidFill>
+                <a:srgbClr val="660033"/>
+              </a:solidFill>
+              <a:effectLst/>
+              <a:latin typeface="Microsoft JhengHei" pitchFamily="34" charset="-120"/>
+              <a:ea typeface="Microsoft JhengHei" pitchFamily="34" charset="-120"/>
+            </a:endParaRPr>
+          </a:p>
+          <a:p>
+            <a:pPr marL="0" indent="0" algn="ctr">
+              <a:buNone/>
+            </a:pPr>
+            <a:r>
+              <a:rPr lang="zh-TW" altLang="en-US" sz="4800" b="1" dirty="0">
+                <a:solidFill>
+                  <a:srgbClr val="660033"/>
+                </a:solidFill>
+                <a:effectLst/>
+                <a:latin typeface="Microsoft JhengHei" pitchFamily="34" charset="-120"/>
+                <a:ea typeface="Microsoft JhengHei" pitchFamily="34" charset="-120"/>
+              </a:rPr>
+              <a:t>我只是個罪人   蒙救恩</a:t>
+            </a:r>
+          </a:p>
+        </p:txBody>
+      </p:sp>
+    </p:spTree>
+    <p:extLst>
+      <p:ext uri="{BB962C8B-B14F-4D97-AF65-F5344CB8AC3E}">
+        <p14:creationId xmlns:p14="http://schemas.microsoft.com/office/powerpoint/2010/main" val="1324358051"/>
+      </p:ext>
+    </p:extLst>
+  </p:cSld>
+  <p:clrMapOvr>
+    <a:masterClrMapping/>
+  </p:clrMapOvr>
+  <p:timing>
+    <p:tnLst>
+      <p:par>
+        <p:cTn id="1" dur="indefinite" restart="never" nodeType="tmRoot"/>
+      </p:par>
+    </p:tnLst>
+  </p:timing>
 </p:sld>
 </file>
 

--- a/宣道詩/(宣道詩101)我只是個罪人.pptx
+++ b/宣道詩/(宣道詩101)我只是個罪人.pptx
@@ -321,7 +321,7 @@
             <a:fld id="{0A4FAFAC-D9F1-449D-99A4-7782F4FE09F5}" type="datetimeFigureOut">
               <a:rPr lang="zh-TW" altLang="en-US" smtClean="0"/>
               <a:pPr/>
-              <a:t>2021/6/10</a:t>
+              <a:t>2022/5/21</a:t>
             </a:fld>
             <a:endParaRPr lang="zh-TW" altLang="en-US"/>
           </a:p>
@@ -488,7 +488,7 @@
             <a:fld id="{0A4FAFAC-D9F1-449D-99A4-7782F4FE09F5}" type="datetimeFigureOut">
               <a:rPr lang="zh-TW" altLang="en-US" smtClean="0"/>
               <a:pPr/>
-              <a:t>2021/6/10</a:t>
+              <a:t>2022/5/21</a:t>
             </a:fld>
             <a:endParaRPr lang="zh-TW" altLang="en-US"/>
           </a:p>
@@ -665,7 +665,7 @@
             <a:fld id="{0A4FAFAC-D9F1-449D-99A4-7782F4FE09F5}" type="datetimeFigureOut">
               <a:rPr lang="zh-TW" altLang="en-US" smtClean="0"/>
               <a:pPr/>
-              <a:t>2021/6/10</a:t>
+              <a:t>2022/5/21</a:t>
             </a:fld>
             <a:endParaRPr lang="zh-TW" altLang="en-US"/>
           </a:p>
@@ -832,7 +832,7 @@
             <a:fld id="{0A4FAFAC-D9F1-449D-99A4-7782F4FE09F5}" type="datetimeFigureOut">
               <a:rPr lang="zh-TW" altLang="en-US" smtClean="0"/>
               <a:pPr/>
-              <a:t>2021/6/10</a:t>
+              <a:t>2022/5/21</a:t>
             </a:fld>
             <a:endParaRPr lang="zh-TW" altLang="en-US"/>
           </a:p>
@@ -1075,7 +1075,7 @@
             <a:fld id="{0A4FAFAC-D9F1-449D-99A4-7782F4FE09F5}" type="datetimeFigureOut">
               <a:rPr lang="zh-TW" altLang="en-US" smtClean="0"/>
               <a:pPr/>
-              <a:t>2021/6/10</a:t>
+              <a:t>2022/5/21</a:t>
             </a:fld>
             <a:endParaRPr lang="zh-TW" altLang="en-US"/>
           </a:p>
@@ -1360,7 +1360,7 @@
             <a:fld id="{0A4FAFAC-D9F1-449D-99A4-7782F4FE09F5}" type="datetimeFigureOut">
               <a:rPr lang="zh-TW" altLang="en-US" smtClean="0"/>
               <a:pPr/>
-              <a:t>2021/6/10</a:t>
+              <a:t>2022/5/21</a:t>
             </a:fld>
             <a:endParaRPr lang="zh-TW" altLang="en-US"/>
           </a:p>
@@ -1779,7 +1779,7 @@
             <a:fld id="{0A4FAFAC-D9F1-449D-99A4-7782F4FE09F5}" type="datetimeFigureOut">
               <a:rPr lang="zh-TW" altLang="en-US" smtClean="0"/>
               <a:pPr/>
-              <a:t>2021/6/10</a:t>
+              <a:t>2022/5/21</a:t>
             </a:fld>
             <a:endParaRPr lang="zh-TW" altLang="en-US"/>
           </a:p>
@@ -1894,7 +1894,7 @@
             <a:fld id="{0A4FAFAC-D9F1-449D-99A4-7782F4FE09F5}" type="datetimeFigureOut">
               <a:rPr lang="zh-TW" altLang="en-US" smtClean="0"/>
               <a:pPr/>
-              <a:t>2021/6/10</a:t>
+              <a:t>2022/5/21</a:t>
             </a:fld>
             <a:endParaRPr lang="zh-TW" altLang="en-US"/>
           </a:p>
@@ -1986,7 +1986,7 @@
             <a:fld id="{0A4FAFAC-D9F1-449D-99A4-7782F4FE09F5}" type="datetimeFigureOut">
               <a:rPr lang="zh-TW" altLang="en-US" smtClean="0"/>
               <a:pPr/>
-              <a:t>2021/6/10</a:t>
+              <a:t>2022/5/21</a:t>
             </a:fld>
             <a:endParaRPr lang="zh-TW" altLang="en-US"/>
           </a:p>
@@ -2260,7 +2260,7 @@
             <a:fld id="{0A4FAFAC-D9F1-449D-99A4-7782F4FE09F5}" type="datetimeFigureOut">
               <a:rPr lang="zh-TW" altLang="en-US" smtClean="0"/>
               <a:pPr/>
-              <a:t>2021/6/10</a:t>
+              <a:t>2022/5/21</a:t>
             </a:fld>
             <a:endParaRPr lang="zh-TW" altLang="en-US"/>
           </a:p>
@@ -2514,7 +2514,7 @@
             <a:fld id="{0A4FAFAC-D9F1-449D-99A4-7782F4FE09F5}" type="datetimeFigureOut">
               <a:rPr lang="zh-TW" altLang="en-US" smtClean="0"/>
               <a:pPr/>
-              <a:t>2021/6/10</a:t>
+              <a:t>2022/5/21</a:t>
             </a:fld>
             <a:endParaRPr lang="zh-TW" altLang="en-US"/>
           </a:p>
@@ -2729,7 +2729,7 @@
             <a:fld id="{0A4FAFAC-D9F1-449D-99A4-7782F4FE09F5}" type="datetimeFigureOut">
               <a:rPr lang="zh-TW" altLang="en-US" smtClean="0"/>
               <a:pPr/>
-              <a:t>2021/6/10</a:t>
+              <a:t>2022/5/21</a:t>
             </a:fld>
             <a:endParaRPr lang="zh-TW" altLang="en-US"/>
           </a:p>
@@ -3384,15 +3384,29 @@
                 <a:solidFill>
                   <a:srgbClr val="660033"/>
                 </a:solidFill>
-                <a:effectLst/>
-              </a:rPr>
-              <a:t>( 3 )</a:t>
+              </a:rPr>
+              <a:t>( </a:t>
+            </a:r>
+            <a:r>
+              <a:rPr lang="en-US" sz="3600" b="1" dirty="0" smtClean="0">
+                <a:solidFill>
+                  <a:srgbClr val="660033"/>
+                </a:solidFill>
+              </a:rPr>
+              <a:t>3 </a:t>
+            </a:r>
+            <a:r>
+              <a:rPr lang="en-US" sz="3600" b="1" dirty="0">
+                <a:solidFill>
+                  <a:srgbClr val="660033"/>
+                </a:solidFill>
+              </a:rPr>
+              <a:t>/ 4 )</a:t>
             </a:r>
             <a:endParaRPr lang="vi-VN" sz="3600" b="1" dirty="0">
               <a:solidFill>
                 <a:srgbClr val="660033"/>
               </a:solidFill>
-              <a:effectLst/>
             </a:endParaRPr>
           </a:p>
         </p:txBody>
@@ -3547,15 +3561,13 @@
                 <a:solidFill>
                   <a:srgbClr val="660033"/>
                 </a:solidFill>
-                <a:effectLst/>
-              </a:rPr>
-              <a:t>( 3 )</a:t>
+              </a:rPr>
+              <a:t>( 3 / 4 )</a:t>
             </a:r>
             <a:endParaRPr lang="vi-VN" sz="3600" b="1" dirty="0">
               <a:solidFill>
                 <a:srgbClr val="660033"/>
               </a:solidFill>
-              <a:effectLst/>
             </a:endParaRPr>
           </a:p>
         </p:txBody>
@@ -3937,15 +3949,29 @@
                 <a:solidFill>
                   <a:srgbClr val="660033"/>
                 </a:solidFill>
-                <a:effectLst/>
-              </a:rPr>
-              <a:t>( 4 )</a:t>
+              </a:rPr>
+              <a:t>( </a:t>
+            </a:r>
+            <a:r>
+              <a:rPr lang="en-US" sz="3600" b="1" dirty="0" smtClean="0">
+                <a:solidFill>
+                  <a:srgbClr val="660033"/>
+                </a:solidFill>
+              </a:rPr>
+              <a:t>4 </a:t>
+            </a:r>
+            <a:r>
+              <a:rPr lang="en-US" sz="3600" b="1" dirty="0">
+                <a:solidFill>
+                  <a:srgbClr val="660033"/>
+                </a:solidFill>
+              </a:rPr>
+              <a:t>/ 4 )</a:t>
             </a:r>
             <a:endParaRPr lang="vi-VN" sz="3600" b="1" dirty="0">
               <a:solidFill>
                 <a:srgbClr val="660033"/>
               </a:solidFill>
-              <a:effectLst/>
             </a:endParaRPr>
           </a:p>
         </p:txBody>
@@ -4100,15 +4126,13 @@
                 <a:solidFill>
                   <a:srgbClr val="660033"/>
                 </a:solidFill>
-                <a:effectLst/>
-              </a:rPr>
-              <a:t>( 4 )</a:t>
+              </a:rPr>
+              <a:t>( 4 / 4 )</a:t>
             </a:r>
             <a:endParaRPr lang="vi-VN" sz="3600" b="1" dirty="0">
               <a:solidFill>
                 <a:srgbClr val="660033"/>
               </a:solidFill>
-              <a:effectLst/>
             </a:endParaRPr>
           </a:p>
         </p:txBody>
@@ -4470,7 +4494,25 @@
                 </a:solidFill>
                 <a:effectLst/>
               </a:rPr>
-              <a:t>( 1 )</a:t>
+              <a:t>( </a:t>
+            </a:r>
+            <a:r>
+              <a:rPr lang="en-US" sz="3600" b="1" dirty="0" smtClean="0">
+                <a:solidFill>
+                  <a:srgbClr val="660033"/>
+                </a:solidFill>
+                <a:effectLst/>
+              </a:rPr>
+              <a:t>1 / 4 </a:t>
+            </a:r>
+            <a:r>
+              <a:rPr lang="en-US" sz="3600" b="1" dirty="0" smtClean="0">
+                <a:solidFill>
+                  <a:srgbClr val="660033"/>
+                </a:solidFill>
+                <a:effectLst/>
+              </a:rPr>
+              <a:t>)</a:t>
             </a:r>
             <a:endParaRPr lang="vi-VN" sz="3600" b="1" dirty="0">
               <a:solidFill>
@@ -4631,15 +4673,13 @@
                 <a:solidFill>
                   <a:srgbClr val="660033"/>
                 </a:solidFill>
-                <a:effectLst/>
-              </a:rPr>
-              <a:t>( 1 )</a:t>
+              </a:rPr>
+              <a:t>( 1 / 4 )</a:t>
             </a:r>
             <a:endParaRPr lang="vi-VN" sz="3600" b="1" dirty="0">
               <a:solidFill>
                 <a:srgbClr val="660033"/>
               </a:solidFill>
-              <a:effectLst/>
             </a:endParaRPr>
           </a:p>
         </p:txBody>
@@ -4999,15 +5039,29 @@
                 <a:solidFill>
                   <a:srgbClr val="660033"/>
                 </a:solidFill>
-                <a:effectLst/>
-              </a:rPr>
-              <a:t>( 2 )</a:t>
+              </a:rPr>
+              <a:t>( </a:t>
+            </a:r>
+            <a:r>
+              <a:rPr lang="en-US" sz="3600" b="1" dirty="0" smtClean="0">
+                <a:solidFill>
+                  <a:srgbClr val="660033"/>
+                </a:solidFill>
+              </a:rPr>
+              <a:t>2 </a:t>
+            </a:r>
+            <a:r>
+              <a:rPr lang="en-US" sz="3600" b="1" dirty="0">
+                <a:solidFill>
+                  <a:srgbClr val="660033"/>
+                </a:solidFill>
+              </a:rPr>
+              <a:t>/ 4 )</a:t>
             </a:r>
             <a:endParaRPr lang="vi-VN" sz="3600" b="1" dirty="0">
               <a:solidFill>
                 <a:srgbClr val="660033"/>
               </a:solidFill>
-              <a:effectLst/>
             </a:endParaRPr>
           </a:p>
         </p:txBody>
@@ -5162,15 +5216,13 @@
                 <a:solidFill>
                   <a:srgbClr val="660033"/>
                 </a:solidFill>
-                <a:effectLst/>
-              </a:rPr>
-              <a:t>( 2 )</a:t>
+              </a:rPr>
+              <a:t>( 2 / 4 )</a:t>
             </a:r>
             <a:endParaRPr lang="vi-VN" sz="3600" b="1" dirty="0">
               <a:solidFill>
                 <a:srgbClr val="660033"/>
               </a:solidFill>
-              <a:effectLst/>
             </a:endParaRPr>
           </a:p>
         </p:txBody>
